--- a/��ѵ/��Ŀ���� - 0. ����.pptx
+++ b/��ѵ/��Ŀ���� - 0. ����.pptx
@@ -11,16 +11,16 @@
     <p:sldId id="256" r:id="rId2"/>
     <p:sldId id="257" r:id="rId3"/>
     <p:sldId id="258" r:id="rId4"/>
-    <p:sldId id="300" r:id="rId5"/>
-    <p:sldId id="259" r:id="rId6"/>
+    <p:sldId id="286" r:id="rId5"/>
+    <p:sldId id="287" r:id="rId6"/>
     <p:sldId id="260" r:id="rId7"/>
-    <p:sldId id="277" r:id="rId8"/>
-    <p:sldId id="282" r:id="rId9"/>
-    <p:sldId id="283" r:id="rId10"/>
-    <p:sldId id="262" r:id="rId11"/>
-    <p:sldId id="284" r:id="rId12"/>
-    <p:sldId id="263" r:id="rId13"/>
-    <p:sldId id="285" r:id="rId14"/>
+    <p:sldId id="290" r:id="rId8"/>
+    <p:sldId id="262" r:id="rId9"/>
+    <p:sldId id="284" r:id="rId10"/>
+    <p:sldId id="263" r:id="rId11"/>
+    <p:sldId id="285" r:id="rId12"/>
+    <p:sldId id="288" r:id="rId13"/>
+    <p:sldId id="289" r:id="rId14"/>
     <p:sldId id="261" r:id="rId15"/>
     <p:sldId id="264" r:id="rId16"/>
     <p:sldId id="266" r:id="rId17"/>
@@ -6128,7 +6128,7 @@
           <a:p>
             <a:fld id="{8B2801E3-CA6A-4A79-87E4-A028D49854B5}" type="datetimeFigureOut">
               <a:rPr lang="zh-CN" altLang="en-US" smtClean="0"/>
-              <a:t>2011/5/19</a:t>
+              <a:t>2011/5/27</a:t>
             </a:fld>
             <a:endParaRPr lang="zh-CN" altLang="en-US"/>
           </a:p>
@@ -6525,13 +6525,11 @@
         </p:nvSpPr>
         <p:spPr/>
         <p:txBody>
-          <a:bodyPr/>
+          <a:bodyPr>
+            <a:normAutofit/>
+          </a:bodyPr>
           <a:lstStyle/>
           <a:p>
-            <a:r>
-              <a:rPr lang="zh-CN" altLang="en-US" dirty="0" smtClean="0"/>
-              <a:t>财务分析：投资回报率，投入产出比，投资回收期</a:t>
-            </a:r>
             <a:endParaRPr lang="zh-CN" altLang="en-US" dirty="0"/>
           </a:p>
         </p:txBody>
@@ -6551,20 +6549,21 @@
           <a:bodyPr/>
           <a:lstStyle/>
           <a:p>
-            <a:fld id="{B072492B-9112-4CE2-A05B-CF5D9A5E2D07}" type="slidenum">
-              <a:rPr lang="zh-CN" altLang="en-US" smtClean="0"/>
-              <a:t>7</a:t>
+            <a:pPr>
+              <a:defRPr/>
+            </a:pPr>
+            <a:fld id="{2D70A793-C072-4DB4-AAF5-69ED796BA566}" type="slidenum">
+              <a:rPr lang="en-US" altLang="zh-CN" smtClean="0"/>
+              <a:pPr>
+                <a:defRPr/>
+              </a:pPr>
+              <a:t>11</a:t>
             </a:fld>
-            <a:endParaRPr lang="zh-CN" altLang="en-US"/>
+            <a:endParaRPr lang="en-US" altLang="zh-CN" dirty="0"/>
           </a:p>
         </p:txBody>
       </p:sp>
     </p:spTree>
-    <p:extLst>
-      <p:ext uri="{BB962C8B-B14F-4D97-AF65-F5344CB8AC3E}">
-        <p14:creationId xmlns:p14="http://schemas.microsoft.com/office/powerpoint/2010/main" val="2725379338"/>
-      </p:ext>
-    </p:extLst>
   </p:cSld>
   <p:clrMapOvr>
     <a:masterClrMapping/>
@@ -6613,11 +6612,13 @@
         </p:nvSpPr>
         <p:spPr/>
         <p:txBody>
-          <a:bodyPr>
-            <a:normAutofit/>
-          </a:bodyPr>
+          <a:bodyPr/>
           <a:lstStyle/>
           <a:p>
+            <a:r>
+              <a:rPr lang="zh-CN" altLang="en-US" dirty="0" smtClean="0"/>
+              <a:t>财务分析：投资回报率，投入产出比，投资回收期</a:t>
+            </a:r>
             <a:endParaRPr lang="zh-CN" altLang="en-US" dirty="0"/>
           </a:p>
         </p:txBody>
@@ -6637,21 +6638,20 @@
           <a:bodyPr/>
           <a:lstStyle/>
           <a:p>
-            <a:pPr>
-              <a:defRPr/>
-            </a:pPr>
-            <a:fld id="{2D70A793-C072-4DB4-AAF5-69ED796BA566}" type="slidenum">
-              <a:rPr lang="en-US" altLang="zh-CN" smtClean="0"/>
-              <a:pPr>
-                <a:defRPr/>
-              </a:pPr>
-              <a:t>13</a:t>
+            <a:fld id="{B072492B-9112-4CE2-A05B-CF5D9A5E2D07}" type="slidenum">
+              <a:rPr lang="zh-CN" altLang="en-US" smtClean="0"/>
+              <a:t>12</a:t>
             </a:fld>
-            <a:endParaRPr lang="en-US" altLang="zh-CN" dirty="0"/>
+            <a:endParaRPr lang="zh-CN" altLang="en-US"/>
           </a:p>
         </p:txBody>
       </p:sp>
     </p:spTree>
+    <p:extLst>
+      <p:ext uri="{BB962C8B-B14F-4D97-AF65-F5344CB8AC3E}">
+        <p14:creationId xmlns:p14="http://schemas.microsoft.com/office/powerpoint/2010/main" val="2725379338"/>
+      </p:ext>
+    </p:extLst>
   </p:cSld>
   <p:clrMapOvr>
     <a:masterClrMapping/>
@@ -6984,7 +6984,7 @@
           <a:p>
             <a:fld id="{530820CF-B880-4189-942D-D702A7CBA730}" type="datetimeFigureOut">
               <a:rPr lang="zh-CN" altLang="en-US" smtClean="0"/>
-              <a:t>2011/5/19</a:t>
+              <a:t>2011/5/27</a:t>
             </a:fld>
             <a:endParaRPr lang="zh-CN" altLang="en-US"/>
           </a:p>
@@ -7217,7 +7217,7 @@
           <a:p>
             <a:fld id="{530820CF-B880-4189-942D-D702A7CBA730}" type="datetimeFigureOut">
               <a:rPr lang="zh-CN" altLang="en-US" smtClean="0"/>
-              <a:t>2011/5/19</a:t>
+              <a:t>2011/5/27</a:t>
             </a:fld>
             <a:endParaRPr lang="zh-CN" altLang="en-US"/>
           </a:p>
@@ -7455,7 +7455,7 @@
           <a:p>
             <a:fld id="{530820CF-B880-4189-942D-D702A7CBA730}" type="datetimeFigureOut">
               <a:rPr lang="zh-CN" altLang="en-US" smtClean="0"/>
-              <a:t>2011/5/19</a:t>
+              <a:t>2011/5/27</a:t>
             </a:fld>
             <a:endParaRPr lang="zh-CN" altLang="en-US"/>
           </a:p>
@@ -7790,7 +7790,7 @@
           <a:p>
             <a:fld id="{530820CF-B880-4189-942D-D702A7CBA730}" type="datetimeFigureOut">
               <a:rPr lang="zh-CN" altLang="en-US" smtClean="0"/>
-              <a:t>2011/5/19</a:t>
+              <a:t>2011/5/27</a:t>
             </a:fld>
             <a:endParaRPr lang="zh-CN" altLang="en-US"/>
           </a:p>
@@ -8043,7 +8043,7 @@
           <a:p>
             <a:fld id="{530820CF-B880-4189-942D-D702A7CBA730}" type="datetimeFigureOut">
               <a:rPr lang="zh-CN" altLang="en-US" smtClean="0"/>
-              <a:t>2011/5/19</a:t>
+              <a:t>2011/5/27</a:t>
             </a:fld>
             <a:endParaRPr lang="zh-CN" altLang="en-US"/>
           </a:p>
@@ -8408,7 +8408,7 @@
           <a:p>
             <a:fld id="{530820CF-B880-4189-942D-D702A7CBA730}" type="datetimeFigureOut">
               <a:rPr lang="zh-CN" altLang="en-US" smtClean="0"/>
-              <a:t>2011/5/19</a:t>
+              <a:t>2011/5/27</a:t>
             </a:fld>
             <a:endParaRPr lang="zh-CN" altLang="en-US"/>
           </a:p>
@@ -8951,7 +8951,7 @@
           <a:p>
             <a:fld id="{530820CF-B880-4189-942D-D702A7CBA730}" type="datetimeFigureOut">
               <a:rPr lang="zh-CN" altLang="en-US" smtClean="0"/>
-              <a:t>2011/5/19</a:t>
+              <a:t>2011/5/27</a:t>
             </a:fld>
             <a:endParaRPr lang="zh-CN" altLang="en-US"/>
           </a:p>
@@ -9076,7 +9076,7 @@
           <a:p>
             <a:fld id="{530820CF-B880-4189-942D-D702A7CBA730}" type="datetimeFigureOut">
               <a:rPr lang="zh-CN" altLang="en-US" smtClean="0"/>
-              <a:t>2011/5/19</a:t>
+              <a:t>2011/5/27</a:t>
             </a:fld>
             <a:endParaRPr lang="zh-CN" altLang="en-US"/>
           </a:p>
@@ -9178,7 +9178,7 @@
           <a:p>
             <a:fld id="{530820CF-B880-4189-942D-D702A7CBA730}" type="datetimeFigureOut">
               <a:rPr lang="zh-CN" altLang="en-US" smtClean="0"/>
-              <a:t>2011/5/19</a:t>
+              <a:t>2011/5/27</a:t>
             </a:fld>
             <a:endParaRPr lang="zh-CN" altLang="en-US"/>
           </a:p>
@@ -9511,7 +9511,7 @@
           <a:p>
             <a:fld id="{530820CF-B880-4189-942D-D702A7CBA730}" type="datetimeFigureOut">
               <a:rPr lang="zh-CN" altLang="en-US" smtClean="0"/>
-              <a:t>2011/5/19</a:t>
+              <a:t>2011/5/27</a:t>
             </a:fld>
             <a:endParaRPr lang="zh-CN" altLang="en-US"/>
           </a:p>
@@ -9782,7 +9782,7 @@
           <a:p>
             <a:fld id="{530820CF-B880-4189-942D-D702A7CBA730}" type="datetimeFigureOut">
               <a:rPr lang="zh-CN" altLang="en-US" smtClean="0"/>
-              <a:t>2011/5/19</a:t>
+              <a:t>2011/5/27</a:t>
             </a:fld>
             <a:endParaRPr lang="zh-CN" altLang="en-US"/>
           </a:p>
@@ -10219,7 +10219,7 @@
           <a:p>
             <a:fld id="{530820CF-B880-4189-942D-D702A7CBA730}" type="datetimeFigureOut">
               <a:rPr lang="zh-CN" altLang="en-US" smtClean="0"/>
-              <a:t>2011/5/19</a:t>
+              <a:t>2011/5/27</a:t>
             </a:fld>
             <a:endParaRPr lang="zh-CN" altLang="en-US"/>
           </a:p>
@@ -10756,1639 +10756,6 @@
       </p:grpSpPr>
       <p:sp>
         <p:nvSpPr>
-          <p:cNvPr id="21507" name="Rectangle 2"/>
-          <p:cNvSpPr>
-            <a:spLocks noGrp="1" noChangeArrowheads="1"/>
-          </p:cNvSpPr>
-          <p:nvPr>
-            <p:ph type="title"/>
-          </p:nvPr>
-        </p:nvSpPr>
-        <p:spPr/>
-        <p:txBody>
-          <a:bodyPr/>
-          <a:lstStyle/>
-          <a:p>
-            <a:pPr eaLnBrk="1" hangingPunct="1"/>
-            <a:r>
-              <a:rPr lang="zh-CN" altLang="en-US" dirty="0" smtClean="0"/>
-              <a:t>什么是项目管理</a:t>
-            </a:r>
-            <a:r>
-              <a:rPr lang="en-US" altLang="zh-CN" dirty="0" smtClean="0"/>
-              <a:t>?</a:t>
-            </a:r>
-          </a:p>
-        </p:txBody>
-      </p:sp>
-      <p:sp>
-        <p:nvSpPr>
-          <p:cNvPr id="21508" name="Rectangle 3"/>
-          <p:cNvSpPr>
-            <a:spLocks noGrp="1" noChangeArrowheads="1"/>
-          </p:cNvSpPr>
-          <p:nvPr>
-            <p:ph sz="quarter" idx="1"/>
-          </p:nvPr>
-        </p:nvSpPr>
-        <p:spPr>
-          <a:xfrm>
-            <a:off x="248148" y="1292924"/>
-            <a:ext cx="8029572" cy="1143000"/>
-          </a:xfrm>
-        </p:spPr>
-        <p:txBody>
-          <a:bodyPr>
-            <a:normAutofit lnSpcReduction="10000"/>
-          </a:bodyPr>
-          <a:lstStyle/>
-          <a:p>
-            <a:pPr eaLnBrk="1" hangingPunct="1">
-              <a:spcBef>
-                <a:spcPts val="300"/>
-              </a:spcBef>
-            </a:pPr>
-            <a:r>
-              <a:rPr lang="zh-CN" altLang="en-US" sz="2400" b="1" dirty="0" smtClean="0">
-                <a:latin typeface="Arial" charset="0"/>
-              </a:rPr>
-              <a:t>项目管理</a:t>
-            </a:r>
-            <a:r>
-              <a:rPr lang="en-US" altLang="zh-CN" sz="2400" b="1" dirty="0" smtClean="0">
-                <a:latin typeface="Arial" charset="0"/>
-              </a:rPr>
-              <a:t>[Project management]</a:t>
-            </a:r>
-            <a:r>
-              <a:rPr lang="zh-CN" altLang="en-US" sz="2400" b="1" dirty="0" smtClean="0">
-                <a:latin typeface="Arial" charset="0"/>
-              </a:rPr>
-              <a:t>：</a:t>
-            </a:r>
-            <a:r>
-              <a:rPr lang="zh-CN" altLang="en-US" sz="2400" dirty="0" smtClean="0">
-                <a:latin typeface="Arial" charset="0"/>
-              </a:rPr>
-              <a:t>将知识、技能、工具与技术应用于项目活动，以满足项目的要求</a:t>
-            </a:r>
-            <a:endParaRPr lang="en-US" altLang="zh-CN" sz="2400" dirty="0" smtClean="0">
-              <a:latin typeface="Arial" charset="0"/>
-            </a:endParaRPr>
-          </a:p>
-        </p:txBody>
-      </p:sp>
-      <p:sp>
-        <p:nvSpPr>
-          <p:cNvPr id="21509" name="Footer Placeholder 5"/>
-          <p:cNvSpPr txBox="1">
-            <a:spLocks noGrp="1"/>
-          </p:cNvSpPr>
-          <p:nvPr/>
-        </p:nvSpPr>
-        <p:spPr bwMode="auto">
-          <a:xfrm>
-            <a:off x="1524000" y="6400800"/>
-            <a:ext cx="6248400" cy="457200"/>
-          </a:xfrm>
-          <a:prstGeom prst="rect">
-            <a:avLst/>
-          </a:prstGeom>
-          <a:noFill/>
-          <a:ln w="9525">
-            <a:noFill/>
-            <a:miter lim="800000"/>
-            <a:headEnd/>
-            <a:tailEnd/>
-          </a:ln>
-        </p:spPr>
-        <p:txBody>
-          <a:bodyPr anchor="ctr"/>
-          <a:lstStyle/>
-          <a:p>
-            <a:pPr>
-              <a:lnSpc>
-                <a:spcPct val="90000"/>
-              </a:lnSpc>
-              <a:spcBef>
-                <a:spcPct val="20000"/>
-              </a:spcBef>
-            </a:pPr>
-            <a:endParaRPr lang="zh-CN" altLang="zh-CN" sz="1400">
-              <a:solidFill>
-                <a:schemeClr val="tx2"/>
-              </a:solidFill>
-              <a:latin typeface="Times New Roman" pitchFamily="18" charset="0"/>
-            </a:endParaRPr>
-          </a:p>
-        </p:txBody>
-      </p:sp>
-      <p:pic>
-        <p:nvPicPr>
-          <p:cNvPr id="7" name="Picture 3"/>
-          <p:cNvPicPr>
-            <a:picLocks noChangeAspect="1" noChangeArrowheads="1"/>
-          </p:cNvPicPr>
-          <p:nvPr/>
-        </p:nvPicPr>
-        <p:blipFill>
-          <a:blip r:embed="rId2"/>
-          <a:srcRect/>
-          <a:stretch>
-            <a:fillRect/>
-          </a:stretch>
-        </p:blipFill>
-        <p:spPr bwMode="auto">
-          <a:xfrm>
-            <a:off x="285720" y="2857161"/>
-            <a:ext cx="3221763" cy="2895600"/>
-          </a:xfrm>
-          <a:prstGeom prst="rect">
-            <a:avLst/>
-          </a:prstGeom>
-          <a:noFill/>
-          <a:ln w="12700" cap="sq">
-            <a:noFill/>
-            <a:miter lim="800000"/>
-            <a:headEnd type="none" w="sm" len="sm"/>
-            <a:tailEnd type="none" w="sm" len="sm"/>
-          </a:ln>
-        </p:spPr>
-      </p:pic>
-      <p:grpSp>
-        <p:nvGrpSpPr>
-          <p:cNvPr id="2" name="组合 21"/>
-          <p:cNvGrpSpPr/>
-          <p:nvPr/>
-        </p:nvGrpSpPr>
-        <p:grpSpPr>
-          <a:xfrm>
-            <a:off x="4992659" y="2628561"/>
-            <a:ext cx="3664883" cy="3474423"/>
-            <a:chOff x="5087939" y="2743200"/>
-            <a:chExt cx="3664883" cy="3474423"/>
-          </a:xfrm>
-        </p:grpSpPr>
-        <p:sp>
-          <p:nvSpPr>
-            <p:cNvPr id="8" name="椭圆 7"/>
-            <p:cNvSpPr/>
-            <p:nvPr/>
-          </p:nvSpPr>
-          <p:spPr>
-            <a:xfrm>
-              <a:off x="5638800" y="3276600"/>
-              <a:ext cx="2514600" cy="2514600"/>
-            </a:xfrm>
-            <a:prstGeom prst="ellipse">
-              <a:avLst/>
-            </a:prstGeom>
-            <a:solidFill>
-              <a:schemeClr val="accent6"/>
-            </a:solidFill>
-          </p:spPr>
-          <p:style>
-            <a:lnRef idx="2">
-              <a:schemeClr val="accent1">
-                <a:shade val="50000"/>
-              </a:schemeClr>
-            </a:lnRef>
-            <a:fillRef idx="1">
-              <a:schemeClr val="accent1"/>
-            </a:fillRef>
-            <a:effectRef idx="0">
-              <a:schemeClr val="accent1"/>
-            </a:effectRef>
-            <a:fontRef idx="minor">
-              <a:schemeClr val="lt1"/>
-            </a:fontRef>
-          </p:style>
-          <p:txBody>
-            <a:bodyPr rtlCol="0" anchor="ctr"/>
-            <a:lstStyle/>
-            <a:p>
-              <a:pPr algn="ctr"/>
-              <a:endParaRPr lang="zh-CN" altLang="en-US" b="1" dirty="0">
-                <a:solidFill>
-                  <a:schemeClr val="tx1"/>
-                </a:solidFill>
-                <a:latin typeface="微软雅黑" pitchFamily="34" charset="-122"/>
-                <a:ea typeface="微软雅黑" pitchFamily="34" charset="-122"/>
-              </a:endParaRPr>
-            </a:p>
-          </p:txBody>
-        </p:sp>
-        <p:sp>
-          <p:nvSpPr>
-            <p:cNvPr id="9" name="等腰三角形 8"/>
-            <p:cNvSpPr/>
-            <p:nvPr/>
-          </p:nvSpPr>
-          <p:spPr>
-            <a:xfrm>
-              <a:off x="5790071" y="3262489"/>
-              <a:ext cx="2226169" cy="1919111"/>
-            </a:xfrm>
-            <a:prstGeom prst="triangle">
-              <a:avLst/>
-            </a:prstGeom>
-            <a:solidFill>
-              <a:srgbClr val="FFC000"/>
-            </a:solidFill>
-          </p:spPr>
-          <p:style>
-            <a:lnRef idx="2">
-              <a:schemeClr val="accent1">
-                <a:shade val="50000"/>
-              </a:schemeClr>
-            </a:lnRef>
-            <a:fillRef idx="1">
-              <a:schemeClr val="accent1"/>
-            </a:fillRef>
-            <a:effectRef idx="0">
-              <a:schemeClr val="accent1"/>
-            </a:effectRef>
-            <a:fontRef idx="minor">
-              <a:schemeClr val="lt1"/>
-            </a:fontRef>
-          </p:style>
-          <p:txBody>
-            <a:bodyPr rtlCol="0" anchor="ctr"/>
-            <a:lstStyle/>
-            <a:p>
-              <a:pPr algn="ctr"/>
-              <a:endParaRPr lang="zh-CN" altLang="en-US" b="1">
-                <a:solidFill>
-                  <a:schemeClr val="tx1"/>
-                </a:solidFill>
-                <a:latin typeface="微软雅黑" pitchFamily="34" charset="-122"/>
-                <a:ea typeface="微软雅黑" pitchFamily="34" charset="-122"/>
-              </a:endParaRPr>
-            </a:p>
-          </p:txBody>
-        </p:sp>
-        <p:sp>
-          <p:nvSpPr>
-            <p:cNvPr id="10" name="椭圆 9"/>
-            <p:cNvSpPr/>
-            <p:nvPr/>
-          </p:nvSpPr>
-          <p:spPr>
-            <a:xfrm>
-              <a:off x="6248400" y="3886200"/>
-              <a:ext cx="1295400" cy="1295400"/>
-            </a:xfrm>
-            <a:prstGeom prst="ellipse">
-              <a:avLst/>
-            </a:prstGeom>
-            <a:solidFill>
-              <a:schemeClr val="accent6"/>
-            </a:solidFill>
-          </p:spPr>
-          <p:style>
-            <a:lnRef idx="2">
-              <a:schemeClr val="accent1">
-                <a:shade val="50000"/>
-              </a:schemeClr>
-            </a:lnRef>
-            <a:fillRef idx="1">
-              <a:schemeClr val="accent1"/>
-            </a:fillRef>
-            <a:effectRef idx="0">
-              <a:schemeClr val="accent1"/>
-            </a:effectRef>
-            <a:fontRef idx="minor">
-              <a:schemeClr val="lt1"/>
-            </a:fontRef>
-          </p:style>
-          <p:txBody>
-            <a:bodyPr rtlCol="0" anchor="ctr"/>
-            <a:lstStyle/>
-            <a:p>
-              <a:pPr algn="ctr"/>
-              <a:r>
-                <a:rPr lang="zh-CN" altLang="en-US" b="1" dirty="0" smtClean="0">
-                  <a:solidFill>
-                    <a:schemeClr val="tx1"/>
-                  </a:solidFill>
-                  <a:latin typeface="微软雅黑" pitchFamily="34" charset="-122"/>
-                  <a:ea typeface="微软雅黑" pitchFamily="34" charset="-122"/>
-                </a:rPr>
-                <a:t>质量</a:t>
-              </a:r>
-              <a:endParaRPr lang="zh-CN" altLang="en-US" b="1" dirty="0">
-                <a:solidFill>
-                  <a:schemeClr val="tx1"/>
-                </a:solidFill>
-                <a:latin typeface="微软雅黑" pitchFamily="34" charset="-122"/>
-                <a:ea typeface="微软雅黑" pitchFamily="34" charset="-122"/>
-              </a:endParaRPr>
-            </a:p>
-          </p:txBody>
-        </p:sp>
-        <p:sp>
-          <p:nvSpPr>
-            <p:cNvPr id="11" name="TextBox 10"/>
-            <p:cNvSpPr txBox="1"/>
-            <p:nvPr/>
-          </p:nvSpPr>
-          <p:spPr>
-            <a:xfrm rot="18176836">
-              <a:off x="5826838" y="3940534"/>
-              <a:ext cx="697627" cy="400110"/>
-            </a:xfrm>
-            <a:prstGeom prst="rect">
-              <a:avLst/>
-            </a:prstGeom>
-            <a:noFill/>
-          </p:spPr>
-          <p:txBody>
-            <a:bodyPr wrap="none" rtlCol="0">
-              <a:spAutoFit/>
-            </a:bodyPr>
-            <a:lstStyle/>
-            <a:p>
-              <a:r>
-                <a:rPr lang="zh-CN" altLang="en-US" b="1" dirty="0" smtClean="0">
-                  <a:latin typeface="微软雅黑" pitchFamily="34" charset="-122"/>
-                  <a:ea typeface="微软雅黑" pitchFamily="34" charset="-122"/>
-                </a:rPr>
-                <a:t>范围</a:t>
-              </a:r>
-              <a:endParaRPr lang="zh-CN" altLang="en-US" b="1" dirty="0">
-                <a:latin typeface="微软雅黑" pitchFamily="34" charset="-122"/>
-                <a:ea typeface="微软雅黑" pitchFamily="34" charset="-122"/>
-              </a:endParaRPr>
-            </a:p>
-          </p:txBody>
-        </p:sp>
-        <p:sp>
-          <p:nvSpPr>
-            <p:cNvPr id="12" name="TextBox 11"/>
-            <p:cNvSpPr txBox="1"/>
-            <p:nvPr/>
-          </p:nvSpPr>
-          <p:spPr>
-            <a:xfrm rot="3577484">
-              <a:off x="7353164" y="3863743"/>
-              <a:ext cx="697627" cy="400110"/>
-            </a:xfrm>
-            <a:prstGeom prst="rect">
-              <a:avLst/>
-            </a:prstGeom>
-            <a:noFill/>
-          </p:spPr>
-          <p:txBody>
-            <a:bodyPr wrap="none" rtlCol="0">
-              <a:spAutoFit/>
-            </a:bodyPr>
-            <a:lstStyle/>
-            <a:p>
-              <a:r>
-                <a:rPr lang="zh-CN" altLang="en-US" b="1" dirty="0" smtClean="0">
-                  <a:latin typeface="微软雅黑" pitchFamily="34" charset="-122"/>
-                  <a:ea typeface="微软雅黑" pitchFamily="34" charset="-122"/>
-                </a:rPr>
-                <a:t>时间</a:t>
-              </a:r>
-              <a:endParaRPr lang="zh-CN" altLang="en-US" b="1" dirty="0">
-                <a:latin typeface="微软雅黑" pitchFamily="34" charset="-122"/>
-                <a:ea typeface="微软雅黑" pitchFamily="34" charset="-122"/>
-              </a:endParaRPr>
-            </a:p>
-          </p:txBody>
-        </p:sp>
-        <p:sp>
-          <p:nvSpPr>
-            <p:cNvPr id="13" name="TextBox 12"/>
-            <p:cNvSpPr txBox="1"/>
-            <p:nvPr/>
-          </p:nvSpPr>
-          <p:spPr>
-            <a:xfrm>
-              <a:off x="6553200" y="5181600"/>
-              <a:ext cx="697627" cy="400110"/>
-            </a:xfrm>
-            <a:prstGeom prst="rect">
-              <a:avLst/>
-            </a:prstGeom>
-            <a:noFill/>
-          </p:spPr>
-          <p:txBody>
-            <a:bodyPr wrap="none" rtlCol="0">
-              <a:spAutoFit/>
-            </a:bodyPr>
-            <a:lstStyle/>
-            <a:p>
-              <a:r>
-                <a:rPr lang="zh-CN" altLang="en-US" b="1" dirty="0" smtClean="0">
-                  <a:latin typeface="微软雅黑" pitchFamily="34" charset="-122"/>
-                  <a:ea typeface="微软雅黑" pitchFamily="34" charset="-122"/>
-                </a:rPr>
-                <a:t>成本</a:t>
-              </a:r>
-              <a:endParaRPr lang="zh-CN" altLang="en-US" b="1" dirty="0">
-                <a:latin typeface="微软雅黑" pitchFamily="34" charset="-122"/>
-                <a:ea typeface="微软雅黑" pitchFamily="34" charset="-122"/>
-              </a:endParaRPr>
-            </a:p>
-          </p:txBody>
-        </p:sp>
-        <p:sp>
-          <p:nvSpPr>
-            <p:cNvPr id="14" name="下箭头 13"/>
-            <p:cNvSpPr/>
-            <p:nvPr/>
-          </p:nvSpPr>
-          <p:spPr>
-            <a:xfrm rot="18975884">
-              <a:off x="5300521" y="2767385"/>
-              <a:ext cx="838200" cy="874150"/>
-            </a:xfrm>
-            <a:prstGeom prst="downArrow">
-              <a:avLst/>
-            </a:prstGeom>
-          </p:spPr>
-          <p:style>
-            <a:lnRef idx="2">
-              <a:schemeClr val="accent1">
-                <a:shade val="50000"/>
-              </a:schemeClr>
-            </a:lnRef>
-            <a:fillRef idx="1">
-              <a:schemeClr val="accent1"/>
-            </a:fillRef>
-            <a:effectRef idx="0">
-              <a:schemeClr val="accent1"/>
-            </a:effectRef>
-            <a:fontRef idx="minor">
-              <a:schemeClr val="lt1"/>
-            </a:fontRef>
-          </p:style>
-          <p:txBody>
-            <a:bodyPr rtlCol="0" anchor="ctr"/>
-            <a:lstStyle/>
-            <a:p>
-              <a:pPr algn="ctr"/>
-              <a:r>
-                <a:rPr lang="zh-CN" altLang="en-US" b="1" dirty="0" smtClean="0">
-                  <a:solidFill>
-                    <a:schemeClr val="tx1"/>
-                  </a:solidFill>
-                  <a:latin typeface="微软雅黑" pitchFamily="34" charset="-122"/>
-                  <a:ea typeface="微软雅黑" pitchFamily="34" charset="-122"/>
-                </a:rPr>
-                <a:t>风险</a:t>
-              </a:r>
-              <a:endParaRPr lang="zh-CN" altLang="en-US" b="1" dirty="0">
-                <a:solidFill>
-                  <a:schemeClr val="tx1"/>
-                </a:solidFill>
-                <a:latin typeface="微软雅黑" pitchFamily="34" charset="-122"/>
-                <a:ea typeface="微软雅黑" pitchFamily="34" charset="-122"/>
-              </a:endParaRPr>
-            </a:p>
-          </p:txBody>
-        </p:sp>
-        <p:sp>
-          <p:nvSpPr>
-            <p:cNvPr id="15" name="下箭头 14"/>
-            <p:cNvSpPr/>
-            <p:nvPr/>
-          </p:nvSpPr>
-          <p:spPr>
-            <a:xfrm rot="3068326">
-              <a:off x="7804195" y="2848548"/>
-              <a:ext cx="838200" cy="874150"/>
-            </a:xfrm>
-            <a:prstGeom prst="downArrow">
-              <a:avLst/>
-            </a:prstGeom>
-          </p:spPr>
-          <p:style>
-            <a:lnRef idx="2">
-              <a:schemeClr val="accent1">
-                <a:shade val="50000"/>
-              </a:schemeClr>
-            </a:lnRef>
-            <a:fillRef idx="1">
-              <a:schemeClr val="accent1"/>
-            </a:fillRef>
-            <a:effectRef idx="0">
-              <a:schemeClr val="accent1"/>
-            </a:effectRef>
-            <a:fontRef idx="minor">
-              <a:schemeClr val="lt1"/>
-            </a:fontRef>
-          </p:style>
-          <p:txBody>
-            <a:bodyPr rtlCol="0" anchor="ctr"/>
-            <a:lstStyle/>
-            <a:p>
-              <a:pPr algn="ctr"/>
-              <a:r>
-                <a:rPr lang="zh-CN" altLang="en-US" b="1" dirty="0" smtClean="0">
-                  <a:solidFill>
-                    <a:schemeClr val="tx1"/>
-                  </a:solidFill>
-                  <a:latin typeface="微软雅黑" pitchFamily="34" charset="-122"/>
-                  <a:ea typeface="微软雅黑" pitchFamily="34" charset="-122"/>
-                </a:rPr>
-                <a:t>风险</a:t>
-              </a:r>
-              <a:endParaRPr lang="zh-CN" altLang="en-US" b="1" dirty="0">
-                <a:solidFill>
-                  <a:schemeClr val="tx1"/>
-                </a:solidFill>
-                <a:latin typeface="微软雅黑" pitchFamily="34" charset="-122"/>
-                <a:ea typeface="微软雅黑" pitchFamily="34" charset="-122"/>
-              </a:endParaRPr>
-            </a:p>
-          </p:txBody>
-        </p:sp>
-        <p:sp>
-          <p:nvSpPr>
-            <p:cNvPr id="16" name="下箭头 15"/>
-            <p:cNvSpPr/>
-            <p:nvPr/>
-          </p:nvSpPr>
-          <p:spPr>
-            <a:xfrm rot="14089794">
-              <a:off x="5208790" y="5293175"/>
-              <a:ext cx="838200" cy="874150"/>
-            </a:xfrm>
-            <a:prstGeom prst="downArrow">
-              <a:avLst/>
-            </a:prstGeom>
-          </p:spPr>
-          <p:style>
-            <a:lnRef idx="2">
-              <a:schemeClr val="accent1">
-                <a:shade val="50000"/>
-              </a:schemeClr>
-            </a:lnRef>
-            <a:fillRef idx="1">
-              <a:schemeClr val="accent1"/>
-            </a:fillRef>
-            <a:effectRef idx="0">
-              <a:schemeClr val="accent1"/>
-            </a:effectRef>
-            <a:fontRef idx="minor">
-              <a:schemeClr val="lt1"/>
-            </a:fontRef>
-          </p:style>
-          <p:txBody>
-            <a:bodyPr rtlCol="0" anchor="ctr"/>
-            <a:lstStyle/>
-            <a:p>
-              <a:pPr algn="ctr"/>
-              <a:r>
-                <a:rPr lang="zh-CN" altLang="en-US" b="1" dirty="0" smtClean="0">
-                  <a:solidFill>
-                    <a:schemeClr val="tx1"/>
-                  </a:solidFill>
-                  <a:latin typeface="微软雅黑" pitchFamily="34" charset="-122"/>
-                  <a:ea typeface="微软雅黑" pitchFamily="34" charset="-122"/>
-                </a:rPr>
-                <a:t>风险</a:t>
-              </a:r>
-              <a:endParaRPr lang="zh-CN" altLang="en-US" b="1" dirty="0">
-                <a:solidFill>
-                  <a:schemeClr val="tx1"/>
-                </a:solidFill>
-                <a:latin typeface="微软雅黑" pitchFamily="34" charset="-122"/>
-                <a:ea typeface="微软雅黑" pitchFamily="34" charset="-122"/>
-              </a:endParaRPr>
-            </a:p>
-          </p:txBody>
-        </p:sp>
-        <p:sp>
-          <p:nvSpPr>
-            <p:cNvPr id="17" name="下箭头 16"/>
-            <p:cNvSpPr/>
-            <p:nvPr/>
-          </p:nvSpPr>
-          <p:spPr>
-            <a:xfrm rot="7968657">
-              <a:off x="7814649" y="5272805"/>
-              <a:ext cx="838200" cy="874150"/>
-            </a:xfrm>
-            <a:prstGeom prst="downArrow">
-              <a:avLst/>
-            </a:prstGeom>
-          </p:spPr>
-          <p:style>
-            <a:lnRef idx="2">
-              <a:schemeClr val="accent1">
-                <a:shade val="50000"/>
-              </a:schemeClr>
-            </a:lnRef>
-            <a:fillRef idx="1">
-              <a:schemeClr val="accent1"/>
-            </a:fillRef>
-            <a:effectRef idx="0">
-              <a:schemeClr val="accent1"/>
-            </a:effectRef>
-            <a:fontRef idx="minor">
-              <a:schemeClr val="lt1"/>
-            </a:fontRef>
-          </p:style>
-          <p:txBody>
-            <a:bodyPr rtlCol="0" anchor="ctr"/>
-            <a:lstStyle/>
-            <a:p>
-              <a:pPr algn="ctr"/>
-              <a:r>
-                <a:rPr lang="zh-CN" altLang="en-US" b="1" dirty="0" smtClean="0">
-                  <a:solidFill>
-                    <a:schemeClr val="tx1"/>
-                  </a:solidFill>
-                  <a:latin typeface="微软雅黑" pitchFamily="34" charset="-122"/>
-                  <a:ea typeface="微软雅黑" pitchFamily="34" charset="-122"/>
-                </a:rPr>
-                <a:t>风险</a:t>
-              </a:r>
-              <a:endParaRPr lang="zh-CN" altLang="en-US" b="1" dirty="0">
-                <a:solidFill>
-                  <a:schemeClr val="tx1"/>
-                </a:solidFill>
-                <a:latin typeface="微软雅黑" pitchFamily="34" charset="-122"/>
-                <a:ea typeface="微软雅黑" pitchFamily="34" charset="-122"/>
-              </a:endParaRPr>
-            </a:p>
-          </p:txBody>
-        </p:sp>
-        <p:sp>
-          <p:nvSpPr>
-            <p:cNvPr id="18" name="TextBox 17"/>
-            <p:cNvSpPr txBox="1"/>
-            <p:nvPr/>
-          </p:nvSpPr>
-          <p:spPr>
-            <a:xfrm>
-              <a:off x="6248400" y="2743200"/>
-              <a:ext cx="1210588" cy="400110"/>
-            </a:xfrm>
-            <a:prstGeom prst="rect">
-              <a:avLst/>
-            </a:prstGeom>
-            <a:noFill/>
-          </p:spPr>
-          <p:txBody>
-            <a:bodyPr wrap="none" rtlCol="0">
-              <a:spAutoFit/>
-            </a:bodyPr>
-            <a:lstStyle/>
-            <a:p>
-              <a:r>
-                <a:rPr lang="zh-CN" altLang="en-US" b="1" dirty="0" smtClean="0">
-                  <a:latin typeface="微软雅黑" pitchFamily="34" charset="-122"/>
-                  <a:ea typeface="微软雅黑" pitchFamily="34" charset="-122"/>
-                </a:rPr>
-                <a:t>客户需求</a:t>
-              </a:r>
-              <a:endParaRPr lang="zh-CN" altLang="en-US" b="1" dirty="0">
-                <a:latin typeface="微软雅黑" pitchFamily="34" charset="-122"/>
-                <a:ea typeface="微软雅黑" pitchFamily="34" charset="-122"/>
-              </a:endParaRPr>
-            </a:p>
-          </p:txBody>
-        </p:sp>
-        <p:sp>
-          <p:nvSpPr>
-            <p:cNvPr id="19" name="TextBox 18"/>
-            <p:cNvSpPr txBox="1"/>
-            <p:nvPr/>
-          </p:nvSpPr>
-          <p:spPr>
-            <a:xfrm>
-              <a:off x="6324600" y="5817513"/>
-              <a:ext cx="1210588" cy="400110"/>
-            </a:xfrm>
-            <a:prstGeom prst="rect">
-              <a:avLst/>
-            </a:prstGeom>
-            <a:noFill/>
-          </p:spPr>
-          <p:txBody>
-            <a:bodyPr wrap="none" rtlCol="0">
-              <a:spAutoFit/>
-            </a:bodyPr>
-            <a:lstStyle/>
-            <a:p>
-              <a:r>
-                <a:rPr lang="zh-CN" altLang="en-US" b="1" dirty="0" smtClean="0">
-                  <a:latin typeface="微软雅黑" pitchFamily="34" charset="-122"/>
-                  <a:ea typeface="微软雅黑" pitchFamily="34" charset="-122"/>
-                </a:rPr>
-                <a:t>客户需求</a:t>
-              </a:r>
-              <a:endParaRPr lang="zh-CN" altLang="en-US" b="1" dirty="0">
-                <a:latin typeface="微软雅黑" pitchFamily="34" charset="-122"/>
-                <a:ea typeface="微软雅黑" pitchFamily="34" charset="-122"/>
-              </a:endParaRPr>
-            </a:p>
-          </p:txBody>
-        </p:sp>
-        <p:sp>
-          <p:nvSpPr>
-            <p:cNvPr id="20" name="TextBox 19"/>
-            <p:cNvSpPr txBox="1"/>
-            <p:nvPr/>
-          </p:nvSpPr>
-          <p:spPr>
-            <a:xfrm>
-              <a:off x="5087939" y="3886200"/>
-              <a:ext cx="492443" cy="1118255"/>
-            </a:xfrm>
-            <a:prstGeom prst="rect">
-              <a:avLst/>
-            </a:prstGeom>
-            <a:noFill/>
-          </p:spPr>
-          <p:txBody>
-            <a:bodyPr vert="eaVert" wrap="none" rtlCol="0">
-              <a:spAutoFit/>
-            </a:bodyPr>
-            <a:lstStyle/>
-            <a:p>
-              <a:r>
-                <a:rPr lang="zh-CN" altLang="en-US" b="1" dirty="0" smtClean="0">
-                  <a:latin typeface="微软雅黑" pitchFamily="34" charset="-122"/>
-                  <a:ea typeface="微软雅黑" pitchFamily="34" charset="-122"/>
-                </a:rPr>
-                <a:t>客户需求</a:t>
-              </a:r>
-              <a:endParaRPr lang="zh-CN" altLang="en-US" b="1" dirty="0">
-                <a:latin typeface="微软雅黑" pitchFamily="34" charset="-122"/>
-                <a:ea typeface="微软雅黑" pitchFamily="34" charset="-122"/>
-              </a:endParaRPr>
-            </a:p>
-          </p:txBody>
-        </p:sp>
-        <p:sp>
-          <p:nvSpPr>
-            <p:cNvPr id="21" name="TextBox 20"/>
-            <p:cNvSpPr txBox="1"/>
-            <p:nvPr/>
-          </p:nvSpPr>
-          <p:spPr>
-            <a:xfrm>
-              <a:off x="8260379" y="3962400"/>
-              <a:ext cx="492443" cy="1118255"/>
-            </a:xfrm>
-            <a:prstGeom prst="rect">
-              <a:avLst/>
-            </a:prstGeom>
-            <a:noFill/>
-          </p:spPr>
-          <p:txBody>
-            <a:bodyPr vert="eaVert" wrap="none" rtlCol="0">
-              <a:spAutoFit/>
-            </a:bodyPr>
-            <a:lstStyle/>
-            <a:p>
-              <a:r>
-                <a:rPr lang="zh-CN" altLang="en-US" b="1" dirty="0" smtClean="0">
-                  <a:latin typeface="微软雅黑" pitchFamily="34" charset="-122"/>
-                  <a:ea typeface="微软雅黑" pitchFamily="34" charset="-122"/>
-                </a:rPr>
-                <a:t>客户需求</a:t>
-              </a:r>
-              <a:endParaRPr lang="zh-CN" altLang="en-US" b="1" dirty="0">
-                <a:latin typeface="微软雅黑" pitchFamily="34" charset="-122"/>
-                <a:ea typeface="微软雅黑" pitchFamily="34" charset="-122"/>
-              </a:endParaRPr>
-            </a:p>
-          </p:txBody>
-        </p:sp>
-      </p:grpSp>
-      <p:sp>
-        <p:nvSpPr>
-          <p:cNvPr id="23" name="燕尾形箭头 22"/>
-          <p:cNvSpPr/>
-          <p:nvPr/>
-        </p:nvSpPr>
-        <p:spPr>
-          <a:xfrm>
-            <a:off x="3638520" y="3695361"/>
-            <a:ext cx="1143000" cy="990600"/>
-          </a:xfrm>
-          <a:prstGeom prst="notchedRightArrow">
-            <a:avLst/>
-          </a:prstGeom>
-          <a:solidFill>
-            <a:schemeClr val="bg1">
-              <a:lumMod val="50000"/>
-            </a:schemeClr>
-          </a:solidFill>
-        </p:spPr>
-        <p:style>
-          <a:lnRef idx="2">
-            <a:schemeClr val="accent1">
-              <a:shade val="50000"/>
-            </a:schemeClr>
-          </a:lnRef>
-          <a:fillRef idx="1">
-            <a:schemeClr val="accent1"/>
-          </a:fillRef>
-          <a:effectRef idx="0">
-            <a:schemeClr val="accent1"/>
-          </a:effectRef>
-          <a:fontRef idx="minor">
-            <a:schemeClr val="lt1"/>
-          </a:fontRef>
-        </p:style>
-        <p:txBody>
-          <a:bodyPr rtlCol="0" anchor="ctr"/>
-          <a:lstStyle/>
-          <a:p>
-            <a:pPr algn="ctr"/>
-            <a:endParaRPr lang="zh-CN" altLang="en-US"/>
-          </a:p>
-        </p:txBody>
-      </p:sp>
-      <p:sp>
-        <p:nvSpPr>
-          <p:cNvPr id="3" name="TextBox 2"/>
-          <p:cNvSpPr txBox="1"/>
-          <p:nvPr/>
-        </p:nvSpPr>
-        <p:spPr>
-          <a:xfrm>
-            <a:off x="404698" y="2305395"/>
-            <a:ext cx="8032968" cy="646331"/>
-          </a:xfrm>
-          <a:prstGeom prst="rect">
-            <a:avLst/>
-          </a:prstGeom>
-          <a:noFill/>
-        </p:spPr>
-        <p:txBody>
-          <a:bodyPr wrap="none" rtlCol="0">
-            <a:spAutoFit/>
-          </a:bodyPr>
-          <a:lstStyle/>
-          <a:p>
-            <a:r>
-              <a:rPr lang="zh-CN" altLang="en-US" sz="3600" b="1" dirty="0" smtClean="0">
-                <a:solidFill>
-                  <a:schemeClr val="accent6">
-                    <a:lumMod val="75000"/>
-                  </a:schemeClr>
-                </a:solidFill>
-                <a:latin typeface="微软雅黑" pitchFamily="34" charset="-122"/>
-                <a:ea typeface="微软雅黑" pitchFamily="34" charset="-122"/>
-              </a:rPr>
-              <a:t>现代项目管理思想：让利益相关者满意</a:t>
-            </a:r>
-            <a:endParaRPr lang="zh-CN" altLang="en-US" sz="3600" b="1" dirty="0">
-              <a:solidFill>
-                <a:schemeClr val="accent6">
-                  <a:lumMod val="75000"/>
-                </a:schemeClr>
-              </a:solidFill>
-              <a:latin typeface="微软雅黑" pitchFamily="34" charset="-122"/>
-              <a:ea typeface="微软雅黑" pitchFamily="34" charset="-122"/>
-            </a:endParaRPr>
-          </a:p>
-        </p:txBody>
-      </p:sp>
-    </p:spTree>
-    <p:extLst>
-      <p:ext uri="{BB962C8B-B14F-4D97-AF65-F5344CB8AC3E}">
-        <p14:creationId xmlns:p14="http://schemas.microsoft.com/office/powerpoint/2010/main" val="2994728746"/>
-      </p:ext>
-    </p:extLst>
-  </p:cSld>
-  <p:clrMapOvr>
-    <a:masterClrMapping/>
-  </p:clrMapOvr>
-  <p:timing>
-    <p:tnLst>
-      <p:par>
-        <p:cTn id="1" dur="indefinite" restart="never" nodeType="tmRoot">
-          <p:childTnLst>
-            <p:seq concurrent="1" nextAc="seek">
-              <p:cTn id="2" dur="indefinite" nodeType="mainSeq">
-                <p:childTnLst>
-                  <p:par>
-                    <p:cTn id="3" fill="hold">
-                      <p:stCondLst>
-                        <p:cond delay="indefinite"/>
-                        <p:cond evt="onBegin" delay="0">
-                          <p:tn val="2"/>
-                        </p:cond>
-                      </p:stCondLst>
-                      <p:childTnLst>
-                        <p:par>
-                          <p:cTn id="4" fill="hold">
-                            <p:stCondLst>
-                              <p:cond delay="0"/>
-                            </p:stCondLst>
-                            <p:childTnLst>
-                              <p:par>
-                                <p:cTn id="5" presetID="10" presetClass="entr" presetSubtype="0" fill="hold" nodeType="afterEffect">
-                                  <p:stCondLst>
-                                    <p:cond delay="0"/>
-                                  </p:stCondLst>
-                                  <p:childTnLst>
-                                    <p:set>
-                                      <p:cBhvr>
-                                        <p:cTn id="6" dur="1" fill="hold">
-                                          <p:stCondLst>
-                                            <p:cond delay="0"/>
-                                          </p:stCondLst>
-                                        </p:cTn>
-                                        <p:tgtEl>
-                                          <p:spTgt spid="7"/>
-                                        </p:tgtEl>
-                                        <p:attrNameLst>
-                                          <p:attrName>style.visibility</p:attrName>
-                                        </p:attrNameLst>
-                                      </p:cBhvr>
-                                      <p:to>
-                                        <p:strVal val="visible"/>
-                                      </p:to>
-                                    </p:set>
-                                    <p:animEffect transition="in" filter="fade">
-                                      <p:cBhvr>
-                                        <p:cTn id="7" dur="2000"/>
-                                        <p:tgtEl>
-                                          <p:spTgt spid="7"/>
-                                        </p:tgtEl>
-                                      </p:cBhvr>
-                                    </p:animEffect>
-                                  </p:childTnLst>
-                                </p:cTn>
-                              </p:par>
-                            </p:childTnLst>
-                          </p:cTn>
-                        </p:par>
-                      </p:childTnLst>
-                    </p:cTn>
-                  </p:par>
-                  <p:par>
-                    <p:cTn id="8" fill="hold">
-                      <p:stCondLst>
-                        <p:cond delay="indefinite"/>
-                      </p:stCondLst>
-                      <p:childTnLst>
-                        <p:par>
-                          <p:cTn id="9" fill="hold">
-                            <p:stCondLst>
-                              <p:cond delay="0"/>
-                            </p:stCondLst>
-                            <p:childTnLst>
-                              <p:par>
-                                <p:cTn id="10" presetID="21" presetClass="entr" presetSubtype="1" fill="hold" grpId="0" nodeType="clickEffect">
-                                  <p:stCondLst>
-                                    <p:cond delay="0"/>
-                                  </p:stCondLst>
-                                  <p:childTnLst>
-                                    <p:set>
-                                      <p:cBhvr>
-                                        <p:cTn id="11" dur="1" fill="hold">
-                                          <p:stCondLst>
-                                            <p:cond delay="0"/>
-                                          </p:stCondLst>
-                                        </p:cTn>
-                                        <p:tgtEl>
-                                          <p:spTgt spid="3"/>
-                                        </p:tgtEl>
-                                        <p:attrNameLst>
-                                          <p:attrName>style.visibility</p:attrName>
-                                        </p:attrNameLst>
-                                      </p:cBhvr>
-                                      <p:to>
-                                        <p:strVal val="visible"/>
-                                      </p:to>
-                                    </p:set>
-                                    <p:animEffect transition="in" filter="wheel(1)">
-                                      <p:cBhvr>
-                                        <p:cTn id="12" dur="2000"/>
-                                        <p:tgtEl>
-                                          <p:spTgt spid="3"/>
-                                        </p:tgtEl>
-                                      </p:cBhvr>
-                                    </p:animEffect>
-                                  </p:childTnLst>
-                                </p:cTn>
-                              </p:par>
-                            </p:childTnLst>
-                          </p:cTn>
-                        </p:par>
-                      </p:childTnLst>
-                    </p:cTn>
-                  </p:par>
-                  <p:par>
-                    <p:cTn id="13" fill="hold">
-                      <p:stCondLst>
-                        <p:cond delay="indefinite"/>
-                      </p:stCondLst>
-                      <p:childTnLst>
-                        <p:par>
-                          <p:cTn id="14" fill="hold">
-                            <p:stCondLst>
-                              <p:cond delay="0"/>
-                            </p:stCondLst>
-                            <p:childTnLst>
-                              <p:par>
-                                <p:cTn id="15" presetID="10" presetClass="entr" presetSubtype="0" fill="hold" grpId="0" nodeType="clickEffect">
-                                  <p:stCondLst>
-                                    <p:cond delay="0"/>
-                                  </p:stCondLst>
-                                  <p:childTnLst>
-                                    <p:set>
-                                      <p:cBhvr>
-                                        <p:cTn id="16" dur="1" fill="hold">
-                                          <p:stCondLst>
-                                            <p:cond delay="0"/>
-                                          </p:stCondLst>
-                                        </p:cTn>
-                                        <p:tgtEl>
-                                          <p:spTgt spid="23"/>
-                                        </p:tgtEl>
-                                        <p:attrNameLst>
-                                          <p:attrName>style.visibility</p:attrName>
-                                        </p:attrNameLst>
-                                      </p:cBhvr>
-                                      <p:to>
-                                        <p:strVal val="visible"/>
-                                      </p:to>
-                                    </p:set>
-                                    <p:animEffect transition="in" filter="fade">
-                                      <p:cBhvr>
-                                        <p:cTn id="17" dur="2000"/>
-                                        <p:tgtEl>
-                                          <p:spTgt spid="23"/>
-                                        </p:tgtEl>
-                                      </p:cBhvr>
-                                    </p:animEffect>
-                                  </p:childTnLst>
-                                </p:cTn>
-                              </p:par>
-                              <p:par>
-                                <p:cTn id="18" presetID="10" presetClass="entr" presetSubtype="0" fill="hold" nodeType="withEffect">
-                                  <p:stCondLst>
-                                    <p:cond delay="0"/>
-                                  </p:stCondLst>
-                                  <p:childTnLst>
-                                    <p:set>
-                                      <p:cBhvr>
-                                        <p:cTn id="19" dur="1" fill="hold">
-                                          <p:stCondLst>
-                                            <p:cond delay="0"/>
-                                          </p:stCondLst>
-                                        </p:cTn>
-                                        <p:tgtEl>
-                                          <p:spTgt spid="2"/>
-                                        </p:tgtEl>
-                                        <p:attrNameLst>
-                                          <p:attrName>style.visibility</p:attrName>
-                                        </p:attrNameLst>
-                                      </p:cBhvr>
-                                      <p:to>
-                                        <p:strVal val="visible"/>
-                                      </p:to>
-                                    </p:set>
-                                    <p:animEffect transition="in" filter="fade">
-                                      <p:cBhvr>
-                                        <p:cTn id="20" dur="2000"/>
-                                        <p:tgtEl>
-                                          <p:spTgt spid="2"/>
-                                        </p:tgtEl>
-                                      </p:cBhvr>
-                                    </p:animEffect>
-                                  </p:childTnLst>
-                                </p:cTn>
-                              </p:par>
-                            </p:childTnLst>
-                          </p:cTn>
-                        </p:par>
-                      </p:childTnLst>
-                    </p:cTn>
-                  </p:par>
-                </p:childTnLst>
-              </p:cTn>
-              <p:prevCondLst>
-                <p:cond evt="onPrev" delay="0">
-                  <p:tgtEl>
-                    <p:sldTgt/>
-                  </p:tgtEl>
-                </p:cond>
-              </p:prevCondLst>
-              <p:nextCondLst>
-                <p:cond evt="onNext" delay="0">
-                  <p:tgtEl>
-                    <p:sldTgt/>
-                  </p:tgtEl>
-                </p:cond>
-              </p:nextCondLst>
-            </p:seq>
-          </p:childTnLst>
-        </p:cTn>
-      </p:par>
-    </p:tnLst>
-    <p:bldLst>
-      <p:bldP spid="23" grpId="0" animBg="1"/>
-      <p:bldP spid="3" grpId="0"/>
-    </p:bldLst>
-  </p:timing>
-</p:sld>
-</file>
-
-<file path=ppt/slides/slide11.xml><?xml version="1.0" encoding="utf-8"?>
-<p:sld xmlns:a="http://schemas.openxmlformats.org/drawingml/2006/main" xmlns:r="http://schemas.openxmlformats.org/officeDocument/2006/relationships" xmlns:p="http://schemas.openxmlformats.org/presentationml/2006/main">
-  <p:cSld>
-    <p:spTree>
-      <p:nvGrpSpPr>
-        <p:cNvPr id="1" name=""/>
-        <p:cNvGrpSpPr/>
-        <p:nvPr/>
-      </p:nvGrpSpPr>
-      <p:grpSpPr>
-        <a:xfrm>
-          <a:off x="0" y="0"/>
-          <a:ext cx="0" cy="0"/>
-          <a:chOff x="0" y="0"/>
-          <a:chExt cx="0" cy="0"/>
-        </a:xfrm>
-      </p:grpSpPr>
-      <p:sp>
-        <p:nvSpPr>
-          <p:cNvPr id="2" name="标题 1"/>
-          <p:cNvSpPr>
-            <a:spLocks noGrp="1"/>
-          </p:cNvSpPr>
-          <p:nvPr>
-            <p:ph type="title"/>
-          </p:nvPr>
-        </p:nvSpPr>
-        <p:spPr/>
-        <p:txBody>
-          <a:bodyPr/>
-          <a:lstStyle/>
-          <a:p>
-            <a:r>
-              <a:rPr lang="zh-CN" altLang="en-US" dirty="0" smtClean="0"/>
-              <a:t>项目管理的过程</a:t>
-            </a:r>
-            <a:endParaRPr lang="zh-CN" altLang="en-US" dirty="0"/>
-          </a:p>
-        </p:txBody>
-      </p:sp>
-      <p:pic>
-        <p:nvPicPr>
-          <p:cNvPr id="4" name="Picture 1"/>
-          <p:cNvPicPr>
-            <a:picLocks noChangeAspect="1" noChangeArrowheads="1"/>
-          </p:cNvPicPr>
-          <p:nvPr/>
-        </p:nvPicPr>
-        <p:blipFill>
-          <a:blip r:embed="rId2">
-            <a:clrChange>
-              <a:clrFrom>
-                <a:srgbClr val="FFFFFF"/>
-              </a:clrFrom>
-              <a:clrTo>
-                <a:srgbClr val="FFFFFF">
-                  <a:alpha val="0"/>
-                </a:srgbClr>
-              </a:clrTo>
-            </a:clrChange>
-          </a:blip>
-          <a:srcRect l="11875" t="26874" r="6250" b="12145"/>
-          <a:stretch>
-            <a:fillRect/>
-          </a:stretch>
-        </p:blipFill>
-        <p:spPr bwMode="auto">
-          <a:xfrm>
-            <a:off x="381000" y="2957744"/>
-            <a:ext cx="8382000" cy="3775099"/>
-          </a:xfrm>
-          <a:prstGeom prst="rect">
-            <a:avLst/>
-          </a:prstGeom>
-          <a:noFill/>
-          <a:ln w="9525">
-            <a:noFill/>
-            <a:miter lim="800000"/>
-            <a:headEnd/>
-            <a:tailEnd/>
-          </a:ln>
-          <a:effectLst/>
-        </p:spPr>
-      </p:pic>
-      <p:sp>
-        <p:nvSpPr>
-          <p:cNvPr id="7" name="内容占位符 2"/>
-          <p:cNvSpPr>
-            <a:spLocks noGrp="1"/>
-          </p:cNvSpPr>
-          <p:nvPr>
-            <p:ph idx="1"/>
-          </p:nvPr>
-        </p:nvSpPr>
-        <p:spPr>
-          <a:xfrm>
-            <a:off x="295275" y="1489075"/>
-            <a:ext cx="8524875" cy="4313238"/>
-          </a:xfrm>
-        </p:spPr>
-        <p:txBody>
-          <a:bodyPr/>
-          <a:lstStyle/>
-          <a:p>
-            <a:r>
-              <a:rPr lang="zh-CN" altLang="en-US" sz="2400" dirty="0" smtClean="0"/>
-              <a:t>直观但不准确的项目管理过程可以理解为：</a:t>
-            </a:r>
-            <a:r>
-              <a:rPr lang="en-US" altLang="zh-CN" sz="2400" dirty="0" smtClean="0"/>
-              <a:t/>
-            </a:r>
-            <a:br>
-              <a:rPr lang="en-US" altLang="zh-CN" sz="2400" dirty="0" smtClean="0"/>
-            </a:br>
-            <a:r>
-              <a:rPr lang="en-US" altLang="zh-CN" sz="2400" dirty="0" smtClean="0"/>
-              <a:t>    </a:t>
-            </a:r>
-            <a:r>
-              <a:rPr lang="zh-CN" altLang="en-US" sz="2400" b="1" dirty="0" smtClean="0">
-                <a:solidFill>
-                  <a:srgbClr val="FF0000"/>
-                </a:solidFill>
-              </a:rPr>
-              <a:t>立项</a:t>
-            </a:r>
-            <a:r>
-              <a:rPr lang="en-US" altLang="zh-CN" sz="2400" b="1" dirty="0" smtClean="0">
-                <a:solidFill>
-                  <a:srgbClr val="FF0000"/>
-                </a:solidFill>
-                <a:sym typeface="Wingdings" pitchFamily="2" charset="2"/>
-              </a:rPr>
-              <a:t></a:t>
-            </a:r>
-            <a:r>
-              <a:rPr lang="zh-CN" altLang="en-US" sz="2400" b="1" dirty="0" smtClean="0">
-                <a:solidFill>
-                  <a:srgbClr val="FF0000"/>
-                </a:solidFill>
-                <a:sym typeface="Wingdings" pitchFamily="2" charset="2"/>
-              </a:rPr>
-              <a:t>启动</a:t>
-            </a:r>
-            <a:r>
-              <a:rPr lang="en-US" altLang="zh-CN" sz="2400" b="1" dirty="0" smtClean="0">
-                <a:solidFill>
-                  <a:srgbClr val="FF0000"/>
-                </a:solidFill>
-                <a:sym typeface="Wingdings" pitchFamily="2" charset="2"/>
-              </a:rPr>
-              <a:t></a:t>
-            </a:r>
-            <a:r>
-              <a:rPr lang="zh-CN" altLang="en-US" sz="2400" b="1" dirty="0" smtClean="0">
-                <a:solidFill>
-                  <a:srgbClr val="FF0000"/>
-                </a:solidFill>
-                <a:sym typeface="Wingdings" pitchFamily="2" charset="2"/>
-              </a:rPr>
-              <a:t>规划</a:t>
-            </a:r>
-            <a:r>
-              <a:rPr lang="en-US" altLang="zh-CN" sz="2400" b="1" dirty="0" smtClean="0">
-                <a:solidFill>
-                  <a:srgbClr val="FF0000"/>
-                </a:solidFill>
-                <a:sym typeface="Wingdings" pitchFamily="2" charset="2"/>
-              </a:rPr>
-              <a:t></a:t>
-            </a:r>
-            <a:r>
-              <a:rPr lang="zh-CN" altLang="en-US" sz="2400" b="1" dirty="0" smtClean="0">
-                <a:solidFill>
-                  <a:srgbClr val="FF0000"/>
-                </a:solidFill>
-                <a:sym typeface="Wingdings" pitchFamily="2" charset="2"/>
-              </a:rPr>
-              <a:t>实施</a:t>
-            </a:r>
-            <a:r>
-              <a:rPr lang="en-US" altLang="zh-CN" sz="2400" b="1" dirty="0" smtClean="0">
-                <a:solidFill>
-                  <a:srgbClr val="FF0000"/>
-                </a:solidFill>
-                <a:sym typeface="Wingdings" pitchFamily="2" charset="2"/>
-              </a:rPr>
-              <a:t></a:t>
-            </a:r>
-            <a:r>
-              <a:rPr lang="zh-CN" altLang="en-US" sz="2400" b="1" dirty="0" smtClean="0">
-                <a:solidFill>
-                  <a:srgbClr val="FF0000"/>
-                </a:solidFill>
-                <a:sym typeface="Wingdings" pitchFamily="2" charset="2"/>
-              </a:rPr>
-              <a:t>监控</a:t>
-            </a:r>
-            <a:r>
-              <a:rPr lang="en-US" altLang="zh-CN" sz="2400" b="1" dirty="0" smtClean="0">
-                <a:solidFill>
-                  <a:srgbClr val="FF0000"/>
-                </a:solidFill>
-                <a:sym typeface="Wingdings" pitchFamily="2" charset="2"/>
-              </a:rPr>
-              <a:t></a:t>
-            </a:r>
-            <a:r>
-              <a:rPr lang="zh-CN" altLang="en-US" sz="2400" b="1" dirty="0" smtClean="0">
-                <a:solidFill>
-                  <a:srgbClr val="FF0000"/>
-                </a:solidFill>
-                <a:sym typeface="Wingdings" pitchFamily="2" charset="2"/>
-              </a:rPr>
-              <a:t>验收</a:t>
-            </a:r>
-            <a:r>
-              <a:rPr lang="en-US" altLang="zh-CN" sz="2400" b="1" dirty="0" smtClean="0">
-                <a:solidFill>
-                  <a:srgbClr val="FF0000"/>
-                </a:solidFill>
-                <a:sym typeface="Wingdings" pitchFamily="2" charset="2"/>
-              </a:rPr>
-              <a:t></a:t>
-            </a:r>
-            <a:r>
-              <a:rPr lang="zh-CN" altLang="en-US" sz="2400" b="1" dirty="0" smtClean="0">
-                <a:solidFill>
-                  <a:srgbClr val="FF0000"/>
-                </a:solidFill>
-                <a:sym typeface="Wingdings" pitchFamily="2" charset="2"/>
-              </a:rPr>
-              <a:t>收尾</a:t>
-            </a:r>
-            <a:endParaRPr lang="en-US" altLang="zh-CN" sz="2400" b="1" dirty="0" smtClean="0">
-              <a:solidFill>
-                <a:srgbClr val="FF0000"/>
-              </a:solidFill>
-              <a:sym typeface="Wingdings" pitchFamily="2" charset="2"/>
-            </a:endParaRPr>
-          </a:p>
-          <a:p>
-            <a:r>
-              <a:rPr lang="zh-CN" altLang="en-US" sz="2400" dirty="0" smtClean="0">
-                <a:sym typeface="Wingdings" pitchFamily="2" charset="2"/>
-              </a:rPr>
-              <a:t>下图显示的是真实而准确的项目管理过程：</a:t>
-            </a:r>
-            <a:endParaRPr lang="zh-CN" altLang="en-US" sz="2400" dirty="0"/>
-          </a:p>
-        </p:txBody>
-      </p:sp>
-    </p:spTree>
-    <p:extLst>
-      <p:ext uri="{BB962C8B-B14F-4D97-AF65-F5344CB8AC3E}">
-        <p14:creationId xmlns:p14="http://schemas.microsoft.com/office/powerpoint/2010/main" val="3918687329"/>
-      </p:ext>
-    </p:extLst>
-  </p:cSld>
-  <p:clrMapOvr>
-    <a:masterClrMapping/>
-  </p:clrMapOvr>
-  <p:timing>
-    <p:tnLst>
-      <p:par>
-        <p:cTn id="1" dur="indefinite" restart="never" nodeType="tmRoot">
-          <p:childTnLst>
-            <p:seq concurrent="1" nextAc="seek">
-              <p:cTn id="2" dur="indefinite" nodeType="mainSeq">
-                <p:childTnLst>
-                  <p:par>
-                    <p:cTn id="3" fill="hold">
-                      <p:stCondLst>
-                        <p:cond delay="indefinite"/>
-                      </p:stCondLst>
-                      <p:childTnLst>
-                        <p:par>
-                          <p:cTn id="4" fill="hold">
-                            <p:stCondLst>
-                              <p:cond delay="0"/>
-                            </p:stCondLst>
-                            <p:childTnLst>
-                              <p:par>
-                                <p:cTn id="5" presetID="2" presetClass="entr" presetSubtype="4" fill="hold" nodeType="clickEffect">
-                                  <p:stCondLst>
-                                    <p:cond delay="0"/>
-                                  </p:stCondLst>
-                                  <p:childTnLst>
-                                    <p:set>
-                                      <p:cBhvr>
-                                        <p:cTn id="6" dur="1" fill="hold">
-                                          <p:stCondLst>
-                                            <p:cond delay="0"/>
-                                          </p:stCondLst>
-                                        </p:cTn>
-                                        <p:tgtEl>
-                                          <p:spTgt spid="7">
-                                            <p:txEl>
-                                              <p:pRg st="1" end="1"/>
-                                            </p:txEl>
-                                          </p:spTgt>
-                                        </p:tgtEl>
-                                        <p:attrNameLst>
-                                          <p:attrName>style.visibility</p:attrName>
-                                        </p:attrNameLst>
-                                      </p:cBhvr>
-                                      <p:to>
-                                        <p:strVal val="visible"/>
-                                      </p:to>
-                                    </p:set>
-                                    <p:anim calcmode="lin" valueType="num">
-                                      <p:cBhvr additive="base">
-                                        <p:cTn id="7" dur="500" fill="hold"/>
-                                        <p:tgtEl>
-                                          <p:spTgt spid="7">
-                                            <p:txEl>
-                                              <p:pRg st="1" end="1"/>
-                                            </p:txEl>
-                                          </p:spTgt>
-                                        </p:tgtEl>
-                                        <p:attrNameLst>
-                                          <p:attrName>ppt_x</p:attrName>
-                                        </p:attrNameLst>
-                                      </p:cBhvr>
-                                      <p:tavLst>
-                                        <p:tav tm="0">
-                                          <p:val>
-                                            <p:strVal val="#ppt_x"/>
-                                          </p:val>
-                                        </p:tav>
-                                        <p:tav tm="100000">
-                                          <p:val>
-                                            <p:strVal val="#ppt_x"/>
-                                          </p:val>
-                                        </p:tav>
-                                      </p:tavLst>
-                                    </p:anim>
-                                    <p:anim calcmode="lin" valueType="num">
-                                      <p:cBhvr additive="base">
-                                        <p:cTn id="8" dur="500" fill="hold"/>
-                                        <p:tgtEl>
-                                          <p:spTgt spid="7">
-                                            <p:txEl>
-                                              <p:pRg st="1" end="1"/>
-                                            </p:txEl>
-                                          </p:spTgt>
-                                        </p:tgtEl>
-                                        <p:attrNameLst>
-                                          <p:attrName>ppt_y</p:attrName>
-                                        </p:attrNameLst>
-                                      </p:cBhvr>
-                                      <p:tavLst>
-                                        <p:tav tm="0">
-                                          <p:val>
-                                            <p:strVal val="1+#ppt_h/2"/>
-                                          </p:val>
-                                        </p:tav>
-                                        <p:tav tm="100000">
-                                          <p:val>
-                                            <p:strVal val="#ppt_y"/>
-                                          </p:val>
-                                        </p:tav>
-                                      </p:tavLst>
-                                    </p:anim>
-                                  </p:childTnLst>
-                                </p:cTn>
-                              </p:par>
-                              <p:par>
-                                <p:cTn id="9" presetID="2" presetClass="entr" presetSubtype="4" fill="hold" nodeType="withEffect">
-                                  <p:stCondLst>
-                                    <p:cond delay="0"/>
-                                  </p:stCondLst>
-                                  <p:childTnLst>
-                                    <p:set>
-                                      <p:cBhvr>
-                                        <p:cTn id="10" dur="1" fill="hold">
-                                          <p:stCondLst>
-                                            <p:cond delay="0"/>
-                                          </p:stCondLst>
-                                        </p:cTn>
-                                        <p:tgtEl>
-                                          <p:spTgt spid="4"/>
-                                        </p:tgtEl>
-                                        <p:attrNameLst>
-                                          <p:attrName>style.visibility</p:attrName>
-                                        </p:attrNameLst>
-                                      </p:cBhvr>
-                                      <p:to>
-                                        <p:strVal val="visible"/>
-                                      </p:to>
-                                    </p:set>
-                                    <p:anim calcmode="lin" valueType="num">
-                                      <p:cBhvr additive="base">
-                                        <p:cTn id="11" dur="500" fill="hold"/>
-                                        <p:tgtEl>
-                                          <p:spTgt spid="4"/>
-                                        </p:tgtEl>
-                                        <p:attrNameLst>
-                                          <p:attrName>ppt_x</p:attrName>
-                                        </p:attrNameLst>
-                                      </p:cBhvr>
-                                      <p:tavLst>
-                                        <p:tav tm="0">
-                                          <p:val>
-                                            <p:strVal val="#ppt_x"/>
-                                          </p:val>
-                                        </p:tav>
-                                        <p:tav tm="100000">
-                                          <p:val>
-                                            <p:strVal val="#ppt_x"/>
-                                          </p:val>
-                                        </p:tav>
-                                      </p:tavLst>
-                                    </p:anim>
-                                    <p:anim calcmode="lin" valueType="num">
-                                      <p:cBhvr additive="base">
-                                        <p:cTn id="12" dur="500" fill="hold"/>
-                                        <p:tgtEl>
-                                          <p:spTgt spid="4"/>
-                                        </p:tgtEl>
-                                        <p:attrNameLst>
-                                          <p:attrName>ppt_y</p:attrName>
-                                        </p:attrNameLst>
-                                      </p:cBhvr>
-                                      <p:tavLst>
-                                        <p:tav tm="0">
-                                          <p:val>
-                                            <p:strVal val="1+#ppt_h/2"/>
-                                          </p:val>
-                                        </p:tav>
-                                        <p:tav tm="100000">
-                                          <p:val>
-                                            <p:strVal val="#ppt_y"/>
-                                          </p:val>
-                                        </p:tav>
-                                      </p:tavLst>
-                                    </p:anim>
-                                  </p:childTnLst>
-                                </p:cTn>
-                              </p:par>
-                            </p:childTnLst>
-                          </p:cTn>
-                        </p:par>
-                      </p:childTnLst>
-                    </p:cTn>
-                  </p:par>
-                </p:childTnLst>
-              </p:cTn>
-              <p:prevCondLst>
-                <p:cond evt="onPrev" delay="0">
-                  <p:tgtEl>
-                    <p:sldTgt/>
-                  </p:tgtEl>
-                </p:cond>
-              </p:prevCondLst>
-              <p:nextCondLst>
-                <p:cond evt="onNext" delay="0">
-                  <p:tgtEl>
-                    <p:sldTgt/>
-                  </p:tgtEl>
-                </p:cond>
-              </p:nextCondLst>
-            </p:seq>
-          </p:childTnLst>
-        </p:cTn>
-      </p:par>
-    </p:tnLst>
-  </p:timing>
-</p:sld>
-</file>
-
-<file path=ppt/slides/slide12.xml><?xml version="1.0" encoding="utf-8"?>
-<p:sld xmlns:a="http://schemas.openxmlformats.org/drawingml/2006/main" xmlns:r="http://schemas.openxmlformats.org/officeDocument/2006/relationships" xmlns:p="http://schemas.openxmlformats.org/presentationml/2006/main">
-  <p:cSld>
-    <p:spTree>
-      <p:nvGrpSpPr>
-        <p:cNvPr id="1" name=""/>
-        <p:cNvGrpSpPr/>
-        <p:nvPr/>
-      </p:nvGrpSpPr>
-      <p:grpSpPr>
-        <a:xfrm>
-          <a:off x="0" y="0"/>
-          <a:ext cx="0" cy="0"/>
-          <a:chOff x="0" y="0"/>
-          <a:chExt cx="0" cy="0"/>
-        </a:xfrm>
-      </p:grpSpPr>
-      <p:sp>
-        <p:nvSpPr>
           <p:cNvPr id="2" name="标题 1"/>
           <p:cNvSpPr>
             <a:spLocks noGrp="1"/>
@@ -12966,7 +11333,7 @@
 </p:sld>
 </file>
 
-<file path=ppt/slides/slide13.xml><?xml version="1.0" encoding="utf-8"?>
+<file path=ppt/slides/slide11.xml><?xml version="1.0" encoding="utf-8"?>
 <p:sld xmlns:a="http://schemas.openxmlformats.org/drawingml/2006/main" xmlns:r="http://schemas.openxmlformats.org/officeDocument/2006/relationships" xmlns:p="http://schemas.openxmlformats.org/presentationml/2006/main">
   <p:cSld>
     <p:spTree>
@@ -13000,7 +11367,7 @@
           <a:p>
             <a:r>
               <a:rPr lang="zh-CN" altLang="en-US" dirty="0" smtClean="0"/>
-              <a:t>九大知识领域在规划阶段的逻辑关系</a:t>
+              <a:t>九大知识领域</a:t>
             </a:r>
             <a:endParaRPr lang="zh-CN" altLang="en-US" dirty="0"/>
           </a:p>
@@ -15871,2161 +14238,7 @@
 </p:sld>
 </file>
 
-<file path=ppt/slides/slide14.xml><?xml version="1.0" encoding="utf-8"?>
-<p:sld xmlns:a="http://schemas.openxmlformats.org/drawingml/2006/main" xmlns:r="http://schemas.openxmlformats.org/officeDocument/2006/relationships" xmlns:p="http://schemas.openxmlformats.org/presentationml/2006/main">
-  <p:cSld>
-    <p:spTree>
-      <p:nvGrpSpPr>
-        <p:cNvPr id="1" name=""/>
-        <p:cNvGrpSpPr/>
-        <p:nvPr/>
-      </p:nvGrpSpPr>
-      <p:grpSpPr>
-        <a:xfrm>
-          <a:off x="0" y="0"/>
-          <a:ext cx="0" cy="0"/>
-          <a:chOff x="0" y="0"/>
-          <a:chExt cx="0" cy="0"/>
-        </a:xfrm>
-      </p:grpSpPr>
-      <p:sp>
-        <p:nvSpPr>
-          <p:cNvPr id="2" name="标题 1"/>
-          <p:cNvSpPr>
-            <a:spLocks noGrp="1"/>
-          </p:cNvSpPr>
-          <p:nvPr>
-            <p:ph type="title"/>
-          </p:nvPr>
-        </p:nvSpPr>
-        <p:spPr/>
-        <p:txBody>
-          <a:bodyPr/>
-          <a:lstStyle/>
-          <a:p>
-            <a:r>
-              <a:rPr lang="zh-CN" altLang="en-US" dirty="0" smtClean="0"/>
-              <a:t>软件项目的特点</a:t>
-            </a:r>
-            <a:endParaRPr lang="zh-CN" altLang="en-US" dirty="0"/>
-          </a:p>
-        </p:txBody>
-      </p:sp>
-      <p:sp>
-        <p:nvSpPr>
-          <p:cNvPr id="3" name="内容占位符 2"/>
-          <p:cNvSpPr>
-            <a:spLocks noGrp="1"/>
-          </p:cNvSpPr>
-          <p:nvPr>
-            <p:ph idx="1"/>
-          </p:nvPr>
-        </p:nvSpPr>
-        <p:spPr/>
-        <p:txBody>
-          <a:bodyPr>
-            <a:normAutofit fontScale="62500" lnSpcReduction="20000"/>
-          </a:bodyPr>
-          <a:lstStyle/>
-          <a:p>
-            <a:r>
-              <a:rPr lang="zh-CN" altLang="en-US" dirty="0"/>
-              <a:t>目标不明确</a:t>
-            </a:r>
-            <a:r>
-              <a:rPr lang="zh-CN" altLang="en-US" dirty="0" smtClean="0"/>
-              <a:t>。</a:t>
-            </a:r>
-            <a:endParaRPr lang="en-US" altLang="zh-CN" dirty="0" smtClean="0"/>
-          </a:p>
-          <a:p>
-            <a:pPr lvl="1"/>
-            <a:r>
-              <a:rPr lang="zh-CN" altLang="en-US" dirty="0" smtClean="0"/>
-              <a:t>客</a:t>
-            </a:r>
-            <a:r>
-              <a:rPr lang="zh-CN" altLang="en-US" dirty="0"/>
-              <a:t>户早期是一些初步的功能要求，没有明确的想法，提不出确切的需求。</a:t>
-            </a:r>
-            <a:r>
-              <a:rPr lang="zh-CN" altLang="en-US" b="1" dirty="0">
-                <a:solidFill>
-                  <a:schemeClr val="tx1"/>
-                </a:solidFill>
-              </a:rPr>
-              <a:t>项目的范围很大程度上取决于项目组所做的需求分析和系统规划</a:t>
-            </a:r>
-            <a:r>
-              <a:rPr lang="zh-CN" altLang="en-US" b="1" dirty="0">
-                <a:solidFill>
-                  <a:srgbClr val="FF0000"/>
-                </a:solidFill>
-              </a:rPr>
-              <a:t>。</a:t>
-            </a:r>
-            <a:endParaRPr lang="en-US" altLang="zh-CN" b="1" dirty="0">
-              <a:solidFill>
-                <a:srgbClr val="FF0000"/>
-              </a:solidFill>
-            </a:endParaRPr>
-          </a:p>
-          <a:p>
-            <a:r>
-              <a:rPr lang="zh-CN" altLang="en-US" dirty="0"/>
-              <a:t>需求变化频繁</a:t>
-            </a:r>
-            <a:r>
-              <a:rPr lang="zh-CN" altLang="en-US" dirty="0" smtClean="0"/>
-              <a:t>。</a:t>
-            </a:r>
-            <a:endParaRPr lang="en-US" altLang="zh-CN" dirty="0" smtClean="0"/>
-          </a:p>
-          <a:p>
-            <a:pPr lvl="1"/>
-            <a:r>
-              <a:rPr lang="zh-CN" altLang="en-US" dirty="0" smtClean="0"/>
-              <a:t>随</a:t>
-            </a:r>
-            <a:r>
-              <a:rPr lang="zh-CN" altLang="en-US" dirty="0"/>
-              <a:t>着系统分析、系统设计和系统实施的进展，客户需求被不断激发，导致程序、界面及相关文档需求需要经常修改。修改又会带来新问题。</a:t>
-            </a:r>
-            <a:endParaRPr lang="en-US" altLang="zh-CN" dirty="0"/>
-          </a:p>
-          <a:p>
-            <a:r>
-              <a:rPr lang="zh-CN" altLang="en-US" dirty="0"/>
-              <a:t>智力密集型</a:t>
-            </a:r>
-            <a:r>
-              <a:rPr lang="zh-CN" altLang="en-US" dirty="0" smtClean="0"/>
-              <a:t>。</a:t>
-            </a:r>
-            <a:endParaRPr lang="en-US" altLang="zh-CN" dirty="0" smtClean="0"/>
-          </a:p>
-          <a:p>
-            <a:pPr lvl="1"/>
-            <a:r>
-              <a:rPr lang="en-US" altLang="zh-CN" dirty="0" smtClean="0"/>
-              <a:t>IT</a:t>
-            </a:r>
-            <a:r>
-              <a:rPr lang="zh-CN" altLang="en-US" dirty="0"/>
-              <a:t>项目是智</a:t>
-            </a:r>
-            <a:r>
-              <a:rPr lang="zh-CN" altLang="en-US" dirty="0" smtClean="0"/>
-              <a:t>力密</a:t>
-            </a:r>
-            <a:r>
-              <a:rPr lang="zh-CN" altLang="en-US" dirty="0"/>
-              <a:t>集型、劳动密集型项目</a:t>
-            </a:r>
-            <a:r>
-              <a:rPr lang="zh-CN" altLang="en-US" dirty="0" smtClean="0"/>
-              <a:t>，受</a:t>
-            </a:r>
-            <a:r>
-              <a:rPr lang="zh-CN" altLang="en-US" dirty="0"/>
-              <a:t>人力资源影响最大，项</a:t>
-            </a:r>
-            <a:r>
-              <a:rPr lang="zh-CN" altLang="en-US" dirty="0" smtClean="0"/>
-              <a:t>目成</a:t>
-            </a:r>
-            <a:r>
-              <a:rPr lang="zh-CN" altLang="en-US" dirty="0"/>
-              <a:t>员的结构、责任心、能</a:t>
-            </a:r>
-            <a:r>
-              <a:rPr lang="zh-CN" altLang="en-US" dirty="0" smtClean="0"/>
-              <a:t>力和</a:t>
-            </a:r>
-            <a:r>
-              <a:rPr lang="zh-CN" altLang="en-US" dirty="0"/>
-              <a:t>稳定性对项目的质量以</a:t>
-            </a:r>
-            <a:r>
-              <a:rPr lang="zh-CN" altLang="en-US" dirty="0" smtClean="0"/>
-              <a:t>及是</a:t>
-            </a:r>
-            <a:r>
-              <a:rPr lang="zh-CN" altLang="en-US" dirty="0"/>
-              <a:t>否成功有决定性影响</a:t>
-            </a:r>
-            <a:r>
-              <a:rPr lang="zh-CN" altLang="en-US" dirty="0" smtClean="0"/>
-              <a:t>。</a:t>
-            </a:r>
-            <a:endParaRPr lang="en-US" altLang="zh-CN" dirty="0" smtClean="0"/>
-          </a:p>
-          <a:p>
-            <a:r>
-              <a:rPr lang="zh-CN" altLang="en-US" dirty="0"/>
-              <a:t>只见工作不见远景</a:t>
-            </a:r>
-          </a:p>
-          <a:p>
-            <a:endParaRPr lang="zh-CN" altLang="en-US" dirty="0"/>
-          </a:p>
-        </p:txBody>
-      </p:sp>
-    </p:spTree>
-    <p:extLst>
-      <p:ext uri="{BB962C8B-B14F-4D97-AF65-F5344CB8AC3E}">
-        <p14:creationId xmlns:p14="http://schemas.microsoft.com/office/powerpoint/2010/main" val="3328839266"/>
-      </p:ext>
-    </p:extLst>
-  </p:cSld>
-  <p:clrMapOvr>
-    <a:masterClrMapping/>
-  </p:clrMapOvr>
-  <p:timing>
-    <p:tnLst>
-      <p:par>
-        <p:cTn id="1" dur="indefinite" restart="never" nodeType="tmRoot"/>
-      </p:par>
-    </p:tnLst>
-  </p:timing>
-</p:sld>
-</file>
-
-<file path=ppt/slides/slide15.xml><?xml version="1.0" encoding="utf-8"?>
-<p:sld xmlns:a="http://schemas.openxmlformats.org/drawingml/2006/main" xmlns:r="http://schemas.openxmlformats.org/officeDocument/2006/relationships" xmlns:p="http://schemas.openxmlformats.org/presentationml/2006/main">
-  <p:cSld>
-    <p:spTree>
-      <p:nvGrpSpPr>
-        <p:cNvPr id="1" name=""/>
-        <p:cNvGrpSpPr/>
-        <p:nvPr/>
-      </p:nvGrpSpPr>
-      <p:grpSpPr>
-        <a:xfrm>
-          <a:off x="0" y="0"/>
-          <a:ext cx="0" cy="0"/>
-          <a:chOff x="0" y="0"/>
-          <a:chExt cx="0" cy="0"/>
-        </a:xfrm>
-      </p:grpSpPr>
-      <p:sp>
-        <p:nvSpPr>
-          <p:cNvPr id="2" name="标题 1"/>
-          <p:cNvSpPr>
-            <a:spLocks noGrp="1"/>
-          </p:cNvSpPr>
-          <p:nvPr>
-            <p:ph type="title"/>
-          </p:nvPr>
-        </p:nvSpPr>
-        <p:spPr/>
-        <p:txBody>
-          <a:bodyPr/>
-          <a:lstStyle/>
-          <a:p>
-            <a:r>
-              <a:rPr lang="zh-CN" altLang="en-US" dirty="0" smtClean="0"/>
-              <a:t>项目管理指南简介</a:t>
-            </a:r>
-            <a:endParaRPr lang="zh-CN" altLang="en-US" dirty="0"/>
-          </a:p>
-        </p:txBody>
-      </p:sp>
-      <p:sp>
-        <p:nvSpPr>
-          <p:cNvPr id="3" name="内容占位符 2"/>
-          <p:cNvSpPr>
-            <a:spLocks noGrp="1"/>
-          </p:cNvSpPr>
-          <p:nvPr>
-            <p:ph idx="1"/>
-          </p:nvPr>
-        </p:nvSpPr>
-        <p:spPr/>
-        <p:txBody>
-          <a:bodyPr>
-            <a:normAutofit fontScale="62500" lnSpcReduction="20000"/>
-          </a:bodyPr>
-          <a:lstStyle/>
-          <a:p>
-            <a:r>
-              <a:rPr lang="zh-CN" altLang="en-US" dirty="0" smtClean="0"/>
-              <a:t>基于业界理论与公司实践</a:t>
-            </a:r>
-            <a:endParaRPr lang="en-US" altLang="zh-CN" dirty="0" smtClean="0"/>
-          </a:p>
-          <a:p>
-            <a:r>
-              <a:rPr lang="zh-CN" altLang="en-US" dirty="0" smtClean="0"/>
-              <a:t>特征</a:t>
-            </a:r>
-            <a:endParaRPr lang="en-US" altLang="zh-CN" dirty="0" smtClean="0"/>
-          </a:p>
-          <a:p>
-            <a:pPr lvl="1"/>
-            <a:r>
-              <a:rPr lang="zh-CN" altLang="en-US" dirty="0" smtClean="0"/>
-              <a:t>注重实效</a:t>
-            </a:r>
-            <a:endParaRPr lang="en-US" altLang="zh-CN" dirty="0" smtClean="0"/>
-          </a:p>
-          <a:p>
-            <a:pPr lvl="1"/>
-            <a:r>
-              <a:rPr lang="zh-CN" altLang="en-US" dirty="0"/>
-              <a:t>交付</a:t>
-            </a:r>
-            <a:r>
-              <a:rPr lang="zh-CN" altLang="en-US" dirty="0" smtClean="0"/>
-              <a:t>加</a:t>
-            </a:r>
-            <a:r>
-              <a:rPr lang="zh-CN" altLang="en-US" dirty="0"/>
-              <a:t>值</a:t>
-            </a:r>
-            <a:endParaRPr lang="en-US" altLang="zh-CN" dirty="0" smtClean="0"/>
-          </a:p>
-          <a:p>
-            <a:pPr lvl="1"/>
-            <a:r>
-              <a:rPr lang="zh-CN" altLang="en-US" dirty="0" smtClean="0"/>
-              <a:t>不</a:t>
-            </a:r>
-            <a:r>
-              <a:rPr lang="zh-CN" altLang="en-US" dirty="0"/>
-              <a:t>断演</a:t>
-            </a:r>
-            <a:r>
-              <a:rPr lang="zh-CN" altLang="en-US" dirty="0" smtClean="0"/>
-              <a:t>进</a:t>
-            </a:r>
-            <a:endParaRPr lang="en-US" altLang="zh-CN" dirty="0" smtClean="0"/>
-          </a:p>
-          <a:p>
-            <a:r>
-              <a:rPr lang="zh-CN" altLang="en-US" dirty="0"/>
-              <a:t>内</a:t>
-            </a:r>
-            <a:r>
-              <a:rPr lang="zh-CN" altLang="en-US" dirty="0" smtClean="0"/>
-              <a:t>容</a:t>
-            </a:r>
-            <a:endParaRPr lang="en-US" altLang="zh-CN" dirty="0" smtClean="0"/>
-          </a:p>
-          <a:p>
-            <a:pPr lvl="1"/>
-            <a:r>
-              <a:rPr lang="zh-CN" altLang="en-US" dirty="0" smtClean="0"/>
-              <a:t>基本原则</a:t>
-            </a:r>
-            <a:endParaRPr lang="en-US" altLang="zh-CN" dirty="0" smtClean="0"/>
-          </a:p>
-          <a:p>
-            <a:pPr lvl="1"/>
-            <a:r>
-              <a:rPr lang="zh-CN" altLang="en-US" dirty="0" smtClean="0"/>
-              <a:t>过程模型</a:t>
-            </a:r>
-            <a:r>
-              <a:rPr lang="en-US" altLang="zh-CN" dirty="0" smtClean="0"/>
-              <a:t>&amp;</a:t>
-            </a:r>
-            <a:r>
-              <a:rPr lang="zh-CN" altLang="en-US" dirty="0" smtClean="0"/>
-              <a:t>组</a:t>
-            </a:r>
-            <a:r>
-              <a:rPr lang="zh-CN" altLang="en-US" dirty="0"/>
-              <a:t>队模</a:t>
-            </a:r>
-            <a:r>
-              <a:rPr lang="zh-CN" altLang="en-US" dirty="0" smtClean="0"/>
-              <a:t>型</a:t>
-            </a:r>
-            <a:endParaRPr lang="en-US" altLang="zh-CN" dirty="0" smtClean="0"/>
-          </a:p>
-          <a:p>
-            <a:pPr lvl="1"/>
-            <a:r>
-              <a:rPr lang="zh-CN" altLang="en-US" dirty="0"/>
-              <a:t>最佳实</a:t>
-            </a:r>
-            <a:r>
-              <a:rPr lang="zh-CN" altLang="en-US" dirty="0" smtClean="0"/>
-              <a:t>践</a:t>
-            </a:r>
-            <a:endParaRPr lang="en-US" altLang="zh-CN" dirty="0" smtClean="0"/>
-          </a:p>
-          <a:p>
-            <a:pPr lvl="1"/>
-            <a:r>
-              <a:rPr lang="zh-CN" altLang="en-US" dirty="0"/>
-              <a:t>标准模</a:t>
-            </a:r>
-            <a:r>
-              <a:rPr lang="zh-CN" altLang="en-US" dirty="0" smtClean="0"/>
-              <a:t>板</a:t>
-            </a:r>
-            <a:endParaRPr lang="en-US" altLang="zh-CN" dirty="0" smtClean="0"/>
-          </a:p>
-          <a:p>
-            <a:pPr lvl="1"/>
-            <a:r>
-              <a:rPr lang="zh-CN" altLang="en-US" dirty="0"/>
-              <a:t>技术参考</a:t>
-            </a:r>
-          </a:p>
-        </p:txBody>
-      </p:sp>
-    </p:spTree>
-    <p:extLst>
-      <p:ext uri="{BB962C8B-B14F-4D97-AF65-F5344CB8AC3E}">
-        <p14:creationId xmlns:p14="http://schemas.microsoft.com/office/powerpoint/2010/main" val="2577096736"/>
-      </p:ext>
-    </p:extLst>
-  </p:cSld>
-  <p:clrMapOvr>
-    <a:masterClrMapping/>
-  </p:clrMapOvr>
-  <p:timing>
-    <p:tnLst>
-      <p:par>
-        <p:cTn id="1" dur="indefinite" restart="never" nodeType="tmRoot"/>
-      </p:par>
-    </p:tnLst>
-  </p:timing>
-</p:sld>
-</file>
-
-<file path=ppt/slides/slide16.xml><?xml version="1.0" encoding="utf-8"?>
-<p:sld xmlns:a="http://schemas.openxmlformats.org/drawingml/2006/main" xmlns:r="http://schemas.openxmlformats.org/officeDocument/2006/relationships" xmlns:p="http://schemas.openxmlformats.org/presentationml/2006/main">
-  <p:cSld>
-    <p:spTree>
-      <p:nvGrpSpPr>
-        <p:cNvPr id="1" name=""/>
-        <p:cNvGrpSpPr/>
-        <p:nvPr/>
-      </p:nvGrpSpPr>
-      <p:grpSpPr>
-        <a:xfrm>
-          <a:off x="0" y="0"/>
-          <a:ext cx="0" cy="0"/>
-          <a:chOff x="0" y="0"/>
-          <a:chExt cx="0" cy="0"/>
-        </a:xfrm>
-      </p:grpSpPr>
-      <p:sp>
-        <p:nvSpPr>
-          <p:cNvPr id="2" name="标题 1"/>
-          <p:cNvSpPr>
-            <a:spLocks noGrp="1"/>
-          </p:cNvSpPr>
-          <p:nvPr>
-            <p:ph type="title"/>
-          </p:nvPr>
-        </p:nvSpPr>
-        <p:spPr/>
-        <p:txBody>
-          <a:bodyPr/>
-          <a:lstStyle/>
-          <a:p>
-            <a:r>
-              <a:rPr lang="zh-CN" altLang="en-US" dirty="0" smtClean="0"/>
-              <a:t>基本原则</a:t>
-            </a:r>
-            <a:endParaRPr lang="zh-CN" altLang="en-US" dirty="0"/>
-          </a:p>
-        </p:txBody>
-      </p:sp>
-      <p:graphicFrame>
-        <p:nvGraphicFramePr>
-          <p:cNvPr id="7" name="内容占位符 6"/>
-          <p:cNvGraphicFramePr>
-            <a:graphicFrameLocks noGrp="1"/>
-          </p:cNvGraphicFramePr>
-          <p:nvPr>
-            <p:ph sz="half" idx="1"/>
-            <p:extLst>
-              <p:ext uri="{D42A27DB-BD31-4B8C-83A1-F6EECF244321}">
-                <p14:modId xmlns:p14="http://schemas.microsoft.com/office/powerpoint/2010/main" val="1553463971"/>
-              </p:ext>
-            </p:extLst>
-          </p:nvPr>
-        </p:nvGraphicFramePr>
-        <p:xfrm>
-          <a:off x="457200" y="1600200"/>
-          <a:ext cx="8075613" cy="4525963"/>
-        </p:xfrm>
-        <a:graphic>
-          <a:graphicData uri="http://schemas.openxmlformats.org/drawingml/2006/diagram">
-            <dgm:relIds xmlns:dgm="http://schemas.openxmlformats.org/drawingml/2006/diagram" xmlns:r="http://schemas.openxmlformats.org/officeDocument/2006/relationships" r:dm="rId2" r:lo="rId3" r:qs="rId4" r:cs="rId5"/>
-          </a:graphicData>
-        </a:graphic>
-      </p:graphicFrame>
-    </p:spTree>
-    <p:extLst>
-      <p:ext uri="{BB962C8B-B14F-4D97-AF65-F5344CB8AC3E}">
-        <p14:creationId xmlns:p14="http://schemas.microsoft.com/office/powerpoint/2010/main" val="3912508417"/>
-      </p:ext>
-    </p:extLst>
-  </p:cSld>
-  <p:clrMapOvr>
-    <a:masterClrMapping/>
-  </p:clrMapOvr>
-  <p:timing>
-    <p:tnLst>
-      <p:par>
-        <p:cTn id="1" dur="indefinite" restart="never" nodeType="tmRoot"/>
-      </p:par>
-    </p:tnLst>
-  </p:timing>
-</p:sld>
-</file>
-
-<file path=ppt/slides/slide2.xml><?xml version="1.0" encoding="utf-8"?>
-<p:sld xmlns:a="http://schemas.openxmlformats.org/drawingml/2006/main" xmlns:r="http://schemas.openxmlformats.org/officeDocument/2006/relationships" xmlns:p="http://schemas.openxmlformats.org/presentationml/2006/main">
-  <p:cSld>
-    <p:spTree>
-      <p:nvGrpSpPr>
-        <p:cNvPr id="1" name=""/>
-        <p:cNvGrpSpPr/>
-        <p:nvPr/>
-      </p:nvGrpSpPr>
-      <p:grpSpPr>
-        <a:xfrm>
-          <a:off x="0" y="0"/>
-          <a:ext cx="0" cy="0"/>
-          <a:chOff x="0" y="0"/>
-          <a:chExt cx="0" cy="0"/>
-        </a:xfrm>
-      </p:grpSpPr>
-      <p:sp>
-        <p:nvSpPr>
-          <p:cNvPr id="2" name="标题 1"/>
-          <p:cNvSpPr>
-            <a:spLocks noGrp="1"/>
-          </p:cNvSpPr>
-          <p:nvPr>
-            <p:ph type="title"/>
-          </p:nvPr>
-        </p:nvSpPr>
-        <p:spPr/>
-        <p:txBody>
-          <a:bodyPr/>
-          <a:lstStyle/>
-          <a:p>
-            <a:r>
-              <a:rPr lang="zh-CN" altLang="en-US" dirty="0"/>
-              <a:t>目录</a:t>
-            </a:r>
-          </a:p>
-        </p:txBody>
-      </p:sp>
-      <p:sp>
-        <p:nvSpPr>
-          <p:cNvPr id="3" name="内容占位符 2"/>
-          <p:cNvSpPr>
-            <a:spLocks noGrp="1"/>
-          </p:cNvSpPr>
-          <p:nvPr>
-            <p:ph idx="1"/>
-          </p:nvPr>
-        </p:nvSpPr>
-        <p:spPr/>
-        <p:txBody>
-          <a:bodyPr>
-            <a:normAutofit/>
-          </a:bodyPr>
-          <a:lstStyle/>
-          <a:p>
-            <a:r>
-              <a:rPr lang="zh-CN" altLang="en-US" dirty="0" smtClean="0"/>
-              <a:t>培训系列介绍</a:t>
-            </a:r>
-            <a:endParaRPr lang="en-US" altLang="zh-CN" dirty="0" smtClean="0"/>
-          </a:p>
-          <a:p>
-            <a:r>
-              <a:rPr lang="zh-CN" altLang="en-US" dirty="0"/>
-              <a:t>项目管</a:t>
-            </a:r>
-            <a:r>
-              <a:rPr lang="zh-CN" altLang="en-US" dirty="0" smtClean="0"/>
-              <a:t>理</a:t>
-            </a:r>
-            <a:r>
-              <a:rPr lang="zh-CN" altLang="en-US" dirty="0"/>
-              <a:t>指南</a:t>
-            </a:r>
-            <a:r>
-              <a:rPr lang="zh-CN" altLang="en-US" dirty="0" smtClean="0"/>
-              <a:t>概</a:t>
-            </a:r>
-            <a:r>
-              <a:rPr lang="zh-CN" altLang="en-US" dirty="0"/>
-              <a:t>述</a:t>
-            </a:r>
-            <a:endParaRPr lang="en-US" altLang="zh-CN" dirty="0" smtClean="0"/>
-          </a:p>
-          <a:p>
-            <a:r>
-              <a:rPr lang="zh-CN" altLang="en-US" dirty="0" smtClean="0"/>
-              <a:t>组队模型</a:t>
-            </a:r>
-            <a:endParaRPr lang="en-US" altLang="zh-CN" dirty="0" smtClean="0"/>
-          </a:p>
-          <a:p>
-            <a:r>
-              <a:rPr lang="zh-CN" altLang="en-US" dirty="0" smtClean="0"/>
-              <a:t>软</a:t>
-            </a:r>
-            <a:r>
-              <a:rPr lang="zh-CN" altLang="en-US" dirty="0"/>
-              <a:t>件生命周</a:t>
-            </a:r>
-            <a:r>
-              <a:rPr lang="zh-CN" altLang="en-US" dirty="0" smtClean="0"/>
-              <a:t>期</a:t>
-            </a:r>
-            <a:r>
-              <a:rPr lang="en-US" altLang="zh-CN" dirty="0" smtClean="0"/>
-              <a:t>(</a:t>
-            </a:r>
-            <a:r>
-              <a:rPr lang="zh-CN" altLang="en-US" dirty="0" smtClean="0"/>
-              <a:t>过程</a:t>
-            </a:r>
-            <a:r>
-              <a:rPr lang="en-US" altLang="zh-CN" dirty="0" smtClean="0"/>
-              <a:t>)</a:t>
-            </a:r>
-            <a:r>
-              <a:rPr lang="zh-CN" altLang="en-US" dirty="0" smtClean="0"/>
-              <a:t>模型</a:t>
-            </a:r>
-            <a:endParaRPr lang="en-US" altLang="zh-CN" dirty="0" smtClean="0"/>
-          </a:p>
-          <a:p>
-            <a:r>
-              <a:rPr lang="zh-CN" altLang="en-US" dirty="0" smtClean="0"/>
-              <a:t>最佳实践</a:t>
-            </a:r>
-            <a:endParaRPr lang="zh-CN" altLang="en-US" dirty="0"/>
-          </a:p>
-        </p:txBody>
-      </p:sp>
-    </p:spTree>
-    <p:extLst>
-      <p:ext uri="{BB962C8B-B14F-4D97-AF65-F5344CB8AC3E}">
-        <p14:creationId xmlns:p14="http://schemas.microsoft.com/office/powerpoint/2010/main" val="1323366643"/>
-      </p:ext>
-    </p:extLst>
-  </p:cSld>
-  <p:clrMapOvr>
-    <a:masterClrMapping/>
-  </p:clrMapOvr>
-  <p:timing>
-    <p:tnLst>
-      <p:par>
-        <p:cTn id="1" dur="indefinite" restart="never" nodeType="tmRoot">
-          <p:childTnLst>
-            <p:seq concurrent="1" nextAc="seek">
-              <p:cTn id="2" dur="indefinite" nodeType="mainSeq">
-                <p:childTnLst>
-                  <p:par>
-                    <p:cTn id="3" fill="hold">
-                      <p:stCondLst>
-                        <p:cond delay="indefinite"/>
-                      </p:stCondLst>
-                      <p:childTnLst>
-                        <p:par>
-                          <p:cTn id="4" fill="hold">
-                            <p:stCondLst>
-                              <p:cond delay="0"/>
-                            </p:stCondLst>
-                            <p:childTnLst>
-                              <p:par>
-                                <p:cTn id="5" presetID="16" presetClass="emph" presetSubtype="0" fill="hold" nodeType="clickEffect">
-                                  <p:stCondLst>
-                                    <p:cond delay="0"/>
-                                  </p:stCondLst>
-                                  <p:iterate type="lt">
-                                    <p:tmPct val="4000"/>
-                                  </p:iterate>
-                                  <p:childTnLst>
-                                    <p:set>
-                                      <p:cBhvr override="childStyle">
-                                        <p:cTn id="6" dur="500" fill="hold"/>
-                                        <p:tgtEl>
-                                          <p:spTgt spid="3">
-                                            <p:txEl>
-                                              <p:pRg st="0" end="0"/>
-                                            </p:txEl>
-                                          </p:spTgt>
-                                        </p:tgtEl>
-                                        <p:attrNameLst>
-                                          <p:attrName>style.color</p:attrName>
-                                        </p:attrNameLst>
-                                      </p:cBhvr>
-                                      <p:to>
-                                        <p:clrVal>
-                                          <a:schemeClr val="accent2"/>
-                                        </p:clrVal>
-                                      </p:to>
-                                    </p:set>
-                                    <p:set>
-                                      <p:cBhvr>
-                                        <p:cTn id="7" dur="500" fill="hold"/>
-                                        <p:tgtEl>
-                                          <p:spTgt spid="3">
-                                            <p:txEl>
-                                              <p:pRg st="0" end="0"/>
-                                            </p:txEl>
-                                          </p:spTgt>
-                                        </p:tgtEl>
-                                        <p:attrNameLst>
-                                          <p:attrName>fillcolor</p:attrName>
-                                        </p:attrNameLst>
-                                      </p:cBhvr>
-                                      <p:to>
-                                        <p:clrVal>
-                                          <a:schemeClr val="accent2"/>
-                                        </p:clrVal>
-                                      </p:to>
-                                    </p:set>
-                                    <p:set>
-                                      <p:cBhvr>
-                                        <p:cTn id="8" dur="500" fill="hold"/>
-                                        <p:tgtEl>
-                                          <p:spTgt spid="3">
-                                            <p:txEl>
-                                              <p:pRg st="0" end="0"/>
-                                            </p:txEl>
-                                          </p:spTgt>
-                                        </p:tgtEl>
-                                        <p:attrNameLst>
-                                          <p:attrName>fill.type</p:attrName>
-                                        </p:attrNameLst>
-                                      </p:cBhvr>
-                                      <p:to>
-                                        <p:strVal val="solid"/>
-                                      </p:to>
-                                    </p:set>
-                                  </p:childTnLst>
-                                </p:cTn>
-                              </p:par>
-                            </p:childTnLst>
-                          </p:cTn>
-                        </p:par>
-                      </p:childTnLst>
-                    </p:cTn>
-                  </p:par>
-                </p:childTnLst>
-              </p:cTn>
-              <p:prevCondLst>
-                <p:cond evt="onPrev" delay="0">
-                  <p:tgtEl>
-                    <p:sldTgt/>
-                  </p:tgtEl>
-                </p:cond>
-              </p:prevCondLst>
-              <p:nextCondLst>
-                <p:cond evt="onNext" delay="0">
-                  <p:tgtEl>
-                    <p:sldTgt/>
-                  </p:tgtEl>
-                </p:cond>
-              </p:nextCondLst>
-            </p:seq>
-          </p:childTnLst>
-        </p:cTn>
-      </p:par>
-    </p:tnLst>
-  </p:timing>
-</p:sld>
-</file>
-
-<file path=ppt/slides/slide3.xml><?xml version="1.0" encoding="utf-8"?>
-<p:sld xmlns:a="http://schemas.openxmlformats.org/drawingml/2006/main" xmlns:r="http://schemas.openxmlformats.org/officeDocument/2006/relationships" xmlns:p="http://schemas.openxmlformats.org/presentationml/2006/main">
-  <p:cSld>
-    <p:spTree>
-      <p:nvGrpSpPr>
-        <p:cNvPr id="1" name=""/>
-        <p:cNvGrpSpPr/>
-        <p:nvPr/>
-      </p:nvGrpSpPr>
-      <p:grpSpPr>
-        <a:xfrm>
-          <a:off x="0" y="0"/>
-          <a:ext cx="0" cy="0"/>
-          <a:chOff x="0" y="0"/>
-          <a:chExt cx="0" cy="0"/>
-        </a:xfrm>
-      </p:grpSpPr>
-      <p:sp>
-        <p:nvSpPr>
-          <p:cNvPr id="2" name="标题 1"/>
-          <p:cNvSpPr>
-            <a:spLocks noGrp="1"/>
-          </p:cNvSpPr>
-          <p:nvPr>
-            <p:ph type="title"/>
-          </p:nvPr>
-        </p:nvSpPr>
-        <p:spPr/>
-        <p:txBody>
-          <a:bodyPr/>
-          <a:lstStyle/>
-          <a:p>
-            <a:r>
-              <a:rPr lang="zh-CN" altLang="en-US" dirty="0" smtClean="0"/>
-              <a:t>培训系列介绍</a:t>
-            </a:r>
-            <a:endParaRPr lang="zh-CN" altLang="en-US" dirty="0"/>
-          </a:p>
-        </p:txBody>
-      </p:sp>
-      <p:sp>
-        <p:nvSpPr>
-          <p:cNvPr id="3" name="内容占位符 2"/>
-          <p:cNvSpPr>
-            <a:spLocks noGrp="1"/>
-          </p:cNvSpPr>
-          <p:nvPr>
-            <p:ph idx="1"/>
-          </p:nvPr>
-        </p:nvSpPr>
-        <p:spPr/>
-        <p:txBody>
-          <a:bodyPr>
-            <a:normAutofit fontScale="55000" lnSpcReduction="20000"/>
-          </a:bodyPr>
-          <a:lstStyle/>
-          <a:p>
-            <a:r>
-              <a:rPr lang="zh-CN" altLang="en-US" dirty="0" smtClean="0"/>
-              <a:t>项</a:t>
-            </a:r>
-            <a:r>
-              <a:rPr lang="zh-CN" altLang="en-US" dirty="0"/>
-              <a:t>目管理规</a:t>
-            </a:r>
-            <a:r>
-              <a:rPr lang="zh-CN" altLang="en-US" dirty="0" smtClean="0"/>
-              <a:t>范</a:t>
-            </a:r>
-            <a:endParaRPr lang="en-US" altLang="zh-CN" dirty="0" smtClean="0"/>
-          </a:p>
-          <a:p>
-            <a:pPr lvl="1"/>
-            <a:r>
-              <a:rPr lang="zh-CN" altLang="en-US" dirty="0"/>
-              <a:t>项目管理</a:t>
-            </a:r>
-            <a:r>
-              <a:rPr lang="zh-CN" altLang="en-US" dirty="0" smtClean="0"/>
-              <a:t>、软</a:t>
-            </a:r>
-            <a:r>
-              <a:rPr lang="zh-CN" altLang="en-US" dirty="0"/>
-              <a:t>件过</a:t>
-            </a:r>
-            <a:r>
-              <a:rPr lang="zh-CN" altLang="en-US" dirty="0" smtClean="0"/>
-              <a:t>程</a:t>
-            </a:r>
-            <a:r>
-              <a:rPr lang="en-US" altLang="zh-CN" dirty="0" smtClean="0"/>
-              <a:t>(MSF</a:t>
-            </a:r>
-            <a:r>
-              <a:rPr lang="zh-CN" altLang="en-US" dirty="0" smtClean="0"/>
-              <a:t>、</a:t>
-            </a:r>
-            <a:r>
-              <a:rPr lang="en-US" altLang="zh-CN" dirty="0" smtClean="0"/>
-              <a:t>Scrum)</a:t>
-            </a:r>
-            <a:r>
-              <a:rPr lang="zh-CN" altLang="en-US" dirty="0" smtClean="0"/>
-              <a:t>、最佳实践等</a:t>
-            </a:r>
-            <a:endParaRPr lang="en-US" altLang="zh-CN" dirty="0" smtClean="0"/>
-          </a:p>
-          <a:p>
-            <a:r>
-              <a:rPr lang="zh-CN" altLang="en-US" dirty="0" smtClean="0"/>
-              <a:t>项目管理基础环境介绍</a:t>
-            </a:r>
-            <a:endParaRPr lang="en-US" altLang="zh-CN" dirty="0" smtClean="0"/>
-          </a:p>
-          <a:p>
-            <a:pPr lvl="1"/>
-            <a:r>
-              <a:rPr lang="en-US" altLang="zh-CN" dirty="0" err="1" smtClean="0"/>
-              <a:t>Redmine</a:t>
-            </a:r>
-            <a:r>
-              <a:rPr lang="zh-CN" altLang="en-US" dirty="0" smtClean="0"/>
-              <a:t>、</a:t>
-            </a:r>
-            <a:r>
-              <a:rPr lang="en-US" altLang="zh-CN" dirty="0" err="1" smtClean="0"/>
-              <a:t>git</a:t>
-            </a:r>
-            <a:endParaRPr lang="en-US" altLang="zh-CN" dirty="0" smtClean="0"/>
-          </a:p>
-          <a:p>
-            <a:r>
-              <a:rPr lang="zh-CN" altLang="en-US" dirty="0" smtClean="0"/>
-              <a:t>技术培训</a:t>
-            </a:r>
-            <a:endParaRPr lang="en-US" altLang="zh-CN" dirty="0" smtClean="0"/>
-          </a:p>
-          <a:p>
-            <a:pPr lvl="2"/>
-            <a:r>
-              <a:rPr lang="en-US" altLang="zh-CN" dirty="0" err="1" smtClean="0"/>
-              <a:t>IBatis</a:t>
-            </a:r>
-            <a:r>
-              <a:rPr lang="zh-CN" altLang="en-US" dirty="0" smtClean="0"/>
-              <a:t>、</a:t>
-            </a:r>
-            <a:r>
-              <a:rPr lang="en-US" altLang="zh-CN" dirty="0"/>
-              <a:t> </a:t>
-            </a:r>
-            <a:r>
-              <a:rPr lang="en-US" altLang="zh-CN" dirty="0" err="1"/>
-              <a:t>jQuery</a:t>
-            </a:r>
-            <a:r>
-              <a:rPr lang="zh-CN" altLang="en-US" dirty="0"/>
-              <a:t>、</a:t>
-            </a:r>
-            <a:r>
-              <a:rPr lang="en-US" altLang="zh-CN" dirty="0" err="1"/>
-              <a:t>xhtml</a:t>
-            </a:r>
-            <a:r>
-              <a:rPr lang="en-US" altLang="zh-CN" dirty="0"/>
-              <a:t>/</a:t>
-            </a:r>
-            <a:r>
-              <a:rPr lang="en-US" altLang="zh-CN" dirty="0" err="1"/>
-              <a:t>css</a:t>
-            </a:r>
-            <a:r>
-              <a:rPr lang="en-US" altLang="zh-CN" dirty="0"/>
-              <a:t> </a:t>
-            </a:r>
-            <a:r>
-              <a:rPr lang="zh-CN" altLang="en-US" dirty="0"/>
-              <a:t>、</a:t>
-            </a:r>
-            <a:r>
-              <a:rPr lang="en-US" altLang="zh-CN" dirty="0"/>
-              <a:t>spring/struts</a:t>
-            </a:r>
-            <a:r>
-              <a:rPr lang="zh-CN" altLang="en-US" dirty="0"/>
-              <a:t>、泛型编</a:t>
-            </a:r>
-            <a:r>
-              <a:rPr lang="zh-CN" altLang="en-US" dirty="0" smtClean="0"/>
-              <a:t>程、</a:t>
-            </a:r>
-            <a:r>
-              <a:rPr lang="en-US" altLang="zh-CN" dirty="0" smtClean="0"/>
-              <a:t>UML</a:t>
-            </a:r>
-            <a:r>
-              <a:rPr lang="zh-CN" altLang="en-US" dirty="0"/>
-              <a:t>、融合面向数据分析的</a:t>
-            </a:r>
-            <a:r>
-              <a:rPr lang="en-US" altLang="zh-CN" dirty="0"/>
-              <a:t>ICONIX</a:t>
-            </a:r>
-            <a:r>
-              <a:rPr lang="zh-CN" altLang="en-US" dirty="0"/>
-              <a:t>扩展版、数据规范化与数据库设</a:t>
-            </a:r>
-            <a:r>
-              <a:rPr lang="zh-CN" altLang="en-US" dirty="0" smtClean="0"/>
-              <a:t>计、自动化单元测试、 </a:t>
-            </a:r>
-            <a:r>
-              <a:rPr lang="en-US" altLang="zh-CN" dirty="0" err="1" smtClean="0"/>
-              <a:t>Kooboo</a:t>
-            </a:r>
-            <a:r>
-              <a:rPr lang="zh-CN" altLang="en-US" dirty="0" smtClean="0"/>
-              <a:t>、交互式设计、设计模式、架构模式、</a:t>
-            </a:r>
-            <a:r>
-              <a:rPr lang="en-US" altLang="zh-CN" dirty="0" err="1" smtClean="0"/>
-              <a:t>Linq</a:t>
-            </a:r>
-            <a:r>
-              <a:rPr lang="en-US" altLang="zh-CN" dirty="0" smtClean="0"/>
-              <a:t>/</a:t>
-            </a:r>
-            <a:r>
-              <a:rPr lang="en-US" altLang="zh-CN" dirty="0" err="1" smtClean="0"/>
-              <a:t>Lamda</a:t>
-            </a:r>
-            <a:r>
-              <a:rPr lang="zh-CN" altLang="en-US" dirty="0" smtClean="0"/>
-              <a:t>、网络编程模式与实践、网络基础等</a:t>
-            </a:r>
-            <a:endParaRPr lang="en-US" altLang="zh-CN" dirty="0" smtClean="0"/>
-          </a:p>
-          <a:p>
-            <a:pPr lvl="2"/>
-            <a:r>
-              <a:rPr lang="en-US" altLang="zh-CN" dirty="0" smtClean="0"/>
-              <a:t>SOA</a:t>
-            </a:r>
-            <a:r>
-              <a:rPr lang="zh-CN" altLang="en-US" dirty="0" smtClean="0"/>
-              <a:t>、</a:t>
-            </a:r>
-            <a:r>
-              <a:rPr lang="en-US" altLang="zh-CN" dirty="0" smtClean="0"/>
-              <a:t>AOP</a:t>
-            </a:r>
-            <a:r>
-              <a:rPr lang="zh-CN" altLang="en-US" dirty="0" smtClean="0"/>
-              <a:t>、</a:t>
-            </a:r>
-            <a:r>
-              <a:rPr lang="en-US" altLang="zh-CN" dirty="0" err="1" smtClean="0"/>
-              <a:t>Saas</a:t>
-            </a:r>
-            <a:r>
-              <a:rPr lang="zh-CN" altLang="en-US" dirty="0" smtClean="0"/>
-              <a:t>、云、</a:t>
-            </a:r>
-            <a:r>
-              <a:rPr lang="en-US" altLang="zh-CN" dirty="0" err="1" smtClean="0"/>
-              <a:t>Ioc</a:t>
-            </a:r>
-            <a:r>
-              <a:rPr lang="zh-CN" altLang="en-US" dirty="0" smtClean="0"/>
-              <a:t>等前沿技术及</a:t>
-            </a:r>
-            <a:r>
-              <a:rPr lang="en-US" altLang="zh-CN" dirty="0" smtClean="0"/>
-              <a:t>Scrum</a:t>
-            </a:r>
-            <a:r>
-              <a:rPr lang="zh-CN" altLang="en-US" dirty="0" smtClean="0"/>
-              <a:t>、</a:t>
-            </a:r>
-            <a:r>
-              <a:rPr lang="en-US" altLang="zh-CN" dirty="0" err="1" smtClean="0"/>
-              <a:t>Xp</a:t>
-            </a:r>
-            <a:r>
-              <a:rPr lang="zh-CN" altLang="en-US" dirty="0" smtClean="0"/>
-              <a:t>、</a:t>
-            </a:r>
-            <a:r>
-              <a:rPr lang="en-US" altLang="zh-CN" dirty="0" err="1" smtClean="0"/>
-              <a:t>Cmm</a:t>
-            </a:r>
-            <a:r>
-              <a:rPr lang="en-US" altLang="zh-CN" dirty="0" smtClean="0"/>
-              <a:t>/</a:t>
-            </a:r>
-            <a:r>
-              <a:rPr lang="en-US" altLang="zh-CN" dirty="0" err="1" smtClean="0"/>
-              <a:t>Cmmi</a:t>
-            </a:r>
-            <a:endParaRPr lang="en-US" altLang="zh-CN" dirty="0" smtClean="0"/>
-          </a:p>
-          <a:p>
-            <a:pPr lvl="2"/>
-            <a:r>
-              <a:rPr lang="zh-CN" altLang="en-US" dirty="0"/>
-              <a:t>编码规</a:t>
-            </a:r>
-            <a:r>
-              <a:rPr lang="zh-CN" altLang="en-US" dirty="0" smtClean="0"/>
-              <a:t>范</a:t>
-            </a:r>
-            <a:endParaRPr lang="en-US" altLang="zh-CN" dirty="0" smtClean="0"/>
-          </a:p>
-          <a:p>
-            <a:r>
-              <a:rPr lang="zh-CN" altLang="en-US" dirty="0"/>
-              <a:t>其他</a:t>
-            </a:r>
-            <a:r>
-              <a:rPr lang="zh-CN" altLang="en-US" dirty="0" smtClean="0"/>
-              <a:t>：</a:t>
-            </a:r>
-            <a:endParaRPr lang="en-US" altLang="zh-CN" dirty="0" smtClean="0"/>
-          </a:p>
-          <a:p>
-            <a:pPr lvl="1"/>
-            <a:r>
-              <a:rPr lang="zh-CN" altLang="en-US" dirty="0"/>
-              <a:t>成功人士的七个习</a:t>
-            </a:r>
-            <a:r>
-              <a:rPr lang="zh-CN" altLang="en-US" dirty="0" smtClean="0"/>
-              <a:t>惯</a:t>
-            </a:r>
-            <a:endParaRPr lang="en-US" altLang="zh-CN" dirty="0" smtClean="0"/>
-          </a:p>
-          <a:p>
-            <a:pPr lvl="1"/>
-            <a:r>
-              <a:rPr lang="zh-CN" altLang="en-US" dirty="0"/>
-              <a:t>读书会</a:t>
-            </a:r>
-          </a:p>
-        </p:txBody>
-      </p:sp>
-    </p:spTree>
-    <p:extLst>
-      <p:ext uri="{BB962C8B-B14F-4D97-AF65-F5344CB8AC3E}">
-        <p14:creationId xmlns:p14="http://schemas.microsoft.com/office/powerpoint/2010/main" val="121289255"/>
-      </p:ext>
-    </p:extLst>
-  </p:cSld>
-  <p:clrMapOvr>
-    <a:masterClrMapping/>
-  </p:clrMapOvr>
-  <p:timing>
-    <p:tnLst>
-      <p:par>
-        <p:cTn id="1" dur="indefinite" restart="never" nodeType="tmRoot">
-          <p:childTnLst>
-            <p:seq concurrent="1" nextAc="seek">
-              <p:cTn id="2" dur="indefinite" nodeType="mainSeq">
-                <p:childTnLst>
-                  <p:par>
-                    <p:cTn id="3" fill="hold">
-                      <p:stCondLst>
-                        <p:cond delay="indefinite"/>
-                      </p:stCondLst>
-                      <p:childTnLst>
-                        <p:par>
-                          <p:cTn id="4" fill="hold">
-                            <p:stCondLst>
-                              <p:cond delay="0"/>
-                            </p:stCondLst>
-                            <p:childTnLst>
-                              <p:par>
-                                <p:cTn id="5" presetID="16" presetClass="emph" presetSubtype="0" fill="hold" nodeType="clickEffect">
-                                  <p:stCondLst>
-                                    <p:cond delay="0"/>
-                                  </p:stCondLst>
-                                  <p:iterate type="lt">
-                                    <p:tmPct val="4000"/>
-                                  </p:iterate>
-                                  <p:childTnLst>
-                                    <p:set>
-                                      <p:cBhvr override="childStyle">
-                                        <p:cTn id="6" dur="500" fill="hold"/>
-                                        <p:tgtEl>
-                                          <p:spTgt spid="3">
-                                            <p:txEl>
-                                              <p:pRg st="0" end="0"/>
-                                            </p:txEl>
-                                          </p:spTgt>
-                                        </p:tgtEl>
-                                        <p:attrNameLst>
-                                          <p:attrName>style.color</p:attrName>
-                                        </p:attrNameLst>
-                                      </p:cBhvr>
-                                      <p:to>
-                                        <p:clrVal>
-                                          <a:schemeClr val="accent2"/>
-                                        </p:clrVal>
-                                      </p:to>
-                                    </p:set>
-                                    <p:set>
-                                      <p:cBhvr>
-                                        <p:cTn id="7" dur="500" fill="hold"/>
-                                        <p:tgtEl>
-                                          <p:spTgt spid="3">
-                                            <p:txEl>
-                                              <p:pRg st="0" end="0"/>
-                                            </p:txEl>
-                                          </p:spTgt>
-                                        </p:tgtEl>
-                                        <p:attrNameLst>
-                                          <p:attrName>fillcolor</p:attrName>
-                                        </p:attrNameLst>
-                                      </p:cBhvr>
-                                      <p:to>
-                                        <p:clrVal>
-                                          <a:schemeClr val="accent2"/>
-                                        </p:clrVal>
-                                      </p:to>
-                                    </p:set>
-                                    <p:set>
-                                      <p:cBhvr>
-                                        <p:cTn id="8" dur="500" fill="hold"/>
-                                        <p:tgtEl>
-                                          <p:spTgt spid="3">
-                                            <p:txEl>
-                                              <p:pRg st="0" end="0"/>
-                                            </p:txEl>
-                                          </p:spTgt>
-                                        </p:tgtEl>
-                                        <p:attrNameLst>
-                                          <p:attrName>fill.type</p:attrName>
-                                        </p:attrNameLst>
-                                      </p:cBhvr>
-                                      <p:to>
-                                        <p:strVal val="solid"/>
-                                      </p:to>
-                                    </p:set>
-                                  </p:childTnLst>
-                                </p:cTn>
-                              </p:par>
-                            </p:childTnLst>
-                          </p:cTn>
-                        </p:par>
-                      </p:childTnLst>
-                    </p:cTn>
-                  </p:par>
-                  <p:par>
-                    <p:cTn id="9" fill="hold">
-                      <p:stCondLst>
-                        <p:cond delay="indefinite"/>
-                      </p:stCondLst>
-                      <p:childTnLst>
-                        <p:par>
-                          <p:cTn id="10" fill="hold">
-                            <p:stCondLst>
-                              <p:cond delay="0"/>
-                            </p:stCondLst>
-                            <p:childTnLst>
-                              <p:par>
-                                <p:cTn id="11" presetID="16" presetClass="emph" presetSubtype="0" fill="hold" nodeType="clickEffect">
-                                  <p:stCondLst>
-                                    <p:cond delay="0"/>
-                                  </p:stCondLst>
-                                  <p:iterate type="lt">
-                                    <p:tmPct val="4000"/>
-                                  </p:iterate>
-                                  <p:childTnLst>
-                                    <p:set>
-                                      <p:cBhvr override="childStyle">
-                                        <p:cTn id="12" dur="500" fill="hold"/>
-                                        <p:tgtEl>
-                                          <p:spTgt spid="3">
-                                            <p:txEl>
-                                              <p:pRg st="1" end="1"/>
-                                            </p:txEl>
-                                          </p:spTgt>
-                                        </p:tgtEl>
-                                        <p:attrNameLst>
-                                          <p:attrName>style.color</p:attrName>
-                                        </p:attrNameLst>
-                                      </p:cBhvr>
-                                      <p:to>
-                                        <p:clrVal>
-                                          <a:schemeClr val="accent2"/>
-                                        </p:clrVal>
-                                      </p:to>
-                                    </p:set>
-                                    <p:set>
-                                      <p:cBhvr>
-                                        <p:cTn id="13" dur="500" fill="hold"/>
-                                        <p:tgtEl>
-                                          <p:spTgt spid="3">
-                                            <p:txEl>
-                                              <p:pRg st="1" end="1"/>
-                                            </p:txEl>
-                                          </p:spTgt>
-                                        </p:tgtEl>
-                                        <p:attrNameLst>
-                                          <p:attrName>fillcolor</p:attrName>
-                                        </p:attrNameLst>
-                                      </p:cBhvr>
-                                      <p:to>
-                                        <p:clrVal>
-                                          <a:schemeClr val="accent2"/>
-                                        </p:clrVal>
-                                      </p:to>
-                                    </p:set>
-                                    <p:set>
-                                      <p:cBhvr>
-                                        <p:cTn id="14" dur="500" fill="hold"/>
-                                        <p:tgtEl>
-                                          <p:spTgt spid="3">
-                                            <p:txEl>
-                                              <p:pRg st="1" end="1"/>
-                                            </p:txEl>
-                                          </p:spTgt>
-                                        </p:tgtEl>
-                                        <p:attrNameLst>
-                                          <p:attrName>fill.type</p:attrName>
-                                        </p:attrNameLst>
-                                      </p:cBhvr>
-                                      <p:to>
-                                        <p:strVal val="solid"/>
-                                      </p:to>
-                                    </p:set>
-                                  </p:childTnLst>
-                                </p:cTn>
-                              </p:par>
-                            </p:childTnLst>
-                          </p:cTn>
-                        </p:par>
-                      </p:childTnLst>
-                    </p:cTn>
-                  </p:par>
-                </p:childTnLst>
-              </p:cTn>
-              <p:prevCondLst>
-                <p:cond evt="onPrev" delay="0">
-                  <p:tgtEl>
-                    <p:sldTgt/>
-                  </p:tgtEl>
-                </p:cond>
-              </p:prevCondLst>
-              <p:nextCondLst>
-                <p:cond evt="onNext" delay="0">
-                  <p:tgtEl>
-                    <p:sldTgt/>
-                  </p:tgtEl>
-                </p:cond>
-              </p:nextCondLst>
-            </p:seq>
-          </p:childTnLst>
-        </p:cTn>
-      </p:par>
-    </p:tnLst>
-  </p:timing>
-</p:sld>
-</file>
-
-<file path=ppt/slides/slide4.xml><?xml version="1.0" encoding="utf-8"?>
-<p:sld xmlns:a="http://schemas.openxmlformats.org/drawingml/2006/main" xmlns:r="http://schemas.openxmlformats.org/officeDocument/2006/relationships" xmlns:p="http://schemas.openxmlformats.org/presentationml/2006/main">
-  <p:cSld>
-    <p:spTree>
-      <p:nvGrpSpPr>
-        <p:cNvPr id="1" name=""/>
-        <p:cNvGrpSpPr/>
-        <p:nvPr/>
-      </p:nvGrpSpPr>
-      <p:grpSpPr>
-        <a:xfrm>
-          <a:off x="0" y="0"/>
-          <a:ext cx="0" cy="0"/>
-          <a:chOff x="0" y="0"/>
-          <a:chExt cx="0" cy="0"/>
-        </a:xfrm>
-      </p:grpSpPr>
-      <p:sp>
-        <p:nvSpPr>
-          <p:cNvPr id="2" name="标题 1"/>
-          <p:cNvSpPr>
-            <a:spLocks noGrp="1"/>
-          </p:cNvSpPr>
-          <p:nvPr>
-            <p:ph type="title"/>
-          </p:nvPr>
-        </p:nvSpPr>
-        <p:spPr/>
-        <p:txBody>
-          <a:bodyPr/>
-          <a:lstStyle/>
-          <a:p>
-            <a:r>
-              <a:rPr lang="zh-CN" altLang="en-US" dirty="0"/>
-              <a:t>目录</a:t>
-            </a:r>
-          </a:p>
-        </p:txBody>
-      </p:sp>
-      <p:sp>
-        <p:nvSpPr>
-          <p:cNvPr id="3" name="内容占位符 2"/>
-          <p:cNvSpPr>
-            <a:spLocks noGrp="1"/>
-          </p:cNvSpPr>
-          <p:nvPr>
-            <p:ph idx="1"/>
-          </p:nvPr>
-        </p:nvSpPr>
-        <p:spPr/>
-        <p:txBody>
-          <a:bodyPr>
-            <a:normAutofit/>
-          </a:bodyPr>
-          <a:lstStyle/>
-          <a:p>
-            <a:r>
-              <a:rPr lang="zh-CN" altLang="en-US" dirty="0" smtClean="0"/>
-              <a:t>培训系列介绍</a:t>
-            </a:r>
-            <a:endParaRPr lang="en-US" altLang="zh-CN" dirty="0" smtClean="0"/>
-          </a:p>
-          <a:p>
-            <a:r>
-              <a:rPr lang="zh-CN" altLang="en-US" dirty="0"/>
-              <a:t>项目管</a:t>
-            </a:r>
-            <a:r>
-              <a:rPr lang="zh-CN" altLang="en-US" dirty="0" smtClean="0"/>
-              <a:t>理</a:t>
-            </a:r>
-            <a:r>
-              <a:rPr lang="zh-CN" altLang="en-US" dirty="0"/>
-              <a:t>指南</a:t>
-            </a:r>
-            <a:r>
-              <a:rPr lang="zh-CN" altLang="en-US" dirty="0" smtClean="0"/>
-              <a:t>概</a:t>
-            </a:r>
-            <a:r>
-              <a:rPr lang="zh-CN" altLang="en-US" dirty="0"/>
-              <a:t>述</a:t>
-            </a:r>
-            <a:endParaRPr lang="en-US" altLang="zh-CN" dirty="0" smtClean="0"/>
-          </a:p>
-          <a:p>
-            <a:r>
-              <a:rPr lang="zh-CN" altLang="en-US" dirty="0" smtClean="0"/>
-              <a:t>组队模型</a:t>
-            </a:r>
-            <a:endParaRPr lang="en-US" altLang="zh-CN" dirty="0" smtClean="0"/>
-          </a:p>
-          <a:p>
-            <a:r>
-              <a:rPr lang="zh-CN" altLang="en-US" dirty="0" smtClean="0"/>
-              <a:t>软</a:t>
-            </a:r>
-            <a:r>
-              <a:rPr lang="zh-CN" altLang="en-US" dirty="0"/>
-              <a:t>件生命周</a:t>
-            </a:r>
-            <a:r>
-              <a:rPr lang="zh-CN" altLang="en-US" dirty="0" smtClean="0"/>
-              <a:t>期</a:t>
-            </a:r>
-            <a:r>
-              <a:rPr lang="en-US" altLang="zh-CN" dirty="0" smtClean="0"/>
-              <a:t>(</a:t>
-            </a:r>
-            <a:r>
-              <a:rPr lang="zh-CN" altLang="en-US" dirty="0" smtClean="0"/>
-              <a:t>过程</a:t>
-            </a:r>
-            <a:r>
-              <a:rPr lang="en-US" altLang="zh-CN" dirty="0" smtClean="0"/>
-              <a:t>)</a:t>
-            </a:r>
-            <a:r>
-              <a:rPr lang="zh-CN" altLang="en-US" dirty="0" smtClean="0"/>
-              <a:t>模型</a:t>
-            </a:r>
-            <a:endParaRPr lang="en-US" altLang="zh-CN" dirty="0" smtClean="0"/>
-          </a:p>
-          <a:p>
-            <a:r>
-              <a:rPr lang="zh-CN" altLang="en-US" dirty="0" smtClean="0"/>
-              <a:t>最佳实践</a:t>
-            </a:r>
-            <a:endParaRPr lang="zh-CN" altLang="en-US" dirty="0"/>
-          </a:p>
-        </p:txBody>
-      </p:sp>
-    </p:spTree>
-    <p:extLst>
-      <p:ext uri="{BB962C8B-B14F-4D97-AF65-F5344CB8AC3E}">
-        <p14:creationId xmlns:p14="http://schemas.microsoft.com/office/powerpoint/2010/main" val="1912248012"/>
-      </p:ext>
-    </p:extLst>
-  </p:cSld>
-  <p:clrMapOvr>
-    <a:masterClrMapping/>
-  </p:clrMapOvr>
-  <p:timing>
-    <p:tnLst>
-      <p:par>
-        <p:cTn id="1" dur="indefinite" restart="never" nodeType="tmRoot">
-          <p:childTnLst>
-            <p:seq concurrent="1" nextAc="seek">
-              <p:cTn id="2" dur="indefinite" nodeType="mainSeq">
-                <p:childTnLst>
-                  <p:par>
-                    <p:cTn id="3" fill="hold">
-                      <p:stCondLst>
-                        <p:cond delay="indefinite"/>
-                      </p:stCondLst>
-                      <p:childTnLst>
-                        <p:par>
-                          <p:cTn id="4" fill="hold">
-                            <p:stCondLst>
-                              <p:cond delay="0"/>
-                            </p:stCondLst>
-                            <p:childTnLst>
-                              <p:par>
-                                <p:cTn id="5" presetID="16" presetClass="emph" presetSubtype="0" fill="hold" nodeType="clickEffect">
-                                  <p:stCondLst>
-                                    <p:cond delay="0"/>
-                                  </p:stCondLst>
-                                  <p:iterate type="lt">
-                                    <p:tmPct val="4000"/>
-                                  </p:iterate>
-                                  <p:childTnLst>
-                                    <p:set>
-                                      <p:cBhvr override="childStyle">
-                                        <p:cTn id="6" dur="500" fill="hold"/>
-                                        <p:tgtEl>
-                                          <p:spTgt spid="3">
-                                            <p:txEl>
-                                              <p:pRg st="1" end="1"/>
-                                            </p:txEl>
-                                          </p:spTgt>
-                                        </p:tgtEl>
-                                        <p:attrNameLst>
-                                          <p:attrName>style.color</p:attrName>
-                                        </p:attrNameLst>
-                                      </p:cBhvr>
-                                      <p:to>
-                                        <p:clrVal>
-                                          <a:schemeClr val="accent2"/>
-                                        </p:clrVal>
-                                      </p:to>
-                                    </p:set>
-                                    <p:set>
-                                      <p:cBhvr>
-                                        <p:cTn id="7" dur="500" fill="hold"/>
-                                        <p:tgtEl>
-                                          <p:spTgt spid="3">
-                                            <p:txEl>
-                                              <p:pRg st="1" end="1"/>
-                                            </p:txEl>
-                                          </p:spTgt>
-                                        </p:tgtEl>
-                                        <p:attrNameLst>
-                                          <p:attrName>fillcolor</p:attrName>
-                                        </p:attrNameLst>
-                                      </p:cBhvr>
-                                      <p:to>
-                                        <p:clrVal>
-                                          <a:schemeClr val="accent2"/>
-                                        </p:clrVal>
-                                      </p:to>
-                                    </p:set>
-                                    <p:set>
-                                      <p:cBhvr>
-                                        <p:cTn id="8" dur="500" fill="hold"/>
-                                        <p:tgtEl>
-                                          <p:spTgt spid="3">
-                                            <p:txEl>
-                                              <p:pRg st="1" end="1"/>
-                                            </p:txEl>
-                                          </p:spTgt>
-                                        </p:tgtEl>
-                                        <p:attrNameLst>
-                                          <p:attrName>fill.type</p:attrName>
-                                        </p:attrNameLst>
-                                      </p:cBhvr>
-                                      <p:to>
-                                        <p:strVal val="solid"/>
-                                      </p:to>
-                                    </p:set>
-                                  </p:childTnLst>
-                                </p:cTn>
-                              </p:par>
-                            </p:childTnLst>
-                          </p:cTn>
-                        </p:par>
-                      </p:childTnLst>
-                    </p:cTn>
-                  </p:par>
-                </p:childTnLst>
-              </p:cTn>
-              <p:prevCondLst>
-                <p:cond evt="onPrev" delay="0">
-                  <p:tgtEl>
-                    <p:sldTgt/>
-                  </p:tgtEl>
-                </p:cond>
-              </p:prevCondLst>
-              <p:nextCondLst>
-                <p:cond evt="onNext" delay="0">
-                  <p:tgtEl>
-                    <p:sldTgt/>
-                  </p:tgtEl>
-                </p:cond>
-              </p:nextCondLst>
-            </p:seq>
-          </p:childTnLst>
-        </p:cTn>
-      </p:par>
-    </p:tnLst>
-  </p:timing>
-</p:sld>
-</file>
-
-<file path=ppt/slides/slide5.xml><?xml version="1.0" encoding="utf-8"?>
-<p:sld xmlns:a="http://schemas.openxmlformats.org/drawingml/2006/main" xmlns:r="http://schemas.openxmlformats.org/officeDocument/2006/relationships" xmlns:p="http://schemas.openxmlformats.org/presentationml/2006/main">
-  <p:cSld>
-    <p:spTree>
-      <p:nvGrpSpPr>
-        <p:cNvPr id="1" name=""/>
-        <p:cNvGrpSpPr/>
-        <p:nvPr/>
-      </p:nvGrpSpPr>
-      <p:grpSpPr>
-        <a:xfrm>
-          <a:off x="0" y="0"/>
-          <a:ext cx="0" cy="0"/>
-          <a:chOff x="0" y="0"/>
-          <a:chExt cx="0" cy="0"/>
-        </a:xfrm>
-      </p:grpSpPr>
-      <p:sp>
-        <p:nvSpPr>
-          <p:cNvPr id="2" name="标题 1"/>
-          <p:cNvSpPr>
-            <a:spLocks noGrp="1"/>
-          </p:cNvSpPr>
-          <p:nvPr>
-            <p:ph type="title"/>
-          </p:nvPr>
-        </p:nvSpPr>
-        <p:spPr/>
-        <p:txBody>
-          <a:bodyPr/>
-          <a:lstStyle/>
-          <a:p>
-            <a:r>
-              <a:rPr lang="zh-CN" altLang="en-US" dirty="0" smtClean="0"/>
-              <a:t>项目管理指南概述</a:t>
-            </a:r>
-            <a:endParaRPr lang="zh-CN" altLang="en-US" dirty="0"/>
-          </a:p>
-        </p:txBody>
-      </p:sp>
-      <p:sp>
-        <p:nvSpPr>
-          <p:cNvPr id="3" name="内容占位符 2"/>
-          <p:cNvSpPr>
-            <a:spLocks noGrp="1"/>
-          </p:cNvSpPr>
-          <p:nvPr>
-            <p:ph idx="1"/>
-          </p:nvPr>
-        </p:nvSpPr>
-        <p:spPr/>
-        <p:txBody>
-          <a:bodyPr/>
-          <a:lstStyle/>
-          <a:p>
-            <a:r>
-              <a:rPr lang="zh-CN" altLang="en-US" dirty="0" smtClean="0"/>
-              <a:t>什么是项目？什么是项目管理？</a:t>
-            </a:r>
-            <a:endParaRPr lang="en-US" altLang="zh-CN" dirty="0" smtClean="0"/>
-          </a:p>
-          <a:p>
-            <a:r>
-              <a:rPr lang="zh-CN" altLang="en-US" dirty="0" smtClean="0"/>
-              <a:t>软件项目的特点</a:t>
-            </a:r>
-            <a:endParaRPr lang="en-US" altLang="zh-CN" dirty="0" smtClean="0"/>
-          </a:p>
-          <a:p>
-            <a:r>
-              <a:rPr lang="zh-CN" altLang="en-US" dirty="0" smtClean="0"/>
-              <a:t>项目管理指南简介</a:t>
-            </a:r>
-            <a:endParaRPr lang="en-US" altLang="zh-CN" dirty="0" smtClean="0"/>
-          </a:p>
-        </p:txBody>
-      </p:sp>
-    </p:spTree>
-    <p:extLst>
-      <p:ext uri="{BB962C8B-B14F-4D97-AF65-F5344CB8AC3E}">
-        <p14:creationId xmlns:p14="http://schemas.microsoft.com/office/powerpoint/2010/main" val="634047791"/>
-      </p:ext>
-    </p:extLst>
-  </p:cSld>
-  <p:clrMapOvr>
-    <a:masterClrMapping/>
-  </p:clrMapOvr>
-  <p:timing>
-    <p:tnLst>
-      <p:par>
-        <p:cTn id="1" dur="indefinite" restart="never" nodeType="tmRoot"/>
-      </p:par>
-    </p:tnLst>
-  </p:timing>
-</p:sld>
-</file>
-
-<file path=ppt/slides/slide6.xml><?xml version="1.0" encoding="utf-8"?>
-<p:sld xmlns:a="http://schemas.openxmlformats.org/drawingml/2006/main" xmlns:r="http://schemas.openxmlformats.org/officeDocument/2006/relationships" xmlns:p="http://schemas.openxmlformats.org/presentationml/2006/main">
-  <p:cSld>
-    <p:spTree>
-      <p:nvGrpSpPr>
-        <p:cNvPr id="1" name=""/>
-        <p:cNvGrpSpPr/>
-        <p:nvPr/>
-      </p:nvGrpSpPr>
-      <p:grpSpPr>
-        <a:xfrm>
-          <a:off x="0" y="0"/>
-          <a:ext cx="0" cy="0"/>
-          <a:chOff x="0" y="0"/>
-          <a:chExt cx="0" cy="0"/>
-        </a:xfrm>
-      </p:grpSpPr>
-      <p:sp>
-        <p:nvSpPr>
-          <p:cNvPr id="2" name="标题 1"/>
-          <p:cNvSpPr>
-            <a:spLocks noGrp="1"/>
-          </p:cNvSpPr>
-          <p:nvPr>
-            <p:ph type="title"/>
-          </p:nvPr>
-        </p:nvSpPr>
-        <p:spPr/>
-        <p:txBody>
-          <a:bodyPr/>
-          <a:lstStyle/>
-          <a:p>
-            <a:r>
-              <a:rPr lang="zh-CN" altLang="en-US" dirty="0" smtClean="0"/>
-              <a:t>什么是项目？</a:t>
-            </a:r>
-            <a:endParaRPr lang="zh-CN" altLang="en-US" dirty="0"/>
-          </a:p>
-        </p:txBody>
-      </p:sp>
-      <p:sp>
-        <p:nvSpPr>
-          <p:cNvPr id="4" name="Rectangle 3"/>
-          <p:cNvSpPr>
-            <a:spLocks noGrp="1" noChangeArrowheads="1"/>
-          </p:cNvSpPr>
-          <p:nvPr>
-            <p:ph idx="1"/>
-          </p:nvPr>
-        </p:nvSpPr>
-        <p:spPr/>
-        <p:txBody>
-          <a:bodyPr/>
-          <a:lstStyle/>
-          <a:p>
-            <a:pPr eaLnBrk="1" hangingPunct="1">
-              <a:spcBef>
-                <a:spcPct val="70000"/>
-              </a:spcBef>
-            </a:pPr>
-            <a:r>
-              <a:rPr lang="zh-CN" altLang="en-US" sz="2400" b="1" dirty="0" smtClean="0">
-                <a:latin typeface="Arial" charset="0"/>
-              </a:rPr>
-              <a:t>项目</a:t>
-            </a:r>
-            <a:r>
-              <a:rPr lang="en-US" altLang="zh-CN" sz="2400" b="1" dirty="0" smtClean="0">
-                <a:latin typeface="Arial" charset="0"/>
-              </a:rPr>
-              <a:t>[Project]</a:t>
-            </a:r>
-            <a:r>
-              <a:rPr lang="zh-CN" altLang="en-US" sz="2400" dirty="0" smtClean="0">
-                <a:latin typeface="Arial" charset="0"/>
-              </a:rPr>
-              <a:t>是</a:t>
-            </a:r>
-            <a:r>
-              <a:rPr lang="en-US" altLang="zh-CN" sz="2400" dirty="0" smtClean="0">
-                <a:latin typeface="Arial" charset="0"/>
-              </a:rPr>
-              <a:t>“</a:t>
-            </a:r>
-            <a:r>
-              <a:rPr lang="zh-CN" altLang="en-US" sz="2400" dirty="0" smtClean="0">
-                <a:latin typeface="Arial" charset="0"/>
-              </a:rPr>
-              <a:t>为创造</a:t>
-            </a:r>
-            <a:r>
-              <a:rPr lang="zh-CN" altLang="en-US" sz="2400" dirty="0" smtClean="0">
-                <a:solidFill>
-                  <a:schemeClr val="tx1"/>
-                </a:solidFill>
-                <a:latin typeface="Arial" charset="0"/>
-              </a:rPr>
-              <a:t>独特的</a:t>
-            </a:r>
-            <a:r>
-              <a:rPr lang="zh-CN" altLang="en-US" sz="2400" dirty="0" smtClean="0">
-                <a:latin typeface="Arial" charset="0"/>
-              </a:rPr>
-              <a:t>产品、服务或成果而进行的</a:t>
-            </a:r>
-            <a:r>
-              <a:rPr lang="zh-CN" altLang="en-US" sz="2400" dirty="0" smtClean="0">
-                <a:solidFill>
-                  <a:schemeClr val="tx1"/>
-                </a:solidFill>
-                <a:latin typeface="Arial" charset="0"/>
-              </a:rPr>
-              <a:t>临时性</a:t>
-            </a:r>
-            <a:r>
-              <a:rPr lang="zh-CN" altLang="en-US" sz="2400" dirty="0" smtClean="0">
-                <a:latin typeface="Arial" charset="0"/>
-              </a:rPr>
-              <a:t>工作</a:t>
-            </a:r>
-            <a:r>
-              <a:rPr lang="en-US" altLang="zh-CN" sz="2400" dirty="0" smtClean="0">
-                <a:latin typeface="Arial" charset="0"/>
-              </a:rPr>
-              <a:t>” ——PMI</a:t>
-            </a:r>
-            <a:endParaRPr lang="en-US" altLang="zh-CN" sz="2400" dirty="0" smtClean="0">
-              <a:latin typeface="Arial" charset="0"/>
-              <a:cs typeface="Times New Roman" pitchFamily="18" charset="0"/>
-            </a:endParaRPr>
-          </a:p>
-        </p:txBody>
-      </p:sp>
-      <p:grpSp>
-        <p:nvGrpSpPr>
-          <p:cNvPr id="5" name="组合 10"/>
-          <p:cNvGrpSpPr/>
-          <p:nvPr/>
-        </p:nvGrpSpPr>
-        <p:grpSpPr>
-          <a:xfrm>
-            <a:off x="2786034" y="2852936"/>
-            <a:ext cx="3657600" cy="3427617"/>
-            <a:chOff x="2362200" y="2743200"/>
-            <a:chExt cx="3657600" cy="3698558"/>
-          </a:xfrm>
-          <a:solidFill>
-            <a:schemeClr val="accent6"/>
-          </a:solidFill>
-        </p:grpSpPr>
-        <p:sp>
-          <p:nvSpPr>
-            <p:cNvPr id="6" name="等腰三角形 5"/>
-            <p:cNvSpPr/>
-            <p:nvPr/>
-          </p:nvSpPr>
-          <p:spPr>
-            <a:xfrm>
-              <a:off x="2362200" y="2743200"/>
-              <a:ext cx="3657600" cy="3153103"/>
-            </a:xfrm>
-            <a:prstGeom prst="triangle">
-              <a:avLst/>
-            </a:prstGeom>
-            <a:grpFill/>
-            <a:scene3d>
-              <a:camera prst="orthographicFront"/>
-              <a:lightRig rig="threePt" dir="t"/>
-            </a:scene3d>
-            <a:sp3d>
-              <a:bevelT w="114300" prst="artDeco"/>
-            </a:sp3d>
-          </p:spPr>
-          <p:style>
-            <a:lnRef idx="2">
-              <a:schemeClr val="accent1">
-                <a:shade val="50000"/>
-              </a:schemeClr>
-            </a:lnRef>
-            <a:fillRef idx="1">
-              <a:schemeClr val="accent1"/>
-            </a:fillRef>
-            <a:effectRef idx="0">
-              <a:schemeClr val="accent1"/>
-            </a:effectRef>
-            <a:fontRef idx="minor">
-              <a:schemeClr val="lt1"/>
-            </a:fontRef>
-          </p:style>
-          <p:txBody>
-            <a:bodyPr rtlCol="0" anchor="ctr"/>
-            <a:lstStyle/>
-            <a:p>
-              <a:pPr algn="ctr"/>
-              <a:endParaRPr lang="zh-CN" altLang="en-US">
-                <a:solidFill>
-                  <a:srgbClr val="FF0000"/>
-                </a:solidFill>
-              </a:endParaRPr>
-            </a:p>
-          </p:txBody>
-        </p:sp>
-        <p:sp>
-          <p:nvSpPr>
-            <p:cNvPr id="7" name="TextBox 6"/>
-            <p:cNvSpPr txBox="1"/>
-            <p:nvPr/>
-          </p:nvSpPr>
-          <p:spPr>
-            <a:xfrm>
-              <a:off x="3581400" y="5943600"/>
-              <a:ext cx="1415772" cy="498158"/>
-            </a:xfrm>
-            <a:prstGeom prst="rect">
-              <a:avLst/>
-            </a:prstGeom>
-            <a:noFill/>
-          </p:spPr>
-          <p:txBody>
-            <a:bodyPr wrap="none" rtlCol="0">
-              <a:spAutoFit/>
-            </a:bodyPr>
-            <a:lstStyle/>
-            <a:p>
-              <a:r>
-                <a:rPr lang="zh-CN" altLang="en-US" sz="2400" dirty="0" smtClean="0">
-                  <a:latin typeface="微软雅黑" pitchFamily="34" charset="-122"/>
-                  <a:ea typeface="微软雅黑" pitchFamily="34" charset="-122"/>
-                </a:rPr>
-                <a:t>渐进明细</a:t>
-              </a:r>
-              <a:endParaRPr lang="zh-CN" altLang="en-US" sz="2400" dirty="0">
-                <a:latin typeface="微软雅黑" pitchFamily="34" charset="-122"/>
-                <a:ea typeface="微软雅黑" pitchFamily="34" charset="-122"/>
-              </a:endParaRPr>
-            </a:p>
-          </p:txBody>
-        </p:sp>
-        <p:sp>
-          <p:nvSpPr>
-            <p:cNvPr id="8" name="TextBox 7"/>
-            <p:cNvSpPr txBox="1"/>
-            <p:nvPr/>
-          </p:nvSpPr>
-          <p:spPr>
-            <a:xfrm rot="18123660">
-              <a:off x="2451174" y="3942307"/>
-              <a:ext cx="1195579" cy="461665"/>
-            </a:xfrm>
-            <a:prstGeom prst="rect">
-              <a:avLst/>
-            </a:prstGeom>
-            <a:noFill/>
-          </p:spPr>
-          <p:txBody>
-            <a:bodyPr wrap="none" rtlCol="0">
-              <a:spAutoFit/>
-            </a:bodyPr>
-            <a:lstStyle/>
-            <a:p>
-              <a:r>
-                <a:rPr lang="zh-CN" altLang="en-US" sz="2400" dirty="0" smtClean="0">
-                  <a:latin typeface="微软雅黑" pitchFamily="34" charset="-122"/>
-                  <a:ea typeface="微软雅黑" pitchFamily="34" charset="-122"/>
-                </a:rPr>
-                <a:t>独特性</a:t>
-              </a:r>
-              <a:endParaRPr lang="zh-CN" altLang="en-US" sz="2400" dirty="0">
-                <a:latin typeface="微软雅黑" pitchFamily="34" charset="-122"/>
-                <a:ea typeface="微软雅黑" pitchFamily="34" charset="-122"/>
-              </a:endParaRPr>
-            </a:p>
-          </p:txBody>
-        </p:sp>
-        <p:sp>
-          <p:nvSpPr>
-            <p:cNvPr id="9" name="TextBox 8"/>
-            <p:cNvSpPr txBox="1"/>
-            <p:nvPr/>
-          </p:nvSpPr>
-          <p:spPr>
-            <a:xfrm rot="3457179">
-              <a:off x="4813240" y="4019022"/>
-              <a:ext cx="1195579" cy="461665"/>
-            </a:xfrm>
-            <a:prstGeom prst="rect">
-              <a:avLst/>
-            </a:prstGeom>
-            <a:noFill/>
-          </p:spPr>
-          <p:txBody>
-            <a:bodyPr wrap="none" rtlCol="0">
-              <a:spAutoFit/>
-            </a:bodyPr>
-            <a:lstStyle/>
-            <a:p>
-              <a:r>
-                <a:rPr lang="zh-CN" altLang="en-US" sz="2400" dirty="0" smtClean="0">
-                  <a:latin typeface="微软雅黑" pitchFamily="34" charset="-122"/>
-                  <a:ea typeface="微软雅黑" pitchFamily="34" charset="-122"/>
-                </a:rPr>
-                <a:t>临时性</a:t>
-              </a:r>
-              <a:endParaRPr lang="zh-CN" altLang="en-US" sz="2400" dirty="0">
-                <a:latin typeface="微软雅黑" pitchFamily="34" charset="-122"/>
-                <a:ea typeface="微软雅黑" pitchFamily="34" charset="-122"/>
-              </a:endParaRPr>
-            </a:p>
-          </p:txBody>
-        </p:sp>
-      </p:grpSp>
-    </p:spTree>
-    <p:extLst>
-      <p:ext uri="{BB962C8B-B14F-4D97-AF65-F5344CB8AC3E}">
-        <p14:creationId xmlns:p14="http://schemas.microsoft.com/office/powerpoint/2010/main" val="46840197"/>
-      </p:ext>
-    </p:extLst>
-  </p:cSld>
-  <p:clrMapOvr>
-    <a:masterClrMapping/>
-  </p:clrMapOvr>
-  <p:timing>
-    <p:tnLst>
-      <p:par>
-        <p:cTn id="1" dur="indefinite" restart="never" nodeType="tmRoot">
-          <p:childTnLst>
-            <p:seq concurrent="1" nextAc="seek">
-              <p:cTn id="2" dur="indefinite" nodeType="mainSeq">
-                <p:childTnLst>
-                  <p:par>
-                    <p:cTn id="3" fill="hold">
-                      <p:stCondLst>
-                        <p:cond delay="indefinite"/>
-                      </p:stCondLst>
-                      <p:childTnLst>
-                        <p:par>
-                          <p:cTn id="4" fill="hold">
-                            <p:stCondLst>
-                              <p:cond delay="0"/>
-                            </p:stCondLst>
-                            <p:childTnLst>
-                              <p:par>
-                                <p:cTn id="5" presetID="1" presetClass="entr" presetSubtype="0" fill="hold" nodeType="clickEffect">
-                                  <p:stCondLst>
-                                    <p:cond delay="0"/>
-                                  </p:stCondLst>
-                                  <p:childTnLst>
-                                    <p:set>
-                                      <p:cBhvr>
-                                        <p:cTn id="6" dur="1" fill="hold">
-                                          <p:stCondLst>
-                                            <p:cond delay="0"/>
-                                          </p:stCondLst>
-                                        </p:cTn>
-                                        <p:tgtEl>
-                                          <p:spTgt spid="4">
-                                            <p:txEl>
-                                              <p:pRg st="0" end="0"/>
-                                            </p:txEl>
-                                          </p:spTgt>
-                                        </p:tgtEl>
-                                        <p:attrNameLst>
-                                          <p:attrName>style.visibility</p:attrName>
-                                        </p:attrNameLst>
-                                      </p:cBhvr>
-                                      <p:to>
-                                        <p:strVal val="visible"/>
-                                      </p:to>
-                                    </p:set>
-                                  </p:childTnLst>
-                                </p:cTn>
-                              </p:par>
-                            </p:childTnLst>
-                          </p:cTn>
-                        </p:par>
-                      </p:childTnLst>
-                    </p:cTn>
-                  </p:par>
-                  <p:par>
-                    <p:cTn id="7" fill="hold">
-                      <p:stCondLst>
-                        <p:cond delay="indefinite"/>
-                      </p:stCondLst>
-                      <p:childTnLst>
-                        <p:par>
-                          <p:cTn id="8" fill="hold">
-                            <p:stCondLst>
-                              <p:cond delay="0"/>
-                            </p:stCondLst>
-                            <p:childTnLst>
-                              <p:par>
-                                <p:cTn id="9" presetID="10" presetClass="entr" presetSubtype="0" fill="hold" nodeType="clickEffect">
-                                  <p:stCondLst>
-                                    <p:cond delay="0"/>
-                                  </p:stCondLst>
-                                  <p:childTnLst>
-                                    <p:set>
-                                      <p:cBhvr>
-                                        <p:cTn id="10" dur="1" fill="hold">
-                                          <p:stCondLst>
-                                            <p:cond delay="0"/>
-                                          </p:stCondLst>
-                                        </p:cTn>
-                                        <p:tgtEl>
-                                          <p:spTgt spid="5"/>
-                                        </p:tgtEl>
-                                        <p:attrNameLst>
-                                          <p:attrName>style.visibility</p:attrName>
-                                        </p:attrNameLst>
-                                      </p:cBhvr>
-                                      <p:to>
-                                        <p:strVal val="visible"/>
-                                      </p:to>
-                                    </p:set>
-                                    <p:animEffect transition="in" filter="fade">
-                                      <p:cBhvr>
-                                        <p:cTn id="11" dur="2000"/>
-                                        <p:tgtEl>
-                                          <p:spTgt spid="5"/>
-                                        </p:tgtEl>
-                                      </p:cBhvr>
-                                    </p:animEffect>
-                                  </p:childTnLst>
-                                </p:cTn>
-                              </p:par>
-                            </p:childTnLst>
-                          </p:cTn>
-                        </p:par>
-                      </p:childTnLst>
-                    </p:cTn>
-                  </p:par>
-                </p:childTnLst>
-              </p:cTn>
-              <p:prevCondLst>
-                <p:cond evt="onPrev" delay="0">
-                  <p:tgtEl>
-                    <p:sldTgt/>
-                  </p:tgtEl>
-                </p:cond>
-              </p:prevCondLst>
-              <p:nextCondLst>
-                <p:cond evt="onNext" delay="0">
-                  <p:tgtEl>
-                    <p:sldTgt/>
-                  </p:tgtEl>
-                </p:cond>
-              </p:nextCondLst>
-            </p:seq>
-          </p:childTnLst>
-        </p:cTn>
-      </p:par>
-    </p:tnLst>
-  </p:timing>
-</p:sld>
-</file>
-
-<file path=ppt/slides/slide7.xml><?xml version="1.0" encoding="utf-8"?>
+<file path=ppt/slides/slide12.xml><?xml version="1.0" encoding="utf-8"?>
 <p:sld xmlns:a="http://schemas.openxmlformats.org/drawingml/2006/main" xmlns:r="http://schemas.openxmlformats.org/officeDocument/2006/relationships" xmlns:p="http://schemas.openxmlformats.org/presentationml/2006/main">
   <p:cSld>
     <p:spTree>
@@ -19273,7 +15486,7 @@
     </p:spTree>
     <p:extLst>
       <p:ext uri="{BB962C8B-B14F-4D97-AF65-F5344CB8AC3E}">
-        <p14:creationId xmlns:p14="http://schemas.microsoft.com/office/powerpoint/2010/main" val="3397805886"/>
+        <p14:creationId xmlns:p14="http://schemas.microsoft.com/office/powerpoint/2010/main" val="3470725318"/>
       </p:ext>
     </p:extLst>
   </p:cSld>
@@ -19469,7 +15682,7 @@
 </p:sld>
 </file>
 
-<file path=ppt/slides/slide8.xml><?xml version="1.0" encoding="utf-8"?>
+<file path=ppt/slides/slide13.xml><?xml version="1.0" encoding="utf-8"?>
 <p:sld xmlns:a="http://schemas.openxmlformats.org/drawingml/2006/main" xmlns:r="http://schemas.openxmlformats.org/officeDocument/2006/relationships" xmlns:p="http://schemas.openxmlformats.org/presentationml/2006/main">
   <p:cSld>
     <p:spTree>
@@ -19627,7 +15840,7 @@
     </p:spTree>
     <p:extLst>
       <p:ext uri="{BB962C8B-B14F-4D97-AF65-F5344CB8AC3E}">
-        <p14:creationId xmlns:p14="http://schemas.microsoft.com/office/powerpoint/2010/main" val="2367992458"/>
+        <p14:creationId xmlns:p14="http://schemas.microsoft.com/office/powerpoint/2010/main" val="2697665655"/>
       </p:ext>
     </p:extLst>
   </p:cSld>
@@ -19712,6 +15925,3451 @@
 </p:sld>
 </file>
 
+<file path=ppt/slides/slide14.xml><?xml version="1.0" encoding="utf-8"?>
+<p:sld xmlns:a="http://schemas.openxmlformats.org/drawingml/2006/main" xmlns:r="http://schemas.openxmlformats.org/officeDocument/2006/relationships" xmlns:p="http://schemas.openxmlformats.org/presentationml/2006/main">
+  <p:cSld>
+    <p:spTree>
+      <p:nvGrpSpPr>
+        <p:cNvPr id="1" name=""/>
+        <p:cNvGrpSpPr/>
+        <p:nvPr/>
+      </p:nvGrpSpPr>
+      <p:grpSpPr>
+        <a:xfrm>
+          <a:off x="0" y="0"/>
+          <a:ext cx="0" cy="0"/>
+          <a:chOff x="0" y="0"/>
+          <a:chExt cx="0" cy="0"/>
+        </a:xfrm>
+      </p:grpSpPr>
+      <p:sp>
+        <p:nvSpPr>
+          <p:cNvPr id="2" name="标题 1"/>
+          <p:cNvSpPr>
+            <a:spLocks noGrp="1"/>
+          </p:cNvSpPr>
+          <p:nvPr>
+            <p:ph type="title"/>
+          </p:nvPr>
+        </p:nvSpPr>
+        <p:spPr/>
+        <p:txBody>
+          <a:bodyPr/>
+          <a:lstStyle/>
+          <a:p>
+            <a:r>
+              <a:rPr lang="zh-CN" altLang="en-US" dirty="0" smtClean="0"/>
+              <a:t>软件项目的特点</a:t>
+            </a:r>
+            <a:endParaRPr lang="zh-CN" altLang="en-US" dirty="0"/>
+          </a:p>
+        </p:txBody>
+      </p:sp>
+      <p:sp>
+        <p:nvSpPr>
+          <p:cNvPr id="3" name="内容占位符 2"/>
+          <p:cNvSpPr>
+            <a:spLocks noGrp="1"/>
+          </p:cNvSpPr>
+          <p:nvPr>
+            <p:ph idx="1"/>
+          </p:nvPr>
+        </p:nvSpPr>
+        <p:spPr/>
+        <p:txBody>
+          <a:bodyPr>
+            <a:normAutofit fontScale="62500" lnSpcReduction="20000"/>
+          </a:bodyPr>
+          <a:lstStyle/>
+          <a:p>
+            <a:r>
+              <a:rPr lang="zh-CN" altLang="en-US" dirty="0"/>
+              <a:t>目标不明确</a:t>
+            </a:r>
+            <a:r>
+              <a:rPr lang="zh-CN" altLang="en-US" dirty="0" smtClean="0"/>
+              <a:t>。</a:t>
+            </a:r>
+            <a:endParaRPr lang="en-US" altLang="zh-CN" dirty="0" smtClean="0"/>
+          </a:p>
+          <a:p>
+            <a:pPr lvl="1"/>
+            <a:r>
+              <a:rPr lang="zh-CN" altLang="en-US" dirty="0" smtClean="0"/>
+              <a:t>客</a:t>
+            </a:r>
+            <a:r>
+              <a:rPr lang="zh-CN" altLang="en-US" dirty="0"/>
+              <a:t>户早期是一些初步的功能要求，没有明确的想法，提不出确切的需求。</a:t>
+            </a:r>
+            <a:r>
+              <a:rPr lang="zh-CN" altLang="en-US" b="1" dirty="0">
+                <a:solidFill>
+                  <a:schemeClr val="tx1"/>
+                </a:solidFill>
+              </a:rPr>
+              <a:t>项目的范围很大程度上取决于项目组所做的需求分析和系统规划</a:t>
+            </a:r>
+            <a:r>
+              <a:rPr lang="zh-CN" altLang="en-US" b="1" dirty="0">
+                <a:solidFill>
+                  <a:srgbClr val="FF0000"/>
+                </a:solidFill>
+              </a:rPr>
+              <a:t>。</a:t>
+            </a:r>
+            <a:endParaRPr lang="en-US" altLang="zh-CN" b="1" dirty="0">
+              <a:solidFill>
+                <a:srgbClr val="FF0000"/>
+              </a:solidFill>
+            </a:endParaRPr>
+          </a:p>
+          <a:p>
+            <a:r>
+              <a:rPr lang="zh-CN" altLang="en-US" dirty="0"/>
+              <a:t>需求变化频繁</a:t>
+            </a:r>
+            <a:r>
+              <a:rPr lang="zh-CN" altLang="en-US" dirty="0" smtClean="0"/>
+              <a:t>。</a:t>
+            </a:r>
+            <a:endParaRPr lang="en-US" altLang="zh-CN" dirty="0" smtClean="0"/>
+          </a:p>
+          <a:p>
+            <a:pPr lvl="1"/>
+            <a:r>
+              <a:rPr lang="zh-CN" altLang="en-US" dirty="0" smtClean="0"/>
+              <a:t>随</a:t>
+            </a:r>
+            <a:r>
+              <a:rPr lang="zh-CN" altLang="en-US" dirty="0"/>
+              <a:t>着系统分析、系统设计和系统实施的进展，客户需求被不断激发，导致程序、界面及相关文档需求需要经常修改。修改又会带来新问题。</a:t>
+            </a:r>
+            <a:endParaRPr lang="en-US" altLang="zh-CN" dirty="0"/>
+          </a:p>
+          <a:p>
+            <a:r>
+              <a:rPr lang="zh-CN" altLang="en-US" dirty="0"/>
+              <a:t>智力密集型</a:t>
+            </a:r>
+            <a:r>
+              <a:rPr lang="zh-CN" altLang="en-US" dirty="0" smtClean="0"/>
+              <a:t>。</a:t>
+            </a:r>
+            <a:endParaRPr lang="en-US" altLang="zh-CN" dirty="0" smtClean="0"/>
+          </a:p>
+          <a:p>
+            <a:pPr lvl="1"/>
+            <a:r>
+              <a:rPr lang="en-US" altLang="zh-CN" dirty="0" smtClean="0"/>
+              <a:t>IT</a:t>
+            </a:r>
+            <a:r>
+              <a:rPr lang="zh-CN" altLang="en-US" dirty="0"/>
+              <a:t>项目是智</a:t>
+            </a:r>
+            <a:r>
+              <a:rPr lang="zh-CN" altLang="en-US" dirty="0" smtClean="0"/>
+              <a:t>力密</a:t>
+            </a:r>
+            <a:r>
+              <a:rPr lang="zh-CN" altLang="en-US" dirty="0"/>
+              <a:t>集型、劳动密集型项目</a:t>
+            </a:r>
+            <a:r>
+              <a:rPr lang="zh-CN" altLang="en-US" dirty="0" smtClean="0"/>
+              <a:t>，受</a:t>
+            </a:r>
+            <a:r>
+              <a:rPr lang="zh-CN" altLang="en-US" dirty="0"/>
+              <a:t>人力资源影响最大，项</a:t>
+            </a:r>
+            <a:r>
+              <a:rPr lang="zh-CN" altLang="en-US" dirty="0" smtClean="0"/>
+              <a:t>目成</a:t>
+            </a:r>
+            <a:r>
+              <a:rPr lang="zh-CN" altLang="en-US" dirty="0"/>
+              <a:t>员的结构、责任心、能</a:t>
+            </a:r>
+            <a:r>
+              <a:rPr lang="zh-CN" altLang="en-US" dirty="0" smtClean="0"/>
+              <a:t>力和</a:t>
+            </a:r>
+            <a:r>
+              <a:rPr lang="zh-CN" altLang="en-US" dirty="0"/>
+              <a:t>稳定性对项目的质量以</a:t>
+            </a:r>
+            <a:r>
+              <a:rPr lang="zh-CN" altLang="en-US" dirty="0" smtClean="0"/>
+              <a:t>及是</a:t>
+            </a:r>
+            <a:r>
+              <a:rPr lang="zh-CN" altLang="en-US" dirty="0"/>
+              <a:t>否成功有决定性影响</a:t>
+            </a:r>
+            <a:r>
+              <a:rPr lang="zh-CN" altLang="en-US" dirty="0" smtClean="0"/>
+              <a:t>。</a:t>
+            </a:r>
+            <a:endParaRPr lang="en-US" altLang="zh-CN" dirty="0" smtClean="0"/>
+          </a:p>
+          <a:p>
+            <a:r>
+              <a:rPr lang="zh-CN" altLang="en-US" dirty="0"/>
+              <a:t>只见工作不见远景</a:t>
+            </a:r>
+          </a:p>
+          <a:p>
+            <a:endParaRPr lang="zh-CN" altLang="en-US" dirty="0"/>
+          </a:p>
+        </p:txBody>
+      </p:sp>
+    </p:spTree>
+    <p:extLst>
+      <p:ext uri="{BB962C8B-B14F-4D97-AF65-F5344CB8AC3E}">
+        <p14:creationId xmlns:p14="http://schemas.microsoft.com/office/powerpoint/2010/main" val="3328839266"/>
+      </p:ext>
+    </p:extLst>
+  </p:cSld>
+  <p:clrMapOvr>
+    <a:masterClrMapping/>
+  </p:clrMapOvr>
+  <p:timing>
+    <p:tnLst>
+      <p:par>
+        <p:cTn id="1" dur="indefinite" restart="never" nodeType="tmRoot"/>
+      </p:par>
+    </p:tnLst>
+  </p:timing>
+</p:sld>
+</file>
+
+<file path=ppt/slides/slide15.xml><?xml version="1.0" encoding="utf-8"?>
+<p:sld xmlns:a="http://schemas.openxmlformats.org/drawingml/2006/main" xmlns:r="http://schemas.openxmlformats.org/officeDocument/2006/relationships" xmlns:p="http://schemas.openxmlformats.org/presentationml/2006/main">
+  <p:cSld>
+    <p:spTree>
+      <p:nvGrpSpPr>
+        <p:cNvPr id="1" name=""/>
+        <p:cNvGrpSpPr/>
+        <p:nvPr/>
+      </p:nvGrpSpPr>
+      <p:grpSpPr>
+        <a:xfrm>
+          <a:off x="0" y="0"/>
+          <a:ext cx="0" cy="0"/>
+          <a:chOff x="0" y="0"/>
+          <a:chExt cx="0" cy="0"/>
+        </a:xfrm>
+      </p:grpSpPr>
+      <p:sp>
+        <p:nvSpPr>
+          <p:cNvPr id="2" name="标题 1"/>
+          <p:cNvSpPr>
+            <a:spLocks noGrp="1"/>
+          </p:cNvSpPr>
+          <p:nvPr>
+            <p:ph type="title"/>
+          </p:nvPr>
+        </p:nvSpPr>
+        <p:spPr/>
+        <p:txBody>
+          <a:bodyPr/>
+          <a:lstStyle/>
+          <a:p>
+            <a:r>
+              <a:rPr lang="zh-CN" altLang="en-US" dirty="0" smtClean="0"/>
+              <a:t>项目管理指南简介</a:t>
+            </a:r>
+            <a:endParaRPr lang="zh-CN" altLang="en-US" dirty="0"/>
+          </a:p>
+        </p:txBody>
+      </p:sp>
+      <p:sp>
+        <p:nvSpPr>
+          <p:cNvPr id="3" name="内容占位符 2"/>
+          <p:cNvSpPr>
+            <a:spLocks noGrp="1"/>
+          </p:cNvSpPr>
+          <p:nvPr>
+            <p:ph idx="1"/>
+          </p:nvPr>
+        </p:nvSpPr>
+        <p:spPr/>
+        <p:txBody>
+          <a:bodyPr>
+            <a:normAutofit fontScale="62500" lnSpcReduction="20000"/>
+          </a:bodyPr>
+          <a:lstStyle/>
+          <a:p>
+            <a:r>
+              <a:rPr lang="zh-CN" altLang="en-US" dirty="0" smtClean="0"/>
+              <a:t>基于业界理论与公司实践</a:t>
+            </a:r>
+            <a:endParaRPr lang="en-US" altLang="zh-CN" dirty="0" smtClean="0"/>
+          </a:p>
+          <a:p>
+            <a:r>
+              <a:rPr lang="zh-CN" altLang="en-US" dirty="0" smtClean="0"/>
+              <a:t>特征</a:t>
+            </a:r>
+            <a:endParaRPr lang="en-US" altLang="zh-CN" dirty="0" smtClean="0"/>
+          </a:p>
+          <a:p>
+            <a:pPr lvl="1"/>
+            <a:r>
+              <a:rPr lang="zh-CN" altLang="en-US" dirty="0" smtClean="0"/>
+              <a:t>注重实效</a:t>
+            </a:r>
+            <a:endParaRPr lang="en-US" altLang="zh-CN" dirty="0" smtClean="0"/>
+          </a:p>
+          <a:p>
+            <a:pPr lvl="1"/>
+            <a:r>
+              <a:rPr lang="zh-CN" altLang="en-US" dirty="0"/>
+              <a:t>交付</a:t>
+            </a:r>
+            <a:r>
+              <a:rPr lang="zh-CN" altLang="en-US" dirty="0" smtClean="0"/>
+              <a:t>加</a:t>
+            </a:r>
+            <a:r>
+              <a:rPr lang="zh-CN" altLang="en-US" dirty="0"/>
+              <a:t>值</a:t>
+            </a:r>
+            <a:endParaRPr lang="en-US" altLang="zh-CN" dirty="0" smtClean="0"/>
+          </a:p>
+          <a:p>
+            <a:pPr lvl="1"/>
+            <a:r>
+              <a:rPr lang="zh-CN" altLang="en-US" dirty="0" smtClean="0"/>
+              <a:t>不</a:t>
+            </a:r>
+            <a:r>
+              <a:rPr lang="zh-CN" altLang="en-US" dirty="0"/>
+              <a:t>断演</a:t>
+            </a:r>
+            <a:r>
+              <a:rPr lang="zh-CN" altLang="en-US" dirty="0" smtClean="0"/>
+              <a:t>进</a:t>
+            </a:r>
+            <a:endParaRPr lang="en-US" altLang="zh-CN" dirty="0" smtClean="0"/>
+          </a:p>
+          <a:p>
+            <a:r>
+              <a:rPr lang="zh-CN" altLang="en-US" dirty="0"/>
+              <a:t>内</a:t>
+            </a:r>
+            <a:r>
+              <a:rPr lang="zh-CN" altLang="en-US" dirty="0" smtClean="0"/>
+              <a:t>容</a:t>
+            </a:r>
+            <a:endParaRPr lang="en-US" altLang="zh-CN" dirty="0" smtClean="0"/>
+          </a:p>
+          <a:p>
+            <a:pPr lvl="1"/>
+            <a:r>
+              <a:rPr lang="zh-CN" altLang="en-US" dirty="0" smtClean="0"/>
+              <a:t>基本原则</a:t>
+            </a:r>
+            <a:endParaRPr lang="en-US" altLang="zh-CN" dirty="0" smtClean="0"/>
+          </a:p>
+          <a:p>
+            <a:pPr lvl="1"/>
+            <a:r>
+              <a:rPr lang="zh-CN" altLang="en-US" dirty="0" smtClean="0"/>
+              <a:t>过程模型</a:t>
+            </a:r>
+            <a:r>
+              <a:rPr lang="en-US" altLang="zh-CN" dirty="0" smtClean="0"/>
+              <a:t>&amp;</a:t>
+            </a:r>
+            <a:r>
+              <a:rPr lang="zh-CN" altLang="en-US" dirty="0" smtClean="0"/>
+              <a:t>组</a:t>
+            </a:r>
+            <a:r>
+              <a:rPr lang="zh-CN" altLang="en-US" dirty="0"/>
+              <a:t>队模</a:t>
+            </a:r>
+            <a:r>
+              <a:rPr lang="zh-CN" altLang="en-US" dirty="0" smtClean="0"/>
+              <a:t>型</a:t>
+            </a:r>
+            <a:endParaRPr lang="en-US" altLang="zh-CN" dirty="0" smtClean="0"/>
+          </a:p>
+          <a:p>
+            <a:pPr lvl="1"/>
+            <a:r>
+              <a:rPr lang="zh-CN" altLang="en-US" dirty="0"/>
+              <a:t>最佳实</a:t>
+            </a:r>
+            <a:r>
+              <a:rPr lang="zh-CN" altLang="en-US" dirty="0" smtClean="0"/>
+              <a:t>践</a:t>
+            </a:r>
+            <a:endParaRPr lang="en-US" altLang="zh-CN" dirty="0" smtClean="0"/>
+          </a:p>
+          <a:p>
+            <a:pPr lvl="1"/>
+            <a:r>
+              <a:rPr lang="zh-CN" altLang="en-US" dirty="0"/>
+              <a:t>标准模</a:t>
+            </a:r>
+            <a:r>
+              <a:rPr lang="zh-CN" altLang="en-US" dirty="0" smtClean="0"/>
+              <a:t>板</a:t>
+            </a:r>
+            <a:endParaRPr lang="en-US" altLang="zh-CN" dirty="0" smtClean="0"/>
+          </a:p>
+          <a:p>
+            <a:pPr lvl="1"/>
+            <a:r>
+              <a:rPr lang="zh-CN" altLang="en-US" dirty="0"/>
+              <a:t>技术参考</a:t>
+            </a:r>
+          </a:p>
+        </p:txBody>
+      </p:sp>
+    </p:spTree>
+    <p:extLst>
+      <p:ext uri="{BB962C8B-B14F-4D97-AF65-F5344CB8AC3E}">
+        <p14:creationId xmlns:p14="http://schemas.microsoft.com/office/powerpoint/2010/main" val="2577096736"/>
+      </p:ext>
+    </p:extLst>
+  </p:cSld>
+  <p:clrMapOvr>
+    <a:masterClrMapping/>
+  </p:clrMapOvr>
+  <p:timing>
+    <p:tnLst>
+      <p:par>
+        <p:cTn id="1" dur="indefinite" restart="never" nodeType="tmRoot"/>
+      </p:par>
+    </p:tnLst>
+  </p:timing>
+</p:sld>
+</file>
+
+<file path=ppt/slides/slide16.xml><?xml version="1.0" encoding="utf-8"?>
+<p:sld xmlns:a="http://schemas.openxmlformats.org/drawingml/2006/main" xmlns:r="http://schemas.openxmlformats.org/officeDocument/2006/relationships" xmlns:p="http://schemas.openxmlformats.org/presentationml/2006/main">
+  <p:cSld>
+    <p:spTree>
+      <p:nvGrpSpPr>
+        <p:cNvPr id="1" name=""/>
+        <p:cNvGrpSpPr/>
+        <p:nvPr/>
+      </p:nvGrpSpPr>
+      <p:grpSpPr>
+        <a:xfrm>
+          <a:off x="0" y="0"/>
+          <a:ext cx="0" cy="0"/>
+          <a:chOff x="0" y="0"/>
+          <a:chExt cx="0" cy="0"/>
+        </a:xfrm>
+      </p:grpSpPr>
+      <p:sp>
+        <p:nvSpPr>
+          <p:cNvPr id="2" name="标题 1"/>
+          <p:cNvSpPr>
+            <a:spLocks noGrp="1"/>
+          </p:cNvSpPr>
+          <p:nvPr>
+            <p:ph type="title"/>
+          </p:nvPr>
+        </p:nvSpPr>
+        <p:spPr/>
+        <p:txBody>
+          <a:bodyPr/>
+          <a:lstStyle/>
+          <a:p>
+            <a:r>
+              <a:rPr lang="zh-CN" altLang="en-US" dirty="0" smtClean="0"/>
+              <a:t>基本原则</a:t>
+            </a:r>
+            <a:endParaRPr lang="zh-CN" altLang="en-US" dirty="0"/>
+          </a:p>
+        </p:txBody>
+      </p:sp>
+      <p:graphicFrame>
+        <p:nvGraphicFramePr>
+          <p:cNvPr id="7" name="内容占位符 6"/>
+          <p:cNvGraphicFramePr>
+            <a:graphicFrameLocks noGrp="1"/>
+          </p:cNvGraphicFramePr>
+          <p:nvPr>
+            <p:ph sz="half" idx="1"/>
+            <p:extLst>
+              <p:ext uri="{D42A27DB-BD31-4B8C-83A1-F6EECF244321}">
+                <p14:modId xmlns:p14="http://schemas.microsoft.com/office/powerpoint/2010/main" val="1553463971"/>
+              </p:ext>
+            </p:extLst>
+          </p:nvPr>
+        </p:nvGraphicFramePr>
+        <p:xfrm>
+          <a:off x="457200" y="1600200"/>
+          <a:ext cx="8075613" cy="4525963"/>
+        </p:xfrm>
+        <a:graphic>
+          <a:graphicData uri="http://schemas.openxmlformats.org/drawingml/2006/diagram">
+            <dgm:relIds xmlns:dgm="http://schemas.openxmlformats.org/drawingml/2006/diagram" xmlns:r="http://schemas.openxmlformats.org/officeDocument/2006/relationships" r:dm="rId2" r:lo="rId3" r:qs="rId4" r:cs="rId5"/>
+          </a:graphicData>
+        </a:graphic>
+      </p:graphicFrame>
+    </p:spTree>
+    <p:extLst>
+      <p:ext uri="{BB962C8B-B14F-4D97-AF65-F5344CB8AC3E}">
+        <p14:creationId xmlns:p14="http://schemas.microsoft.com/office/powerpoint/2010/main" val="3912508417"/>
+      </p:ext>
+    </p:extLst>
+  </p:cSld>
+  <p:clrMapOvr>
+    <a:masterClrMapping/>
+  </p:clrMapOvr>
+  <p:timing>
+    <p:tnLst>
+      <p:par>
+        <p:cTn id="1" dur="indefinite" restart="never" nodeType="tmRoot"/>
+      </p:par>
+    </p:tnLst>
+  </p:timing>
+</p:sld>
+</file>
+
+<file path=ppt/slides/slide2.xml><?xml version="1.0" encoding="utf-8"?>
+<p:sld xmlns:a="http://schemas.openxmlformats.org/drawingml/2006/main" xmlns:r="http://schemas.openxmlformats.org/officeDocument/2006/relationships" xmlns:p="http://schemas.openxmlformats.org/presentationml/2006/main">
+  <p:cSld>
+    <p:spTree>
+      <p:nvGrpSpPr>
+        <p:cNvPr id="1" name=""/>
+        <p:cNvGrpSpPr/>
+        <p:nvPr/>
+      </p:nvGrpSpPr>
+      <p:grpSpPr>
+        <a:xfrm>
+          <a:off x="0" y="0"/>
+          <a:ext cx="0" cy="0"/>
+          <a:chOff x="0" y="0"/>
+          <a:chExt cx="0" cy="0"/>
+        </a:xfrm>
+      </p:grpSpPr>
+      <p:sp>
+        <p:nvSpPr>
+          <p:cNvPr id="2" name="标题 1"/>
+          <p:cNvSpPr>
+            <a:spLocks noGrp="1"/>
+          </p:cNvSpPr>
+          <p:nvPr>
+            <p:ph type="title"/>
+          </p:nvPr>
+        </p:nvSpPr>
+        <p:spPr/>
+        <p:txBody>
+          <a:bodyPr/>
+          <a:lstStyle/>
+          <a:p>
+            <a:r>
+              <a:rPr lang="zh-CN" altLang="en-US" dirty="0"/>
+              <a:t>目录</a:t>
+            </a:r>
+          </a:p>
+        </p:txBody>
+      </p:sp>
+      <p:sp>
+        <p:nvSpPr>
+          <p:cNvPr id="3" name="内容占位符 2"/>
+          <p:cNvSpPr>
+            <a:spLocks noGrp="1"/>
+          </p:cNvSpPr>
+          <p:nvPr>
+            <p:ph idx="1"/>
+          </p:nvPr>
+        </p:nvSpPr>
+        <p:spPr/>
+        <p:txBody>
+          <a:bodyPr>
+            <a:normAutofit lnSpcReduction="10000"/>
+          </a:bodyPr>
+          <a:lstStyle/>
+          <a:p>
+            <a:r>
+              <a:rPr lang="zh-CN" altLang="en-US" dirty="0" smtClean="0"/>
+              <a:t>培</a:t>
+            </a:r>
+            <a:r>
+              <a:rPr lang="zh-CN" altLang="en-US" dirty="0" smtClean="0"/>
+              <a:t>训</a:t>
+            </a:r>
+            <a:r>
+              <a:rPr lang="zh-CN" altLang="en-US" dirty="0"/>
+              <a:t>体</a:t>
+            </a:r>
+            <a:r>
+              <a:rPr lang="zh-CN" altLang="en-US" dirty="0" smtClean="0"/>
+              <a:t>系</a:t>
+            </a:r>
+            <a:r>
+              <a:rPr lang="zh-CN" altLang="en-US" dirty="0" smtClean="0"/>
+              <a:t>介绍</a:t>
+            </a:r>
+            <a:endParaRPr lang="en-US" altLang="zh-CN" dirty="0" smtClean="0"/>
+          </a:p>
+          <a:p>
+            <a:r>
+              <a:rPr lang="zh-CN" altLang="en-US" dirty="0" smtClean="0"/>
+              <a:t>引言</a:t>
+            </a:r>
+            <a:endParaRPr lang="en-US" altLang="zh-CN" dirty="0"/>
+          </a:p>
+          <a:p>
+            <a:r>
+              <a:rPr lang="zh-CN" altLang="en-US" dirty="0" smtClean="0"/>
+              <a:t>规划项目</a:t>
+            </a:r>
+            <a:endParaRPr lang="en-US" altLang="zh-CN" dirty="0" smtClean="0"/>
+          </a:p>
+          <a:p>
+            <a:r>
+              <a:rPr lang="zh-CN" altLang="en-US" dirty="0" smtClean="0"/>
+              <a:t>组</a:t>
+            </a:r>
+            <a:r>
+              <a:rPr lang="zh-CN" altLang="en-US" dirty="0" smtClean="0"/>
+              <a:t>队模型</a:t>
+            </a:r>
+            <a:endParaRPr lang="en-US" altLang="zh-CN" dirty="0" smtClean="0"/>
+          </a:p>
+          <a:p>
+            <a:r>
+              <a:rPr lang="zh-CN" altLang="en-US" dirty="0" smtClean="0"/>
+              <a:t>过程模</a:t>
+            </a:r>
+            <a:r>
+              <a:rPr lang="zh-CN" altLang="en-US" dirty="0" smtClean="0"/>
+              <a:t>型</a:t>
+            </a:r>
+            <a:endParaRPr lang="en-US" altLang="zh-CN" dirty="0" smtClean="0"/>
+          </a:p>
+          <a:p>
+            <a:r>
+              <a:rPr lang="zh-CN" altLang="en-US" dirty="0" smtClean="0"/>
+              <a:t>最佳实践</a:t>
+            </a:r>
+            <a:endParaRPr lang="zh-CN" altLang="en-US" dirty="0"/>
+          </a:p>
+        </p:txBody>
+      </p:sp>
+    </p:spTree>
+    <p:extLst>
+      <p:ext uri="{BB962C8B-B14F-4D97-AF65-F5344CB8AC3E}">
+        <p14:creationId xmlns:p14="http://schemas.microsoft.com/office/powerpoint/2010/main" val="1323366643"/>
+      </p:ext>
+    </p:extLst>
+  </p:cSld>
+  <p:clrMapOvr>
+    <a:masterClrMapping/>
+  </p:clrMapOvr>
+  <p:timing>
+    <p:tnLst>
+      <p:par>
+        <p:cTn id="1" dur="indefinite" restart="never" nodeType="tmRoot">
+          <p:childTnLst>
+            <p:seq concurrent="1" nextAc="seek">
+              <p:cTn id="2" dur="indefinite" nodeType="mainSeq">
+                <p:childTnLst>
+                  <p:par>
+                    <p:cTn id="3" fill="hold">
+                      <p:stCondLst>
+                        <p:cond delay="indefinite"/>
+                      </p:stCondLst>
+                      <p:childTnLst>
+                        <p:par>
+                          <p:cTn id="4" fill="hold">
+                            <p:stCondLst>
+                              <p:cond delay="0"/>
+                            </p:stCondLst>
+                            <p:childTnLst>
+                              <p:par>
+                                <p:cTn id="5" presetID="34" presetClass="emph" presetSubtype="0" fill="hold" nodeType="clickEffect">
+                                  <p:stCondLst>
+                                    <p:cond delay="0"/>
+                                  </p:stCondLst>
+                                  <p:iterate type="lt">
+                                    <p:tmPct val="10000"/>
+                                  </p:iterate>
+                                  <p:childTnLst>
+                                    <p:animMotion origin="layout" path="M 0.0 0.0 L 0.0 -0.07213" pathEditMode="relative" ptsTypes="">
+                                      <p:cBhvr>
+                                        <p:cTn id="6" dur="250" accel="50000" decel="50000" autoRev="1" fill="hold">
+                                          <p:stCondLst>
+                                            <p:cond delay="0"/>
+                                          </p:stCondLst>
+                                        </p:cTn>
+                                        <p:tgtEl>
+                                          <p:spTgt spid="3">
+                                            <p:txEl>
+                                              <p:pRg st="0" end="0"/>
+                                            </p:txEl>
+                                          </p:spTgt>
+                                        </p:tgtEl>
+                                        <p:attrNameLst>
+                                          <p:attrName>ppt_x</p:attrName>
+                                          <p:attrName>ppt_y</p:attrName>
+                                        </p:attrNameLst>
+                                      </p:cBhvr>
+                                    </p:animMotion>
+                                    <p:animRot by="1500000">
+                                      <p:cBhvr>
+                                        <p:cTn id="7" dur="125" fill="hold">
+                                          <p:stCondLst>
+                                            <p:cond delay="0"/>
+                                          </p:stCondLst>
+                                        </p:cTn>
+                                        <p:tgtEl>
+                                          <p:spTgt spid="3">
+                                            <p:txEl>
+                                              <p:pRg st="0" end="0"/>
+                                            </p:txEl>
+                                          </p:spTgt>
+                                        </p:tgtEl>
+                                        <p:attrNameLst>
+                                          <p:attrName>r</p:attrName>
+                                        </p:attrNameLst>
+                                      </p:cBhvr>
+                                    </p:animRot>
+                                    <p:animRot by="-1500000">
+                                      <p:cBhvr>
+                                        <p:cTn id="8" dur="125" fill="hold">
+                                          <p:stCondLst>
+                                            <p:cond delay="125"/>
+                                          </p:stCondLst>
+                                        </p:cTn>
+                                        <p:tgtEl>
+                                          <p:spTgt spid="3">
+                                            <p:txEl>
+                                              <p:pRg st="0" end="0"/>
+                                            </p:txEl>
+                                          </p:spTgt>
+                                        </p:tgtEl>
+                                        <p:attrNameLst>
+                                          <p:attrName>r</p:attrName>
+                                        </p:attrNameLst>
+                                      </p:cBhvr>
+                                    </p:animRot>
+                                    <p:animRot by="-1500000">
+                                      <p:cBhvr>
+                                        <p:cTn id="9" dur="125" fill="hold">
+                                          <p:stCondLst>
+                                            <p:cond delay="250"/>
+                                          </p:stCondLst>
+                                        </p:cTn>
+                                        <p:tgtEl>
+                                          <p:spTgt spid="3">
+                                            <p:txEl>
+                                              <p:pRg st="0" end="0"/>
+                                            </p:txEl>
+                                          </p:spTgt>
+                                        </p:tgtEl>
+                                        <p:attrNameLst>
+                                          <p:attrName>r</p:attrName>
+                                        </p:attrNameLst>
+                                      </p:cBhvr>
+                                    </p:animRot>
+                                    <p:animRot by="1500000">
+                                      <p:cBhvr>
+                                        <p:cTn id="10" dur="125" fill="hold">
+                                          <p:stCondLst>
+                                            <p:cond delay="375"/>
+                                          </p:stCondLst>
+                                        </p:cTn>
+                                        <p:tgtEl>
+                                          <p:spTgt spid="3">
+                                            <p:txEl>
+                                              <p:pRg st="0" end="0"/>
+                                            </p:txEl>
+                                          </p:spTgt>
+                                        </p:tgtEl>
+                                        <p:attrNameLst>
+                                          <p:attrName>r</p:attrName>
+                                        </p:attrNameLst>
+                                      </p:cBhvr>
+                                    </p:animRot>
+                                  </p:childTnLst>
+                                </p:cTn>
+                              </p:par>
+                            </p:childTnLst>
+                          </p:cTn>
+                        </p:par>
+                      </p:childTnLst>
+                    </p:cTn>
+                  </p:par>
+                </p:childTnLst>
+              </p:cTn>
+              <p:prevCondLst>
+                <p:cond evt="onPrev" delay="0">
+                  <p:tgtEl>
+                    <p:sldTgt/>
+                  </p:tgtEl>
+                </p:cond>
+              </p:prevCondLst>
+              <p:nextCondLst>
+                <p:cond evt="onNext" delay="0">
+                  <p:tgtEl>
+                    <p:sldTgt/>
+                  </p:tgtEl>
+                </p:cond>
+              </p:nextCondLst>
+            </p:seq>
+          </p:childTnLst>
+        </p:cTn>
+      </p:par>
+    </p:tnLst>
+  </p:timing>
+</p:sld>
+</file>
+
+<file path=ppt/slides/slide3.xml><?xml version="1.0" encoding="utf-8"?>
+<p:sld xmlns:a="http://schemas.openxmlformats.org/drawingml/2006/main" xmlns:r="http://schemas.openxmlformats.org/officeDocument/2006/relationships" xmlns:p="http://schemas.openxmlformats.org/presentationml/2006/main">
+  <p:cSld>
+    <p:spTree>
+      <p:nvGrpSpPr>
+        <p:cNvPr id="1" name=""/>
+        <p:cNvGrpSpPr/>
+        <p:nvPr/>
+      </p:nvGrpSpPr>
+      <p:grpSpPr>
+        <a:xfrm>
+          <a:off x="0" y="0"/>
+          <a:ext cx="0" cy="0"/>
+          <a:chOff x="0" y="0"/>
+          <a:chExt cx="0" cy="0"/>
+        </a:xfrm>
+      </p:grpSpPr>
+      <p:sp>
+        <p:nvSpPr>
+          <p:cNvPr id="2" name="标题 1"/>
+          <p:cNvSpPr>
+            <a:spLocks noGrp="1"/>
+          </p:cNvSpPr>
+          <p:nvPr>
+            <p:ph type="title"/>
+          </p:nvPr>
+        </p:nvSpPr>
+        <p:spPr/>
+        <p:txBody>
+          <a:bodyPr/>
+          <a:lstStyle/>
+          <a:p>
+            <a:r>
+              <a:rPr lang="zh-CN" altLang="en-US" dirty="0" smtClean="0"/>
+              <a:t>培训系列介绍</a:t>
+            </a:r>
+            <a:endParaRPr lang="zh-CN" altLang="en-US" dirty="0"/>
+          </a:p>
+        </p:txBody>
+      </p:sp>
+      <p:sp>
+        <p:nvSpPr>
+          <p:cNvPr id="3" name="内容占位符 2"/>
+          <p:cNvSpPr>
+            <a:spLocks noGrp="1"/>
+          </p:cNvSpPr>
+          <p:nvPr>
+            <p:ph idx="1"/>
+          </p:nvPr>
+        </p:nvSpPr>
+        <p:spPr/>
+        <p:txBody>
+          <a:bodyPr>
+            <a:normAutofit fontScale="55000" lnSpcReduction="20000"/>
+          </a:bodyPr>
+          <a:lstStyle/>
+          <a:p>
+            <a:r>
+              <a:rPr lang="zh-CN" altLang="en-US" dirty="0" smtClean="0"/>
+              <a:t>项</a:t>
+            </a:r>
+            <a:r>
+              <a:rPr lang="zh-CN" altLang="en-US" dirty="0"/>
+              <a:t>目管理规</a:t>
+            </a:r>
+            <a:r>
+              <a:rPr lang="zh-CN" altLang="en-US" dirty="0" smtClean="0"/>
+              <a:t>范</a:t>
+            </a:r>
+            <a:endParaRPr lang="en-US" altLang="zh-CN" dirty="0" smtClean="0"/>
+          </a:p>
+          <a:p>
+            <a:pPr lvl="1"/>
+            <a:r>
+              <a:rPr lang="zh-CN" altLang="en-US" dirty="0"/>
+              <a:t>项目管理</a:t>
+            </a:r>
+            <a:r>
+              <a:rPr lang="zh-CN" altLang="en-US" dirty="0" smtClean="0"/>
+              <a:t>、软</a:t>
+            </a:r>
+            <a:r>
+              <a:rPr lang="zh-CN" altLang="en-US" dirty="0"/>
+              <a:t>件过</a:t>
+            </a:r>
+            <a:r>
+              <a:rPr lang="zh-CN" altLang="en-US" dirty="0" smtClean="0"/>
+              <a:t>程</a:t>
+            </a:r>
+            <a:r>
+              <a:rPr lang="en-US" altLang="zh-CN" dirty="0" smtClean="0"/>
+              <a:t>(MSF</a:t>
+            </a:r>
+            <a:r>
+              <a:rPr lang="zh-CN" altLang="en-US" dirty="0" smtClean="0"/>
+              <a:t>、</a:t>
+            </a:r>
+            <a:r>
+              <a:rPr lang="en-US" altLang="zh-CN" dirty="0" smtClean="0"/>
+              <a:t>Scrum)</a:t>
+            </a:r>
+            <a:r>
+              <a:rPr lang="zh-CN" altLang="en-US" dirty="0" smtClean="0"/>
+              <a:t>、最佳实践等</a:t>
+            </a:r>
+            <a:endParaRPr lang="en-US" altLang="zh-CN" dirty="0" smtClean="0"/>
+          </a:p>
+          <a:p>
+            <a:r>
+              <a:rPr lang="zh-CN" altLang="en-US" dirty="0" smtClean="0"/>
+              <a:t>项目管理基础环境介绍</a:t>
+            </a:r>
+            <a:endParaRPr lang="en-US" altLang="zh-CN" dirty="0" smtClean="0"/>
+          </a:p>
+          <a:p>
+            <a:pPr lvl="1"/>
+            <a:r>
+              <a:rPr lang="en-US" altLang="zh-CN" dirty="0" err="1" smtClean="0"/>
+              <a:t>Redmine</a:t>
+            </a:r>
+            <a:r>
+              <a:rPr lang="zh-CN" altLang="en-US" dirty="0" smtClean="0"/>
+              <a:t>、</a:t>
+            </a:r>
+            <a:r>
+              <a:rPr lang="en-US" altLang="zh-CN" dirty="0" err="1" smtClean="0"/>
+              <a:t>git</a:t>
+            </a:r>
+            <a:endParaRPr lang="en-US" altLang="zh-CN" dirty="0" smtClean="0"/>
+          </a:p>
+          <a:p>
+            <a:r>
+              <a:rPr lang="zh-CN" altLang="en-US" dirty="0" smtClean="0"/>
+              <a:t>技术培训</a:t>
+            </a:r>
+            <a:endParaRPr lang="en-US" altLang="zh-CN" dirty="0" smtClean="0"/>
+          </a:p>
+          <a:p>
+            <a:pPr lvl="2"/>
+            <a:r>
+              <a:rPr lang="en-US" altLang="zh-CN" dirty="0" err="1" smtClean="0"/>
+              <a:t>IBatis</a:t>
+            </a:r>
+            <a:r>
+              <a:rPr lang="zh-CN" altLang="en-US" dirty="0" smtClean="0"/>
+              <a:t>、</a:t>
+            </a:r>
+            <a:r>
+              <a:rPr lang="en-US" altLang="zh-CN" dirty="0"/>
+              <a:t> </a:t>
+            </a:r>
+            <a:r>
+              <a:rPr lang="en-US" altLang="zh-CN" dirty="0" err="1"/>
+              <a:t>jQuery</a:t>
+            </a:r>
+            <a:r>
+              <a:rPr lang="zh-CN" altLang="en-US" dirty="0"/>
+              <a:t>、</a:t>
+            </a:r>
+            <a:r>
+              <a:rPr lang="en-US" altLang="zh-CN" dirty="0" err="1"/>
+              <a:t>xhtml</a:t>
+            </a:r>
+            <a:r>
+              <a:rPr lang="en-US" altLang="zh-CN" dirty="0"/>
+              <a:t>/</a:t>
+            </a:r>
+            <a:r>
+              <a:rPr lang="en-US" altLang="zh-CN" dirty="0" err="1"/>
+              <a:t>css</a:t>
+            </a:r>
+            <a:r>
+              <a:rPr lang="en-US" altLang="zh-CN" dirty="0"/>
+              <a:t> </a:t>
+            </a:r>
+            <a:r>
+              <a:rPr lang="zh-CN" altLang="en-US" dirty="0"/>
+              <a:t>、</a:t>
+            </a:r>
+            <a:r>
+              <a:rPr lang="en-US" altLang="zh-CN" dirty="0"/>
+              <a:t>spring/struts</a:t>
+            </a:r>
+            <a:r>
+              <a:rPr lang="zh-CN" altLang="en-US" dirty="0"/>
+              <a:t>、泛型编</a:t>
+            </a:r>
+            <a:r>
+              <a:rPr lang="zh-CN" altLang="en-US" dirty="0" smtClean="0"/>
+              <a:t>程、</a:t>
+            </a:r>
+            <a:r>
+              <a:rPr lang="en-US" altLang="zh-CN" dirty="0" smtClean="0"/>
+              <a:t>UML</a:t>
+            </a:r>
+            <a:r>
+              <a:rPr lang="zh-CN" altLang="en-US" dirty="0"/>
+              <a:t>、融合面向数据分析的</a:t>
+            </a:r>
+            <a:r>
+              <a:rPr lang="en-US" altLang="zh-CN" dirty="0"/>
+              <a:t>ICONIX</a:t>
+            </a:r>
+            <a:r>
+              <a:rPr lang="zh-CN" altLang="en-US" dirty="0"/>
+              <a:t>扩展版、数据规范化与数据库设</a:t>
+            </a:r>
+            <a:r>
+              <a:rPr lang="zh-CN" altLang="en-US" dirty="0" smtClean="0"/>
+              <a:t>计、自动化单元测试、 </a:t>
+            </a:r>
+            <a:r>
+              <a:rPr lang="en-US" altLang="zh-CN" dirty="0" err="1" smtClean="0"/>
+              <a:t>Kooboo</a:t>
+            </a:r>
+            <a:r>
+              <a:rPr lang="zh-CN" altLang="en-US" dirty="0" smtClean="0"/>
+              <a:t>、交互式设计、设计模式、架构模式、</a:t>
+            </a:r>
+            <a:r>
+              <a:rPr lang="en-US" altLang="zh-CN" dirty="0" err="1" smtClean="0"/>
+              <a:t>Linq</a:t>
+            </a:r>
+            <a:r>
+              <a:rPr lang="en-US" altLang="zh-CN" dirty="0" smtClean="0"/>
+              <a:t>/</a:t>
+            </a:r>
+            <a:r>
+              <a:rPr lang="en-US" altLang="zh-CN" dirty="0" err="1" smtClean="0"/>
+              <a:t>Lamda</a:t>
+            </a:r>
+            <a:r>
+              <a:rPr lang="zh-CN" altLang="en-US" dirty="0" smtClean="0"/>
+              <a:t>、网络编程模式与实践、网络基础等</a:t>
+            </a:r>
+            <a:endParaRPr lang="en-US" altLang="zh-CN" dirty="0" smtClean="0"/>
+          </a:p>
+          <a:p>
+            <a:pPr lvl="2"/>
+            <a:r>
+              <a:rPr lang="en-US" altLang="zh-CN" dirty="0" smtClean="0"/>
+              <a:t>SOA</a:t>
+            </a:r>
+            <a:r>
+              <a:rPr lang="zh-CN" altLang="en-US" dirty="0" smtClean="0"/>
+              <a:t>、</a:t>
+            </a:r>
+            <a:r>
+              <a:rPr lang="en-US" altLang="zh-CN" dirty="0" smtClean="0"/>
+              <a:t>AOP</a:t>
+            </a:r>
+            <a:r>
+              <a:rPr lang="zh-CN" altLang="en-US" dirty="0" smtClean="0"/>
+              <a:t>、</a:t>
+            </a:r>
+            <a:r>
+              <a:rPr lang="en-US" altLang="zh-CN" dirty="0" err="1" smtClean="0"/>
+              <a:t>Saas</a:t>
+            </a:r>
+            <a:r>
+              <a:rPr lang="zh-CN" altLang="en-US" dirty="0" smtClean="0"/>
+              <a:t>、云、</a:t>
+            </a:r>
+            <a:r>
+              <a:rPr lang="en-US" altLang="zh-CN" dirty="0" err="1" smtClean="0"/>
+              <a:t>Ioc</a:t>
+            </a:r>
+            <a:r>
+              <a:rPr lang="zh-CN" altLang="en-US" dirty="0" smtClean="0"/>
+              <a:t>等前沿技术及</a:t>
+            </a:r>
+            <a:r>
+              <a:rPr lang="en-US" altLang="zh-CN" dirty="0" smtClean="0"/>
+              <a:t>Scrum</a:t>
+            </a:r>
+            <a:r>
+              <a:rPr lang="zh-CN" altLang="en-US" dirty="0" smtClean="0"/>
+              <a:t>、</a:t>
+            </a:r>
+            <a:r>
+              <a:rPr lang="en-US" altLang="zh-CN" dirty="0" err="1" smtClean="0"/>
+              <a:t>Xp</a:t>
+            </a:r>
+            <a:r>
+              <a:rPr lang="zh-CN" altLang="en-US" dirty="0" smtClean="0"/>
+              <a:t>、</a:t>
+            </a:r>
+            <a:r>
+              <a:rPr lang="en-US" altLang="zh-CN" dirty="0" err="1" smtClean="0"/>
+              <a:t>Cmm</a:t>
+            </a:r>
+            <a:r>
+              <a:rPr lang="en-US" altLang="zh-CN" dirty="0" smtClean="0"/>
+              <a:t>/</a:t>
+            </a:r>
+            <a:r>
+              <a:rPr lang="en-US" altLang="zh-CN" dirty="0" err="1" smtClean="0"/>
+              <a:t>Cmmi</a:t>
+            </a:r>
+            <a:endParaRPr lang="en-US" altLang="zh-CN" dirty="0" smtClean="0"/>
+          </a:p>
+          <a:p>
+            <a:pPr lvl="2"/>
+            <a:r>
+              <a:rPr lang="zh-CN" altLang="en-US" dirty="0"/>
+              <a:t>编码规</a:t>
+            </a:r>
+            <a:r>
+              <a:rPr lang="zh-CN" altLang="en-US" dirty="0" smtClean="0"/>
+              <a:t>范</a:t>
+            </a:r>
+            <a:endParaRPr lang="en-US" altLang="zh-CN" dirty="0" smtClean="0"/>
+          </a:p>
+          <a:p>
+            <a:r>
+              <a:rPr lang="zh-CN" altLang="en-US" dirty="0"/>
+              <a:t>其他</a:t>
+            </a:r>
+            <a:r>
+              <a:rPr lang="zh-CN" altLang="en-US" dirty="0" smtClean="0"/>
+              <a:t>：</a:t>
+            </a:r>
+            <a:endParaRPr lang="en-US" altLang="zh-CN" dirty="0" smtClean="0"/>
+          </a:p>
+          <a:p>
+            <a:pPr lvl="1"/>
+            <a:r>
+              <a:rPr lang="zh-CN" altLang="en-US" dirty="0"/>
+              <a:t>成功人士的七个习</a:t>
+            </a:r>
+            <a:r>
+              <a:rPr lang="zh-CN" altLang="en-US" dirty="0" smtClean="0"/>
+              <a:t>惯</a:t>
+            </a:r>
+            <a:endParaRPr lang="en-US" altLang="zh-CN" dirty="0" smtClean="0"/>
+          </a:p>
+          <a:p>
+            <a:pPr lvl="1"/>
+            <a:r>
+              <a:rPr lang="zh-CN" altLang="en-US" dirty="0"/>
+              <a:t>读书会</a:t>
+            </a:r>
+          </a:p>
+        </p:txBody>
+      </p:sp>
+    </p:spTree>
+    <p:extLst>
+      <p:ext uri="{BB962C8B-B14F-4D97-AF65-F5344CB8AC3E}">
+        <p14:creationId xmlns:p14="http://schemas.microsoft.com/office/powerpoint/2010/main" val="121289255"/>
+      </p:ext>
+    </p:extLst>
+  </p:cSld>
+  <p:clrMapOvr>
+    <a:masterClrMapping/>
+  </p:clrMapOvr>
+  <p:timing>
+    <p:tnLst>
+      <p:par>
+        <p:cTn id="1" dur="indefinite" restart="never" nodeType="tmRoot">
+          <p:childTnLst>
+            <p:seq concurrent="1" nextAc="seek">
+              <p:cTn id="2" dur="indefinite" nodeType="mainSeq">
+                <p:childTnLst>
+                  <p:par>
+                    <p:cTn id="3" fill="hold">
+                      <p:stCondLst>
+                        <p:cond delay="indefinite"/>
+                      </p:stCondLst>
+                      <p:childTnLst>
+                        <p:par>
+                          <p:cTn id="4" fill="hold">
+                            <p:stCondLst>
+                              <p:cond delay="0"/>
+                            </p:stCondLst>
+                            <p:childTnLst>
+                              <p:par>
+                                <p:cTn id="5" presetID="16" presetClass="emph" presetSubtype="0" fill="hold" nodeType="clickEffect">
+                                  <p:stCondLst>
+                                    <p:cond delay="0"/>
+                                  </p:stCondLst>
+                                  <p:iterate type="lt">
+                                    <p:tmPct val="4000"/>
+                                  </p:iterate>
+                                  <p:childTnLst>
+                                    <p:set>
+                                      <p:cBhvr override="childStyle">
+                                        <p:cTn id="6" dur="500" fill="hold"/>
+                                        <p:tgtEl>
+                                          <p:spTgt spid="3">
+                                            <p:txEl>
+                                              <p:pRg st="0" end="0"/>
+                                            </p:txEl>
+                                          </p:spTgt>
+                                        </p:tgtEl>
+                                        <p:attrNameLst>
+                                          <p:attrName>style.color</p:attrName>
+                                        </p:attrNameLst>
+                                      </p:cBhvr>
+                                      <p:to>
+                                        <p:clrVal>
+                                          <a:schemeClr val="accent2"/>
+                                        </p:clrVal>
+                                      </p:to>
+                                    </p:set>
+                                    <p:set>
+                                      <p:cBhvr>
+                                        <p:cTn id="7" dur="500" fill="hold"/>
+                                        <p:tgtEl>
+                                          <p:spTgt spid="3">
+                                            <p:txEl>
+                                              <p:pRg st="0" end="0"/>
+                                            </p:txEl>
+                                          </p:spTgt>
+                                        </p:tgtEl>
+                                        <p:attrNameLst>
+                                          <p:attrName>fillcolor</p:attrName>
+                                        </p:attrNameLst>
+                                      </p:cBhvr>
+                                      <p:to>
+                                        <p:clrVal>
+                                          <a:schemeClr val="accent2"/>
+                                        </p:clrVal>
+                                      </p:to>
+                                    </p:set>
+                                    <p:set>
+                                      <p:cBhvr>
+                                        <p:cTn id="8" dur="500" fill="hold"/>
+                                        <p:tgtEl>
+                                          <p:spTgt spid="3">
+                                            <p:txEl>
+                                              <p:pRg st="0" end="0"/>
+                                            </p:txEl>
+                                          </p:spTgt>
+                                        </p:tgtEl>
+                                        <p:attrNameLst>
+                                          <p:attrName>fill.type</p:attrName>
+                                        </p:attrNameLst>
+                                      </p:cBhvr>
+                                      <p:to>
+                                        <p:strVal val="solid"/>
+                                      </p:to>
+                                    </p:set>
+                                  </p:childTnLst>
+                                </p:cTn>
+                              </p:par>
+                            </p:childTnLst>
+                          </p:cTn>
+                        </p:par>
+                      </p:childTnLst>
+                    </p:cTn>
+                  </p:par>
+                  <p:par>
+                    <p:cTn id="9" fill="hold">
+                      <p:stCondLst>
+                        <p:cond delay="indefinite"/>
+                      </p:stCondLst>
+                      <p:childTnLst>
+                        <p:par>
+                          <p:cTn id="10" fill="hold">
+                            <p:stCondLst>
+                              <p:cond delay="0"/>
+                            </p:stCondLst>
+                            <p:childTnLst>
+                              <p:par>
+                                <p:cTn id="11" presetID="16" presetClass="emph" presetSubtype="0" fill="hold" nodeType="clickEffect">
+                                  <p:stCondLst>
+                                    <p:cond delay="0"/>
+                                  </p:stCondLst>
+                                  <p:iterate type="lt">
+                                    <p:tmPct val="4000"/>
+                                  </p:iterate>
+                                  <p:childTnLst>
+                                    <p:set>
+                                      <p:cBhvr override="childStyle">
+                                        <p:cTn id="12" dur="500" fill="hold"/>
+                                        <p:tgtEl>
+                                          <p:spTgt spid="3">
+                                            <p:txEl>
+                                              <p:pRg st="1" end="1"/>
+                                            </p:txEl>
+                                          </p:spTgt>
+                                        </p:tgtEl>
+                                        <p:attrNameLst>
+                                          <p:attrName>style.color</p:attrName>
+                                        </p:attrNameLst>
+                                      </p:cBhvr>
+                                      <p:to>
+                                        <p:clrVal>
+                                          <a:schemeClr val="accent2"/>
+                                        </p:clrVal>
+                                      </p:to>
+                                    </p:set>
+                                    <p:set>
+                                      <p:cBhvr>
+                                        <p:cTn id="13" dur="500" fill="hold"/>
+                                        <p:tgtEl>
+                                          <p:spTgt spid="3">
+                                            <p:txEl>
+                                              <p:pRg st="1" end="1"/>
+                                            </p:txEl>
+                                          </p:spTgt>
+                                        </p:tgtEl>
+                                        <p:attrNameLst>
+                                          <p:attrName>fillcolor</p:attrName>
+                                        </p:attrNameLst>
+                                      </p:cBhvr>
+                                      <p:to>
+                                        <p:clrVal>
+                                          <a:schemeClr val="accent2"/>
+                                        </p:clrVal>
+                                      </p:to>
+                                    </p:set>
+                                    <p:set>
+                                      <p:cBhvr>
+                                        <p:cTn id="14" dur="500" fill="hold"/>
+                                        <p:tgtEl>
+                                          <p:spTgt spid="3">
+                                            <p:txEl>
+                                              <p:pRg st="1" end="1"/>
+                                            </p:txEl>
+                                          </p:spTgt>
+                                        </p:tgtEl>
+                                        <p:attrNameLst>
+                                          <p:attrName>fill.type</p:attrName>
+                                        </p:attrNameLst>
+                                      </p:cBhvr>
+                                      <p:to>
+                                        <p:strVal val="solid"/>
+                                      </p:to>
+                                    </p:set>
+                                  </p:childTnLst>
+                                </p:cTn>
+                              </p:par>
+                            </p:childTnLst>
+                          </p:cTn>
+                        </p:par>
+                      </p:childTnLst>
+                    </p:cTn>
+                  </p:par>
+                </p:childTnLst>
+              </p:cTn>
+              <p:prevCondLst>
+                <p:cond evt="onPrev" delay="0">
+                  <p:tgtEl>
+                    <p:sldTgt/>
+                  </p:tgtEl>
+                </p:cond>
+              </p:prevCondLst>
+              <p:nextCondLst>
+                <p:cond evt="onNext" delay="0">
+                  <p:tgtEl>
+                    <p:sldTgt/>
+                  </p:tgtEl>
+                </p:cond>
+              </p:nextCondLst>
+            </p:seq>
+          </p:childTnLst>
+        </p:cTn>
+      </p:par>
+    </p:tnLst>
+  </p:timing>
+</p:sld>
+</file>
+
+<file path=ppt/slides/slide4.xml><?xml version="1.0" encoding="utf-8"?>
+<p:sld xmlns:a="http://schemas.openxmlformats.org/drawingml/2006/main" xmlns:r="http://schemas.openxmlformats.org/officeDocument/2006/relationships" xmlns:p="http://schemas.openxmlformats.org/presentationml/2006/main">
+  <p:cSld>
+    <p:spTree>
+      <p:nvGrpSpPr>
+        <p:cNvPr id="1" name=""/>
+        <p:cNvGrpSpPr/>
+        <p:nvPr/>
+      </p:nvGrpSpPr>
+      <p:grpSpPr>
+        <a:xfrm>
+          <a:off x="0" y="0"/>
+          <a:ext cx="0" cy="0"/>
+          <a:chOff x="0" y="0"/>
+          <a:chExt cx="0" cy="0"/>
+        </a:xfrm>
+      </p:grpSpPr>
+      <p:sp>
+        <p:nvSpPr>
+          <p:cNvPr id="2" name="标题 1"/>
+          <p:cNvSpPr>
+            <a:spLocks noGrp="1"/>
+          </p:cNvSpPr>
+          <p:nvPr>
+            <p:ph type="title"/>
+          </p:nvPr>
+        </p:nvSpPr>
+        <p:spPr/>
+        <p:txBody>
+          <a:bodyPr/>
+          <a:lstStyle/>
+          <a:p>
+            <a:r>
+              <a:rPr lang="zh-CN" altLang="en-US" dirty="0"/>
+              <a:t>目录</a:t>
+            </a:r>
+          </a:p>
+        </p:txBody>
+      </p:sp>
+      <p:sp>
+        <p:nvSpPr>
+          <p:cNvPr id="3" name="内容占位符 2"/>
+          <p:cNvSpPr>
+            <a:spLocks noGrp="1"/>
+          </p:cNvSpPr>
+          <p:nvPr>
+            <p:ph idx="1"/>
+          </p:nvPr>
+        </p:nvSpPr>
+        <p:spPr/>
+        <p:txBody>
+          <a:bodyPr>
+            <a:normAutofit lnSpcReduction="10000"/>
+          </a:bodyPr>
+          <a:lstStyle/>
+          <a:p>
+            <a:r>
+              <a:rPr lang="zh-CN" altLang="en-US" dirty="0" smtClean="0"/>
+              <a:t>培</a:t>
+            </a:r>
+            <a:r>
+              <a:rPr lang="zh-CN" altLang="en-US" dirty="0" smtClean="0"/>
+              <a:t>训</a:t>
+            </a:r>
+            <a:r>
+              <a:rPr lang="zh-CN" altLang="en-US" dirty="0"/>
+              <a:t>体</a:t>
+            </a:r>
+            <a:r>
+              <a:rPr lang="zh-CN" altLang="en-US" dirty="0" smtClean="0"/>
+              <a:t>系</a:t>
+            </a:r>
+            <a:r>
+              <a:rPr lang="zh-CN" altLang="en-US" dirty="0" smtClean="0"/>
+              <a:t>介绍</a:t>
+            </a:r>
+            <a:endParaRPr lang="en-US" altLang="zh-CN" dirty="0" smtClean="0"/>
+          </a:p>
+          <a:p>
+            <a:r>
+              <a:rPr lang="zh-CN" altLang="en-US" dirty="0" smtClean="0"/>
+              <a:t>引言</a:t>
+            </a:r>
+            <a:endParaRPr lang="en-US" altLang="zh-CN" dirty="0" smtClean="0"/>
+          </a:p>
+          <a:p>
+            <a:r>
+              <a:rPr lang="zh-CN" altLang="en-US" dirty="0" smtClean="0"/>
+              <a:t>规划项目</a:t>
+            </a:r>
+            <a:endParaRPr lang="en-US" altLang="zh-CN" dirty="0" smtClean="0"/>
+          </a:p>
+          <a:p>
+            <a:r>
+              <a:rPr lang="zh-CN" altLang="en-US" dirty="0" smtClean="0"/>
+              <a:t>组</a:t>
+            </a:r>
+            <a:r>
+              <a:rPr lang="zh-CN" altLang="en-US" dirty="0" smtClean="0"/>
+              <a:t>队模型</a:t>
+            </a:r>
+            <a:endParaRPr lang="en-US" altLang="zh-CN" dirty="0" smtClean="0"/>
+          </a:p>
+          <a:p>
+            <a:r>
+              <a:rPr lang="zh-CN" altLang="en-US" dirty="0" smtClean="0"/>
+              <a:t>过程模</a:t>
+            </a:r>
+            <a:r>
+              <a:rPr lang="zh-CN" altLang="en-US" dirty="0" smtClean="0"/>
+              <a:t>型</a:t>
+            </a:r>
+            <a:endParaRPr lang="en-US" altLang="zh-CN" dirty="0" smtClean="0"/>
+          </a:p>
+          <a:p>
+            <a:r>
+              <a:rPr lang="zh-CN" altLang="en-US" dirty="0" smtClean="0"/>
+              <a:t>最佳实践</a:t>
+            </a:r>
+            <a:endParaRPr lang="zh-CN" altLang="en-US" dirty="0"/>
+          </a:p>
+        </p:txBody>
+      </p:sp>
+    </p:spTree>
+    <p:extLst>
+      <p:ext uri="{BB962C8B-B14F-4D97-AF65-F5344CB8AC3E}">
+        <p14:creationId xmlns:p14="http://schemas.microsoft.com/office/powerpoint/2010/main" val="3493106289"/>
+      </p:ext>
+    </p:extLst>
+  </p:cSld>
+  <p:clrMapOvr>
+    <a:masterClrMapping/>
+  </p:clrMapOvr>
+  <p:timing>
+    <p:tnLst>
+      <p:par>
+        <p:cTn id="1" dur="indefinite" restart="never" nodeType="tmRoot">
+          <p:childTnLst>
+            <p:seq concurrent="1" nextAc="seek">
+              <p:cTn id="2" dur="indefinite" nodeType="mainSeq">
+                <p:childTnLst>
+                  <p:par>
+                    <p:cTn id="3" fill="hold">
+                      <p:stCondLst>
+                        <p:cond delay="indefinite"/>
+                      </p:stCondLst>
+                      <p:childTnLst>
+                        <p:par>
+                          <p:cTn id="4" fill="hold">
+                            <p:stCondLst>
+                              <p:cond delay="0"/>
+                            </p:stCondLst>
+                            <p:childTnLst>
+                              <p:par>
+                                <p:cTn id="5" presetID="34" presetClass="emph" presetSubtype="0" fill="hold" nodeType="clickEffect">
+                                  <p:stCondLst>
+                                    <p:cond delay="0"/>
+                                  </p:stCondLst>
+                                  <p:iterate type="lt">
+                                    <p:tmPct val="10000"/>
+                                  </p:iterate>
+                                  <p:childTnLst>
+                                    <p:animMotion origin="layout" path="M 0.0 0.0 L 0.0 -0.07213" pathEditMode="relative" ptsTypes="">
+                                      <p:cBhvr>
+                                        <p:cTn id="6" dur="250" accel="50000" decel="50000" autoRev="1" fill="hold">
+                                          <p:stCondLst>
+                                            <p:cond delay="0"/>
+                                          </p:stCondLst>
+                                        </p:cTn>
+                                        <p:tgtEl>
+                                          <p:spTgt spid="3">
+                                            <p:txEl>
+                                              <p:pRg st="1" end="1"/>
+                                            </p:txEl>
+                                          </p:spTgt>
+                                        </p:tgtEl>
+                                        <p:attrNameLst>
+                                          <p:attrName>ppt_x</p:attrName>
+                                          <p:attrName>ppt_y</p:attrName>
+                                        </p:attrNameLst>
+                                      </p:cBhvr>
+                                    </p:animMotion>
+                                    <p:animRot by="1500000">
+                                      <p:cBhvr>
+                                        <p:cTn id="7" dur="125" fill="hold">
+                                          <p:stCondLst>
+                                            <p:cond delay="0"/>
+                                          </p:stCondLst>
+                                        </p:cTn>
+                                        <p:tgtEl>
+                                          <p:spTgt spid="3">
+                                            <p:txEl>
+                                              <p:pRg st="1" end="1"/>
+                                            </p:txEl>
+                                          </p:spTgt>
+                                        </p:tgtEl>
+                                        <p:attrNameLst>
+                                          <p:attrName>r</p:attrName>
+                                        </p:attrNameLst>
+                                      </p:cBhvr>
+                                    </p:animRot>
+                                    <p:animRot by="-1500000">
+                                      <p:cBhvr>
+                                        <p:cTn id="8" dur="125" fill="hold">
+                                          <p:stCondLst>
+                                            <p:cond delay="125"/>
+                                          </p:stCondLst>
+                                        </p:cTn>
+                                        <p:tgtEl>
+                                          <p:spTgt spid="3">
+                                            <p:txEl>
+                                              <p:pRg st="1" end="1"/>
+                                            </p:txEl>
+                                          </p:spTgt>
+                                        </p:tgtEl>
+                                        <p:attrNameLst>
+                                          <p:attrName>r</p:attrName>
+                                        </p:attrNameLst>
+                                      </p:cBhvr>
+                                    </p:animRot>
+                                    <p:animRot by="-1500000">
+                                      <p:cBhvr>
+                                        <p:cTn id="9" dur="125" fill="hold">
+                                          <p:stCondLst>
+                                            <p:cond delay="250"/>
+                                          </p:stCondLst>
+                                        </p:cTn>
+                                        <p:tgtEl>
+                                          <p:spTgt spid="3">
+                                            <p:txEl>
+                                              <p:pRg st="1" end="1"/>
+                                            </p:txEl>
+                                          </p:spTgt>
+                                        </p:tgtEl>
+                                        <p:attrNameLst>
+                                          <p:attrName>r</p:attrName>
+                                        </p:attrNameLst>
+                                      </p:cBhvr>
+                                    </p:animRot>
+                                    <p:animRot by="1500000">
+                                      <p:cBhvr>
+                                        <p:cTn id="10" dur="125" fill="hold">
+                                          <p:stCondLst>
+                                            <p:cond delay="375"/>
+                                          </p:stCondLst>
+                                        </p:cTn>
+                                        <p:tgtEl>
+                                          <p:spTgt spid="3">
+                                            <p:txEl>
+                                              <p:pRg st="1" end="1"/>
+                                            </p:txEl>
+                                          </p:spTgt>
+                                        </p:tgtEl>
+                                        <p:attrNameLst>
+                                          <p:attrName>r</p:attrName>
+                                        </p:attrNameLst>
+                                      </p:cBhvr>
+                                    </p:animRot>
+                                  </p:childTnLst>
+                                </p:cTn>
+                              </p:par>
+                            </p:childTnLst>
+                          </p:cTn>
+                        </p:par>
+                      </p:childTnLst>
+                    </p:cTn>
+                  </p:par>
+                </p:childTnLst>
+              </p:cTn>
+              <p:prevCondLst>
+                <p:cond evt="onPrev" delay="0">
+                  <p:tgtEl>
+                    <p:sldTgt/>
+                  </p:tgtEl>
+                </p:cond>
+              </p:prevCondLst>
+              <p:nextCondLst>
+                <p:cond evt="onNext" delay="0">
+                  <p:tgtEl>
+                    <p:sldTgt/>
+                  </p:tgtEl>
+                </p:cond>
+              </p:nextCondLst>
+            </p:seq>
+          </p:childTnLst>
+        </p:cTn>
+      </p:par>
+    </p:tnLst>
+  </p:timing>
+</p:sld>
+</file>
+
+<file path=ppt/slides/slide5.xml><?xml version="1.0" encoding="utf-8"?>
+<p:sld xmlns:a="http://schemas.openxmlformats.org/drawingml/2006/main" xmlns:r="http://schemas.openxmlformats.org/officeDocument/2006/relationships" xmlns:p="http://schemas.openxmlformats.org/presentationml/2006/main">
+  <p:cSld>
+    <p:spTree>
+      <p:nvGrpSpPr>
+        <p:cNvPr id="1" name=""/>
+        <p:cNvGrpSpPr/>
+        <p:nvPr/>
+      </p:nvGrpSpPr>
+      <p:grpSpPr>
+        <a:xfrm>
+          <a:off x="0" y="0"/>
+          <a:ext cx="0" cy="0"/>
+          <a:chOff x="0" y="0"/>
+          <a:chExt cx="0" cy="0"/>
+        </a:xfrm>
+      </p:grpSpPr>
+      <p:sp>
+        <p:nvSpPr>
+          <p:cNvPr id="2" name="标题 1"/>
+          <p:cNvSpPr>
+            <a:spLocks noGrp="1"/>
+          </p:cNvSpPr>
+          <p:nvPr>
+            <p:ph type="title"/>
+          </p:nvPr>
+        </p:nvSpPr>
+        <p:spPr/>
+        <p:txBody>
+          <a:bodyPr/>
+          <a:lstStyle/>
+          <a:p>
+            <a:r>
+              <a:rPr lang="zh-CN" altLang="en-US" dirty="0" smtClean="0"/>
+              <a:t>引言</a:t>
+            </a:r>
+            <a:endParaRPr lang="zh-CN" altLang="en-US" dirty="0"/>
+          </a:p>
+        </p:txBody>
+      </p:sp>
+      <p:sp>
+        <p:nvSpPr>
+          <p:cNvPr id="3" name="内容占位符 2"/>
+          <p:cNvSpPr>
+            <a:spLocks noGrp="1"/>
+          </p:cNvSpPr>
+          <p:nvPr>
+            <p:ph idx="1"/>
+          </p:nvPr>
+        </p:nvSpPr>
+        <p:spPr/>
+        <p:txBody>
+          <a:bodyPr/>
+          <a:lstStyle/>
+          <a:p>
+            <a:r>
+              <a:rPr lang="zh-CN" altLang="en-US" dirty="0" smtClean="0"/>
+              <a:t>项目和项目管理</a:t>
+            </a:r>
+            <a:endParaRPr lang="en-US" altLang="zh-CN" dirty="0" smtClean="0"/>
+          </a:p>
+          <a:p>
+            <a:r>
+              <a:rPr lang="zh-CN" altLang="en-US" dirty="0" smtClean="0"/>
+              <a:t>项目管理指南简介</a:t>
+            </a:r>
+            <a:endParaRPr lang="zh-CN" altLang="en-US" dirty="0"/>
+          </a:p>
+        </p:txBody>
+      </p:sp>
+    </p:spTree>
+    <p:extLst>
+      <p:ext uri="{BB962C8B-B14F-4D97-AF65-F5344CB8AC3E}">
+        <p14:creationId xmlns:p14="http://schemas.microsoft.com/office/powerpoint/2010/main" val="1575785185"/>
+      </p:ext>
+    </p:extLst>
+  </p:cSld>
+  <p:clrMapOvr>
+    <a:masterClrMapping/>
+  </p:clrMapOvr>
+  <p:timing>
+    <p:tnLst>
+      <p:par>
+        <p:cTn id="1" dur="indefinite" restart="never" nodeType="tmRoot"/>
+      </p:par>
+    </p:tnLst>
+  </p:timing>
+</p:sld>
+</file>
+
+<file path=ppt/slides/slide6.xml><?xml version="1.0" encoding="utf-8"?>
+<p:sld xmlns:a="http://schemas.openxmlformats.org/drawingml/2006/main" xmlns:r="http://schemas.openxmlformats.org/officeDocument/2006/relationships" xmlns:p="http://schemas.openxmlformats.org/presentationml/2006/main">
+  <p:cSld>
+    <p:spTree>
+      <p:nvGrpSpPr>
+        <p:cNvPr id="1" name=""/>
+        <p:cNvGrpSpPr/>
+        <p:nvPr/>
+      </p:nvGrpSpPr>
+      <p:grpSpPr>
+        <a:xfrm>
+          <a:off x="0" y="0"/>
+          <a:ext cx="0" cy="0"/>
+          <a:chOff x="0" y="0"/>
+          <a:chExt cx="0" cy="0"/>
+        </a:xfrm>
+      </p:grpSpPr>
+      <p:sp>
+        <p:nvSpPr>
+          <p:cNvPr id="2" name="标题 1"/>
+          <p:cNvSpPr>
+            <a:spLocks noGrp="1"/>
+          </p:cNvSpPr>
+          <p:nvPr>
+            <p:ph type="title"/>
+          </p:nvPr>
+        </p:nvSpPr>
+        <p:spPr/>
+        <p:txBody>
+          <a:bodyPr/>
+          <a:lstStyle/>
+          <a:p>
+            <a:r>
+              <a:rPr lang="zh-CN" altLang="en-US" dirty="0" smtClean="0"/>
+              <a:t>什么是项目？</a:t>
+            </a:r>
+            <a:endParaRPr lang="zh-CN" altLang="en-US" dirty="0"/>
+          </a:p>
+        </p:txBody>
+      </p:sp>
+      <p:sp>
+        <p:nvSpPr>
+          <p:cNvPr id="4" name="Rectangle 3"/>
+          <p:cNvSpPr>
+            <a:spLocks noGrp="1" noChangeArrowheads="1"/>
+          </p:cNvSpPr>
+          <p:nvPr>
+            <p:ph idx="1"/>
+          </p:nvPr>
+        </p:nvSpPr>
+        <p:spPr/>
+        <p:txBody>
+          <a:bodyPr/>
+          <a:lstStyle/>
+          <a:p>
+            <a:pPr eaLnBrk="1" hangingPunct="1">
+              <a:spcBef>
+                <a:spcPct val="70000"/>
+              </a:spcBef>
+            </a:pPr>
+            <a:r>
+              <a:rPr lang="zh-CN" altLang="en-US" sz="2400" b="1" dirty="0" smtClean="0">
+                <a:latin typeface="Arial" charset="0"/>
+              </a:rPr>
+              <a:t>项目</a:t>
+            </a:r>
+            <a:r>
+              <a:rPr lang="en-US" altLang="zh-CN" sz="2400" b="1" dirty="0" smtClean="0">
+                <a:latin typeface="Arial" charset="0"/>
+              </a:rPr>
+              <a:t>[Project]</a:t>
+            </a:r>
+            <a:r>
+              <a:rPr lang="zh-CN" altLang="en-US" sz="2400" dirty="0" smtClean="0">
+                <a:latin typeface="Arial" charset="0"/>
+              </a:rPr>
+              <a:t>是</a:t>
+            </a:r>
+            <a:r>
+              <a:rPr lang="en-US" altLang="zh-CN" sz="2400" dirty="0" smtClean="0">
+                <a:latin typeface="Arial" charset="0"/>
+              </a:rPr>
+              <a:t>“</a:t>
+            </a:r>
+            <a:r>
+              <a:rPr lang="zh-CN" altLang="en-US" sz="2400" dirty="0" smtClean="0">
+                <a:latin typeface="Arial" charset="0"/>
+              </a:rPr>
+              <a:t>为创造</a:t>
+            </a:r>
+            <a:r>
+              <a:rPr lang="zh-CN" altLang="en-US" sz="2400" dirty="0" smtClean="0">
+                <a:solidFill>
+                  <a:schemeClr val="tx1"/>
+                </a:solidFill>
+                <a:latin typeface="Arial" charset="0"/>
+              </a:rPr>
+              <a:t>独特的</a:t>
+            </a:r>
+            <a:r>
+              <a:rPr lang="zh-CN" altLang="en-US" sz="2400" dirty="0" smtClean="0">
+                <a:latin typeface="Arial" charset="0"/>
+              </a:rPr>
+              <a:t>产品、服务或成果而进行的</a:t>
+            </a:r>
+            <a:r>
+              <a:rPr lang="zh-CN" altLang="en-US" sz="2400" dirty="0" smtClean="0">
+                <a:solidFill>
+                  <a:schemeClr val="tx1"/>
+                </a:solidFill>
+                <a:latin typeface="Arial" charset="0"/>
+              </a:rPr>
+              <a:t>临时性</a:t>
+            </a:r>
+            <a:r>
+              <a:rPr lang="zh-CN" altLang="en-US" sz="2400" dirty="0" smtClean="0">
+                <a:latin typeface="Arial" charset="0"/>
+              </a:rPr>
+              <a:t>工作</a:t>
+            </a:r>
+            <a:r>
+              <a:rPr lang="en-US" altLang="zh-CN" sz="2400" dirty="0" smtClean="0">
+                <a:latin typeface="Arial" charset="0"/>
+              </a:rPr>
+              <a:t>” ——PMI</a:t>
+            </a:r>
+            <a:endParaRPr lang="en-US" altLang="zh-CN" sz="2400" dirty="0" smtClean="0">
+              <a:latin typeface="Arial" charset="0"/>
+              <a:cs typeface="Times New Roman" pitchFamily="18" charset="0"/>
+            </a:endParaRPr>
+          </a:p>
+        </p:txBody>
+      </p:sp>
+      <p:grpSp>
+        <p:nvGrpSpPr>
+          <p:cNvPr id="5" name="组合 10"/>
+          <p:cNvGrpSpPr/>
+          <p:nvPr/>
+        </p:nvGrpSpPr>
+        <p:grpSpPr>
+          <a:xfrm>
+            <a:off x="2786034" y="2852936"/>
+            <a:ext cx="3657600" cy="3427617"/>
+            <a:chOff x="2362200" y="2743200"/>
+            <a:chExt cx="3657600" cy="3698558"/>
+          </a:xfrm>
+          <a:solidFill>
+            <a:schemeClr val="accent6"/>
+          </a:solidFill>
+        </p:grpSpPr>
+        <p:sp>
+          <p:nvSpPr>
+            <p:cNvPr id="6" name="等腰三角形 5"/>
+            <p:cNvSpPr/>
+            <p:nvPr/>
+          </p:nvSpPr>
+          <p:spPr>
+            <a:xfrm>
+              <a:off x="2362200" y="2743200"/>
+              <a:ext cx="3657600" cy="3153103"/>
+            </a:xfrm>
+            <a:prstGeom prst="triangle">
+              <a:avLst/>
+            </a:prstGeom>
+            <a:grpFill/>
+            <a:scene3d>
+              <a:camera prst="orthographicFront"/>
+              <a:lightRig rig="threePt" dir="t"/>
+            </a:scene3d>
+            <a:sp3d>
+              <a:bevelT w="114300" prst="artDeco"/>
+            </a:sp3d>
+          </p:spPr>
+          <p:style>
+            <a:lnRef idx="2">
+              <a:schemeClr val="accent1">
+                <a:shade val="50000"/>
+              </a:schemeClr>
+            </a:lnRef>
+            <a:fillRef idx="1">
+              <a:schemeClr val="accent1"/>
+            </a:fillRef>
+            <a:effectRef idx="0">
+              <a:schemeClr val="accent1"/>
+            </a:effectRef>
+            <a:fontRef idx="minor">
+              <a:schemeClr val="lt1"/>
+            </a:fontRef>
+          </p:style>
+          <p:txBody>
+            <a:bodyPr rtlCol="0" anchor="ctr"/>
+            <a:lstStyle/>
+            <a:p>
+              <a:pPr algn="ctr"/>
+              <a:endParaRPr lang="zh-CN" altLang="en-US">
+                <a:solidFill>
+                  <a:srgbClr val="FF0000"/>
+                </a:solidFill>
+              </a:endParaRPr>
+            </a:p>
+          </p:txBody>
+        </p:sp>
+        <p:sp>
+          <p:nvSpPr>
+            <p:cNvPr id="7" name="TextBox 6"/>
+            <p:cNvSpPr txBox="1"/>
+            <p:nvPr/>
+          </p:nvSpPr>
+          <p:spPr>
+            <a:xfrm>
+              <a:off x="3581400" y="5943600"/>
+              <a:ext cx="1415772" cy="498158"/>
+            </a:xfrm>
+            <a:prstGeom prst="rect">
+              <a:avLst/>
+            </a:prstGeom>
+            <a:noFill/>
+          </p:spPr>
+          <p:txBody>
+            <a:bodyPr wrap="none" rtlCol="0">
+              <a:spAutoFit/>
+            </a:bodyPr>
+            <a:lstStyle/>
+            <a:p>
+              <a:r>
+                <a:rPr lang="zh-CN" altLang="en-US" sz="2400" dirty="0" smtClean="0">
+                  <a:latin typeface="微软雅黑" pitchFamily="34" charset="-122"/>
+                  <a:ea typeface="微软雅黑" pitchFamily="34" charset="-122"/>
+                </a:rPr>
+                <a:t>渐进明细</a:t>
+              </a:r>
+              <a:endParaRPr lang="zh-CN" altLang="en-US" sz="2400" dirty="0">
+                <a:latin typeface="微软雅黑" pitchFamily="34" charset="-122"/>
+                <a:ea typeface="微软雅黑" pitchFamily="34" charset="-122"/>
+              </a:endParaRPr>
+            </a:p>
+          </p:txBody>
+        </p:sp>
+        <p:sp>
+          <p:nvSpPr>
+            <p:cNvPr id="8" name="TextBox 7"/>
+            <p:cNvSpPr txBox="1"/>
+            <p:nvPr/>
+          </p:nvSpPr>
+          <p:spPr>
+            <a:xfrm rot="18123660">
+              <a:off x="2451174" y="3942307"/>
+              <a:ext cx="1195579" cy="461665"/>
+            </a:xfrm>
+            <a:prstGeom prst="rect">
+              <a:avLst/>
+            </a:prstGeom>
+            <a:noFill/>
+          </p:spPr>
+          <p:txBody>
+            <a:bodyPr wrap="none" rtlCol="0">
+              <a:spAutoFit/>
+            </a:bodyPr>
+            <a:lstStyle/>
+            <a:p>
+              <a:r>
+                <a:rPr lang="zh-CN" altLang="en-US" sz="2400" dirty="0" smtClean="0">
+                  <a:latin typeface="微软雅黑" pitchFamily="34" charset="-122"/>
+                  <a:ea typeface="微软雅黑" pitchFamily="34" charset="-122"/>
+                </a:rPr>
+                <a:t>独特性</a:t>
+              </a:r>
+              <a:endParaRPr lang="zh-CN" altLang="en-US" sz="2400" dirty="0">
+                <a:latin typeface="微软雅黑" pitchFamily="34" charset="-122"/>
+                <a:ea typeface="微软雅黑" pitchFamily="34" charset="-122"/>
+              </a:endParaRPr>
+            </a:p>
+          </p:txBody>
+        </p:sp>
+        <p:sp>
+          <p:nvSpPr>
+            <p:cNvPr id="9" name="TextBox 8"/>
+            <p:cNvSpPr txBox="1"/>
+            <p:nvPr/>
+          </p:nvSpPr>
+          <p:spPr>
+            <a:xfrm rot="3457179">
+              <a:off x="4813240" y="4019022"/>
+              <a:ext cx="1195579" cy="461665"/>
+            </a:xfrm>
+            <a:prstGeom prst="rect">
+              <a:avLst/>
+            </a:prstGeom>
+            <a:noFill/>
+          </p:spPr>
+          <p:txBody>
+            <a:bodyPr wrap="none" rtlCol="0">
+              <a:spAutoFit/>
+            </a:bodyPr>
+            <a:lstStyle/>
+            <a:p>
+              <a:r>
+                <a:rPr lang="zh-CN" altLang="en-US" sz="2400" dirty="0" smtClean="0">
+                  <a:latin typeface="微软雅黑" pitchFamily="34" charset="-122"/>
+                  <a:ea typeface="微软雅黑" pitchFamily="34" charset="-122"/>
+                </a:rPr>
+                <a:t>临时性</a:t>
+              </a:r>
+              <a:endParaRPr lang="zh-CN" altLang="en-US" sz="2400" dirty="0">
+                <a:latin typeface="微软雅黑" pitchFamily="34" charset="-122"/>
+                <a:ea typeface="微软雅黑" pitchFamily="34" charset="-122"/>
+              </a:endParaRPr>
+            </a:p>
+          </p:txBody>
+        </p:sp>
+      </p:grpSp>
+    </p:spTree>
+    <p:extLst>
+      <p:ext uri="{BB962C8B-B14F-4D97-AF65-F5344CB8AC3E}">
+        <p14:creationId xmlns:p14="http://schemas.microsoft.com/office/powerpoint/2010/main" val="46840197"/>
+      </p:ext>
+    </p:extLst>
+  </p:cSld>
+  <p:clrMapOvr>
+    <a:masterClrMapping/>
+  </p:clrMapOvr>
+  <p:timing>
+    <p:tnLst>
+      <p:par>
+        <p:cTn id="1" dur="indefinite" restart="never" nodeType="tmRoot">
+          <p:childTnLst>
+            <p:seq concurrent="1" nextAc="seek">
+              <p:cTn id="2" dur="indefinite" nodeType="mainSeq">
+                <p:childTnLst>
+                  <p:par>
+                    <p:cTn id="3" fill="hold">
+                      <p:stCondLst>
+                        <p:cond delay="indefinite"/>
+                      </p:stCondLst>
+                      <p:childTnLst>
+                        <p:par>
+                          <p:cTn id="4" fill="hold">
+                            <p:stCondLst>
+                              <p:cond delay="0"/>
+                            </p:stCondLst>
+                            <p:childTnLst>
+                              <p:par>
+                                <p:cTn id="5" presetID="1" presetClass="entr" presetSubtype="0" fill="hold" nodeType="clickEffect">
+                                  <p:stCondLst>
+                                    <p:cond delay="0"/>
+                                  </p:stCondLst>
+                                  <p:childTnLst>
+                                    <p:set>
+                                      <p:cBhvr>
+                                        <p:cTn id="6" dur="1" fill="hold">
+                                          <p:stCondLst>
+                                            <p:cond delay="0"/>
+                                          </p:stCondLst>
+                                        </p:cTn>
+                                        <p:tgtEl>
+                                          <p:spTgt spid="4">
+                                            <p:txEl>
+                                              <p:pRg st="0" end="0"/>
+                                            </p:txEl>
+                                          </p:spTgt>
+                                        </p:tgtEl>
+                                        <p:attrNameLst>
+                                          <p:attrName>style.visibility</p:attrName>
+                                        </p:attrNameLst>
+                                      </p:cBhvr>
+                                      <p:to>
+                                        <p:strVal val="visible"/>
+                                      </p:to>
+                                    </p:set>
+                                  </p:childTnLst>
+                                </p:cTn>
+                              </p:par>
+                            </p:childTnLst>
+                          </p:cTn>
+                        </p:par>
+                      </p:childTnLst>
+                    </p:cTn>
+                  </p:par>
+                  <p:par>
+                    <p:cTn id="7" fill="hold">
+                      <p:stCondLst>
+                        <p:cond delay="indefinite"/>
+                      </p:stCondLst>
+                      <p:childTnLst>
+                        <p:par>
+                          <p:cTn id="8" fill="hold">
+                            <p:stCondLst>
+                              <p:cond delay="0"/>
+                            </p:stCondLst>
+                            <p:childTnLst>
+                              <p:par>
+                                <p:cTn id="9" presetID="10" presetClass="entr" presetSubtype="0" fill="hold" nodeType="clickEffect">
+                                  <p:stCondLst>
+                                    <p:cond delay="0"/>
+                                  </p:stCondLst>
+                                  <p:childTnLst>
+                                    <p:set>
+                                      <p:cBhvr>
+                                        <p:cTn id="10" dur="1" fill="hold">
+                                          <p:stCondLst>
+                                            <p:cond delay="0"/>
+                                          </p:stCondLst>
+                                        </p:cTn>
+                                        <p:tgtEl>
+                                          <p:spTgt spid="5"/>
+                                        </p:tgtEl>
+                                        <p:attrNameLst>
+                                          <p:attrName>style.visibility</p:attrName>
+                                        </p:attrNameLst>
+                                      </p:cBhvr>
+                                      <p:to>
+                                        <p:strVal val="visible"/>
+                                      </p:to>
+                                    </p:set>
+                                    <p:animEffect transition="in" filter="fade">
+                                      <p:cBhvr>
+                                        <p:cTn id="11" dur="2000"/>
+                                        <p:tgtEl>
+                                          <p:spTgt spid="5"/>
+                                        </p:tgtEl>
+                                      </p:cBhvr>
+                                    </p:animEffect>
+                                  </p:childTnLst>
+                                </p:cTn>
+                              </p:par>
+                            </p:childTnLst>
+                          </p:cTn>
+                        </p:par>
+                      </p:childTnLst>
+                    </p:cTn>
+                  </p:par>
+                </p:childTnLst>
+              </p:cTn>
+              <p:prevCondLst>
+                <p:cond evt="onPrev" delay="0">
+                  <p:tgtEl>
+                    <p:sldTgt/>
+                  </p:tgtEl>
+                </p:cond>
+              </p:prevCondLst>
+              <p:nextCondLst>
+                <p:cond evt="onNext" delay="0">
+                  <p:tgtEl>
+                    <p:sldTgt/>
+                  </p:tgtEl>
+                </p:cond>
+              </p:nextCondLst>
+            </p:seq>
+          </p:childTnLst>
+        </p:cTn>
+      </p:par>
+    </p:tnLst>
+  </p:timing>
+</p:sld>
+</file>
+
+<file path=ppt/slides/slide7.xml><?xml version="1.0" encoding="utf-8"?>
+<p:sld xmlns:a="http://schemas.openxmlformats.org/drawingml/2006/main" xmlns:r="http://schemas.openxmlformats.org/officeDocument/2006/relationships" xmlns:p="http://schemas.openxmlformats.org/presentationml/2006/main">
+  <p:cSld>
+    <p:spTree>
+      <p:nvGrpSpPr>
+        <p:cNvPr id="1" name=""/>
+        <p:cNvGrpSpPr/>
+        <p:nvPr/>
+      </p:nvGrpSpPr>
+      <p:grpSpPr>
+        <a:xfrm>
+          <a:off x="0" y="0"/>
+          <a:ext cx="0" cy="0"/>
+          <a:chOff x="0" y="0"/>
+          <a:chExt cx="0" cy="0"/>
+        </a:xfrm>
+      </p:grpSpPr>
+      <p:sp>
+        <p:nvSpPr>
+          <p:cNvPr id="2" name="标题 1"/>
+          <p:cNvSpPr>
+            <a:spLocks noGrp="1"/>
+          </p:cNvSpPr>
+          <p:nvPr>
+            <p:ph type="title"/>
+          </p:nvPr>
+        </p:nvSpPr>
+        <p:spPr/>
+        <p:txBody>
+          <a:bodyPr/>
+          <a:lstStyle/>
+          <a:p>
+            <a:r>
+              <a:rPr lang="zh-CN" altLang="en-US" dirty="0" smtClean="0"/>
+              <a:t>项目的意义</a:t>
+            </a:r>
+            <a:endParaRPr lang="zh-CN" altLang="en-US" dirty="0"/>
+          </a:p>
+        </p:txBody>
+      </p:sp>
+      <p:sp>
+        <p:nvSpPr>
+          <p:cNvPr id="3" name="内容占位符 2"/>
+          <p:cNvSpPr>
+            <a:spLocks noGrp="1"/>
+          </p:cNvSpPr>
+          <p:nvPr>
+            <p:ph idx="1"/>
+          </p:nvPr>
+        </p:nvSpPr>
+        <p:spPr/>
+        <p:txBody>
+          <a:bodyPr/>
+          <a:lstStyle/>
+          <a:p>
+            <a:endParaRPr lang="zh-CN" altLang="en-US"/>
+          </a:p>
+        </p:txBody>
+      </p:sp>
+    </p:spTree>
+    <p:extLst>
+      <p:ext uri="{BB962C8B-B14F-4D97-AF65-F5344CB8AC3E}">
+        <p14:creationId xmlns:p14="http://schemas.microsoft.com/office/powerpoint/2010/main" val="3379878787"/>
+      </p:ext>
+    </p:extLst>
+  </p:cSld>
+  <p:clrMapOvr>
+    <a:masterClrMapping/>
+  </p:clrMapOvr>
+  <p:timing>
+    <p:tnLst>
+      <p:par>
+        <p:cTn id="1" dur="indefinite" restart="never" nodeType="tmRoot"/>
+      </p:par>
+    </p:tnLst>
+  </p:timing>
+</p:sld>
+</file>
+
+<file path=ppt/slides/slide8.xml><?xml version="1.0" encoding="utf-8"?>
+<p:sld xmlns:a="http://schemas.openxmlformats.org/drawingml/2006/main" xmlns:r="http://schemas.openxmlformats.org/officeDocument/2006/relationships" xmlns:p="http://schemas.openxmlformats.org/presentationml/2006/main">
+  <p:cSld>
+    <p:spTree>
+      <p:nvGrpSpPr>
+        <p:cNvPr id="1" name=""/>
+        <p:cNvGrpSpPr/>
+        <p:nvPr/>
+      </p:nvGrpSpPr>
+      <p:grpSpPr>
+        <a:xfrm>
+          <a:off x="0" y="0"/>
+          <a:ext cx="0" cy="0"/>
+          <a:chOff x="0" y="0"/>
+          <a:chExt cx="0" cy="0"/>
+        </a:xfrm>
+      </p:grpSpPr>
+      <p:sp>
+        <p:nvSpPr>
+          <p:cNvPr id="21507" name="Rectangle 2"/>
+          <p:cNvSpPr>
+            <a:spLocks noGrp="1" noChangeArrowheads="1"/>
+          </p:cNvSpPr>
+          <p:nvPr>
+            <p:ph type="title"/>
+          </p:nvPr>
+        </p:nvSpPr>
+        <p:spPr/>
+        <p:txBody>
+          <a:bodyPr/>
+          <a:lstStyle/>
+          <a:p>
+            <a:pPr eaLnBrk="1" hangingPunct="1"/>
+            <a:r>
+              <a:rPr lang="zh-CN" altLang="en-US" dirty="0" smtClean="0"/>
+              <a:t>什么是项目管理</a:t>
+            </a:r>
+            <a:r>
+              <a:rPr lang="en-US" altLang="zh-CN" dirty="0" smtClean="0"/>
+              <a:t>?</a:t>
+            </a:r>
+          </a:p>
+        </p:txBody>
+      </p:sp>
+      <p:sp>
+        <p:nvSpPr>
+          <p:cNvPr id="21508" name="Rectangle 3"/>
+          <p:cNvSpPr>
+            <a:spLocks noGrp="1" noChangeArrowheads="1"/>
+          </p:cNvSpPr>
+          <p:nvPr>
+            <p:ph sz="quarter" idx="1"/>
+          </p:nvPr>
+        </p:nvSpPr>
+        <p:spPr>
+          <a:xfrm>
+            <a:off x="248148" y="1292924"/>
+            <a:ext cx="8029572" cy="1143000"/>
+          </a:xfrm>
+        </p:spPr>
+        <p:txBody>
+          <a:bodyPr>
+            <a:normAutofit lnSpcReduction="10000"/>
+          </a:bodyPr>
+          <a:lstStyle/>
+          <a:p>
+            <a:pPr eaLnBrk="1" hangingPunct="1">
+              <a:spcBef>
+                <a:spcPts val="300"/>
+              </a:spcBef>
+            </a:pPr>
+            <a:r>
+              <a:rPr lang="zh-CN" altLang="en-US" sz="2400" b="1" dirty="0" smtClean="0">
+                <a:latin typeface="Arial" charset="0"/>
+              </a:rPr>
+              <a:t>项目管理</a:t>
+            </a:r>
+            <a:r>
+              <a:rPr lang="en-US" altLang="zh-CN" sz="2400" b="1" dirty="0" smtClean="0">
+                <a:latin typeface="Arial" charset="0"/>
+              </a:rPr>
+              <a:t>[Project management]</a:t>
+            </a:r>
+            <a:r>
+              <a:rPr lang="zh-CN" altLang="en-US" sz="2400" b="1" dirty="0" smtClean="0">
+                <a:latin typeface="Arial" charset="0"/>
+              </a:rPr>
+              <a:t>：</a:t>
+            </a:r>
+            <a:r>
+              <a:rPr lang="zh-CN" altLang="en-US" sz="2400" dirty="0" smtClean="0">
+                <a:latin typeface="Arial" charset="0"/>
+              </a:rPr>
+              <a:t>将知识、技能、工具与技术应用于项目活动，以满足项目的要求</a:t>
+            </a:r>
+            <a:endParaRPr lang="en-US" altLang="zh-CN" sz="2400" dirty="0" smtClean="0">
+              <a:latin typeface="Arial" charset="0"/>
+            </a:endParaRPr>
+          </a:p>
+        </p:txBody>
+      </p:sp>
+      <p:sp>
+        <p:nvSpPr>
+          <p:cNvPr id="21509" name="Footer Placeholder 5"/>
+          <p:cNvSpPr txBox="1">
+            <a:spLocks noGrp="1"/>
+          </p:cNvSpPr>
+          <p:nvPr/>
+        </p:nvSpPr>
+        <p:spPr bwMode="auto">
+          <a:xfrm>
+            <a:off x="1524000" y="6400800"/>
+            <a:ext cx="6248400" cy="457200"/>
+          </a:xfrm>
+          <a:prstGeom prst="rect">
+            <a:avLst/>
+          </a:prstGeom>
+          <a:noFill/>
+          <a:ln w="9525">
+            <a:noFill/>
+            <a:miter lim="800000"/>
+            <a:headEnd/>
+            <a:tailEnd/>
+          </a:ln>
+        </p:spPr>
+        <p:txBody>
+          <a:bodyPr anchor="ctr"/>
+          <a:lstStyle/>
+          <a:p>
+            <a:pPr>
+              <a:lnSpc>
+                <a:spcPct val="90000"/>
+              </a:lnSpc>
+              <a:spcBef>
+                <a:spcPct val="20000"/>
+              </a:spcBef>
+            </a:pPr>
+            <a:endParaRPr lang="zh-CN" altLang="zh-CN" sz="1400">
+              <a:solidFill>
+                <a:schemeClr val="tx2"/>
+              </a:solidFill>
+              <a:latin typeface="Times New Roman" pitchFamily="18" charset="0"/>
+            </a:endParaRPr>
+          </a:p>
+        </p:txBody>
+      </p:sp>
+      <p:pic>
+        <p:nvPicPr>
+          <p:cNvPr id="7" name="Picture 3"/>
+          <p:cNvPicPr>
+            <a:picLocks noChangeAspect="1" noChangeArrowheads="1"/>
+          </p:cNvPicPr>
+          <p:nvPr/>
+        </p:nvPicPr>
+        <p:blipFill>
+          <a:blip r:embed="rId2"/>
+          <a:srcRect/>
+          <a:stretch>
+            <a:fillRect/>
+          </a:stretch>
+        </p:blipFill>
+        <p:spPr bwMode="auto">
+          <a:xfrm>
+            <a:off x="285720" y="2857161"/>
+            <a:ext cx="3221763" cy="2895600"/>
+          </a:xfrm>
+          <a:prstGeom prst="rect">
+            <a:avLst/>
+          </a:prstGeom>
+          <a:noFill/>
+          <a:ln w="12700" cap="sq">
+            <a:noFill/>
+            <a:miter lim="800000"/>
+            <a:headEnd type="none" w="sm" len="sm"/>
+            <a:tailEnd type="none" w="sm" len="sm"/>
+          </a:ln>
+        </p:spPr>
+      </p:pic>
+      <p:grpSp>
+        <p:nvGrpSpPr>
+          <p:cNvPr id="2" name="组合 21"/>
+          <p:cNvGrpSpPr/>
+          <p:nvPr/>
+        </p:nvGrpSpPr>
+        <p:grpSpPr>
+          <a:xfrm>
+            <a:off x="4992659" y="2628561"/>
+            <a:ext cx="3664883" cy="3474423"/>
+            <a:chOff x="5087939" y="2743200"/>
+            <a:chExt cx="3664883" cy="3474423"/>
+          </a:xfrm>
+        </p:grpSpPr>
+        <p:sp>
+          <p:nvSpPr>
+            <p:cNvPr id="8" name="椭圆 7"/>
+            <p:cNvSpPr/>
+            <p:nvPr/>
+          </p:nvSpPr>
+          <p:spPr>
+            <a:xfrm>
+              <a:off x="5638800" y="3276600"/>
+              <a:ext cx="2514600" cy="2514600"/>
+            </a:xfrm>
+            <a:prstGeom prst="ellipse">
+              <a:avLst/>
+            </a:prstGeom>
+            <a:solidFill>
+              <a:schemeClr val="accent6"/>
+            </a:solidFill>
+          </p:spPr>
+          <p:style>
+            <a:lnRef idx="2">
+              <a:schemeClr val="accent1">
+                <a:shade val="50000"/>
+              </a:schemeClr>
+            </a:lnRef>
+            <a:fillRef idx="1">
+              <a:schemeClr val="accent1"/>
+            </a:fillRef>
+            <a:effectRef idx="0">
+              <a:schemeClr val="accent1"/>
+            </a:effectRef>
+            <a:fontRef idx="minor">
+              <a:schemeClr val="lt1"/>
+            </a:fontRef>
+          </p:style>
+          <p:txBody>
+            <a:bodyPr rtlCol="0" anchor="ctr"/>
+            <a:lstStyle/>
+            <a:p>
+              <a:pPr algn="ctr"/>
+              <a:endParaRPr lang="zh-CN" altLang="en-US" b="1" dirty="0">
+                <a:solidFill>
+                  <a:schemeClr val="tx1"/>
+                </a:solidFill>
+                <a:latin typeface="微软雅黑" pitchFamily="34" charset="-122"/>
+                <a:ea typeface="微软雅黑" pitchFamily="34" charset="-122"/>
+              </a:endParaRPr>
+            </a:p>
+          </p:txBody>
+        </p:sp>
+        <p:sp>
+          <p:nvSpPr>
+            <p:cNvPr id="9" name="等腰三角形 8"/>
+            <p:cNvSpPr/>
+            <p:nvPr/>
+          </p:nvSpPr>
+          <p:spPr>
+            <a:xfrm>
+              <a:off x="5790071" y="3262489"/>
+              <a:ext cx="2226169" cy="1919111"/>
+            </a:xfrm>
+            <a:prstGeom prst="triangle">
+              <a:avLst/>
+            </a:prstGeom>
+            <a:solidFill>
+              <a:srgbClr val="FFC000"/>
+            </a:solidFill>
+          </p:spPr>
+          <p:style>
+            <a:lnRef idx="2">
+              <a:schemeClr val="accent1">
+                <a:shade val="50000"/>
+              </a:schemeClr>
+            </a:lnRef>
+            <a:fillRef idx="1">
+              <a:schemeClr val="accent1"/>
+            </a:fillRef>
+            <a:effectRef idx="0">
+              <a:schemeClr val="accent1"/>
+            </a:effectRef>
+            <a:fontRef idx="minor">
+              <a:schemeClr val="lt1"/>
+            </a:fontRef>
+          </p:style>
+          <p:txBody>
+            <a:bodyPr rtlCol="0" anchor="ctr"/>
+            <a:lstStyle/>
+            <a:p>
+              <a:pPr algn="ctr"/>
+              <a:endParaRPr lang="zh-CN" altLang="en-US" b="1">
+                <a:solidFill>
+                  <a:schemeClr val="tx1"/>
+                </a:solidFill>
+                <a:latin typeface="微软雅黑" pitchFamily="34" charset="-122"/>
+                <a:ea typeface="微软雅黑" pitchFamily="34" charset="-122"/>
+              </a:endParaRPr>
+            </a:p>
+          </p:txBody>
+        </p:sp>
+        <p:sp>
+          <p:nvSpPr>
+            <p:cNvPr id="10" name="椭圆 9"/>
+            <p:cNvSpPr/>
+            <p:nvPr/>
+          </p:nvSpPr>
+          <p:spPr>
+            <a:xfrm>
+              <a:off x="6248400" y="3886200"/>
+              <a:ext cx="1295400" cy="1295400"/>
+            </a:xfrm>
+            <a:prstGeom prst="ellipse">
+              <a:avLst/>
+            </a:prstGeom>
+            <a:solidFill>
+              <a:schemeClr val="accent6"/>
+            </a:solidFill>
+          </p:spPr>
+          <p:style>
+            <a:lnRef idx="2">
+              <a:schemeClr val="accent1">
+                <a:shade val="50000"/>
+              </a:schemeClr>
+            </a:lnRef>
+            <a:fillRef idx="1">
+              <a:schemeClr val="accent1"/>
+            </a:fillRef>
+            <a:effectRef idx="0">
+              <a:schemeClr val="accent1"/>
+            </a:effectRef>
+            <a:fontRef idx="minor">
+              <a:schemeClr val="lt1"/>
+            </a:fontRef>
+          </p:style>
+          <p:txBody>
+            <a:bodyPr rtlCol="0" anchor="ctr"/>
+            <a:lstStyle/>
+            <a:p>
+              <a:pPr algn="ctr"/>
+              <a:r>
+                <a:rPr lang="zh-CN" altLang="en-US" b="1" dirty="0" smtClean="0">
+                  <a:solidFill>
+                    <a:schemeClr val="tx1"/>
+                  </a:solidFill>
+                  <a:latin typeface="微软雅黑" pitchFamily="34" charset="-122"/>
+                  <a:ea typeface="微软雅黑" pitchFamily="34" charset="-122"/>
+                </a:rPr>
+                <a:t>质量</a:t>
+              </a:r>
+              <a:endParaRPr lang="zh-CN" altLang="en-US" b="1" dirty="0">
+                <a:solidFill>
+                  <a:schemeClr val="tx1"/>
+                </a:solidFill>
+                <a:latin typeface="微软雅黑" pitchFamily="34" charset="-122"/>
+                <a:ea typeface="微软雅黑" pitchFamily="34" charset="-122"/>
+              </a:endParaRPr>
+            </a:p>
+          </p:txBody>
+        </p:sp>
+        <p:sp>
+          <p:nvSpPr>
+            <p:cNvPr id="11" name="TextBox 10"/>
+            <p:cNvSpPr txBox="1"/>
+            <p:nvPr/>
+          </p:nvSpPr>
+          <p:spPr>
+            <a:xfrm rot="18176836">
+              <a:off x="5826838" y="3940534"/>
+              <a:ext cx="697627" cy="400110"/>
+            </a:xfrm>
+            <a:prstGeom prst="rect">
+              <a:avLst/>
+            </a:prstGeom>
+            <a:noFill/>
+          </p:spPr>
+          <p:txBody>
+            <a:bodyPr wrap="none" rtlCol="0">
+              <a:spAutoFit/>
+            </a:bodyPr>
+            <a:lstStyle/>
+            <a:p>
+              <a:r>
+                <a:rPr lang="zh-CN" altLang="en-US" b="1" dirty="0" smtClean="0">
+                  <a:latin typeface="微软雅黑" pitchFamily="34" charset="-122"/>
+                  <a:ea typeface="微软雅黑" pitchFamily="34" charset="-122"/>
+                </a:rPr>
+                <a:t>范围</a:t>
+              </a:r>
+              <a:endParaRPr lang="zh-CN" altLang="en-US" b="1" dirty="0">
+                <a:latin typeface="微软雅黑" pitchFamily="34" charset="-122"/>
+                <a:ea typeface="微软雅黑" pitchFamily="34" charset="-122"/>
+              </a:endParaRPr>
+            </a:p>
+          </p:txBody>
+        </p:sp>
+        <p:sp>
+          <p:nvSpPr>
+            <p:cNvPr id="12" name="TextBox 11"/>
+            <p:cNvSpPr txBox="1"/>
+            <p:nvPr/>
+          </p:nvSpPr>
+          <p:spPr>
+            <a:xfrm rot="3577484">
+              <a:off x="7353164" y="3863743"/>
+              <a:ext cx="697627" cy="400110"/>
+            </a:xfrm>
+            <a:prstGeom prst="rect">
+              <a:avLst/>
+            </a:prstGeom>
+            <a:noFill/>
+          </p:spPr>
+          <p:txBody>
+            <a:bodyPr wrap="none" rtlCol="0">
+              <a:spAutoFit/>
+            </a:bodyPr>
+            <a:lstStyle/>
+            <a:p>
+              <a:r>
+                <a:rPr lang="zh-CN" altLang="en-US" b="1" dirty="0" smtClean="0">
+                  <a:latin typeface="微软雅黑" pitchFamily="34" charset="-122"/>
+                  <a:ea typeface="微软雅黑" pitchFamily="34" charset="-122"/>
+                </a:rPr>
+                <a:t>时间</a:t>
+              </a:r>
+              <a:endParaRPr lang="zh-CN" altLang="en-US" b="1" dirty="0">
+                <a:latin typeface="微软雅黑" pitchFamily="34" charset="-122"/>
+                <a:ea typeface="微软雅黑" pitchFamily="34" charset="-122"/>
+              </a:endParaRPr>
+            </a:p>
+          </p:txBody>
+        </p:sp>
+        <p:sp>
+          <p:nvSpPr>
+            <p:cNvPr id="13" name="TextBox 12"/>
+            <p:cNvSpPr txBox="1"/>
+            <p:nvPr/>
+          </p:nvSpPr>
+          <p:spPr>
+            <a:xfrm>
+              <a:off x="6553200" y="5181600"/>
+              <a:ext cx="697627" cy="400110"/>
+            </a:xfrm>
+            <a:prstGeom prst="rect">
+              <a:avLst/>
+            </a:prstGeom>
+            <a:noFill/>
+          </p:spPr>
+          <p:txBody>
+            <a:bodyPr wrap="none" rtlCol="0">
+              <a:spAutoFit/>
+            </a:bodyPr>
+            <a:lstStyle/>
+            <a:p>
+              <a:r>
+                <a:rPr lang="zh-CN" altLang="en-US" b="1" dirty="0" smtClean="0">
+                  <a:latin typeface="微软雅黑" pitchFamily="34" charset="-122"/>
+                  <a:ea typeface="微软雅黑" pitchFamily="34" charset="-122"/>
+                </a:rPr>
+                <a:t>成本</a:t>
+              </a:r>
+              <a:endParaRPr lang="zh-CN" altLang="en-US" b="1" dirty="0">
+                <a:latin typeface="微软雅黑" pitchFamily="34" charset="-122"/>
+                <a:ea typeface="微软雅黑" pitchFamily="34" charset="-122"/>
+              </a:endParaRPr>
+            </a:p>
+          </p:txBody>
+        </p:sp>
+        <p:sp>
+          <p:nvSpPr>
+            <p:cNvPr id="14" name="下箭头 13"/>
+            <p:cNvSpPr/>
+            <p:nvPr/>
+          </p:nvSpPr>
+          <p:spPr>
+            <a:xfrm rot="18975884">
+              <a:off x="5300521" y="2767385"/>
+              <a:ext cx="838200" cy="874150"/>
+            </a:xfrm>
+            <a:prstGeom prst="downArrow">
+              <a:avLst/>
+            </a:prstGeom>
+          </p:spPr>
+          <p:style>
+            <a:lnRef idx="2">
+              <a:schemeClr val="accent1">
+                <a:shade val="50000"/>
+              </a:schemeClr>
+            </a:lnRef>
+            <a:fillRef idx="1">
+              <a:schemeClr val="accent1"/>
+            </a:fillRef>
+            <a:effectRef idx="0">
+              <a:schemeClr val="accent1"/>
+            </a:effectRef>
+            <a:fontRef idx="minor">
+              <a:schemeClr val="lt1"/>
+            </a:fontRef>
+          </p:style>
+          <p:txBody>
+            <a:bodyPr rtlCol="0" anchor="ctr"/>
+            <a:lstStyle/>
+            <a:p>
+              <a:pPr algn="ctr"/>
+              <a:r>
+                <a:rPr lang="zh-CN" altLang="en-US" b="1" dirty="0" smtClean="0">
+                  <a:solidFill>
+                    <a:schemeClr val="tx1"/>
+                  </a:solidFill>
+                  <a:latin typeface="微软雅黑" pitchFamily="34" charset="-122"/>
+                  <a:ea typeface="微软雅黑" pitchFamily="34" charset="-122"/>
+                </a:rPr>
+                <a:t>风险</a:t>
+              </a:r>
+              <a:endParaRPr lang="zh-CN" altLang="en-US" b="1" dirty="0">
+                <a:solidFill>
+                  <a:schemeClr val="tx1"/>
+                </a:solidFill>
+                <a:latin typeface="微软雅黑" pitchFamily="34" charset="-122"/>
+                <a:ea typeface="微软雅黑" pitchFamily="34" charset="-122"/>
+              </a:endParaRPr>
+            </a:p>
+          </p:txBody>
+        </p:sp>
+        <p:sp>
+          <p:nvSpPr>
+            <p:cNvPr id="15" name="下箭头 14"/>
+            <p:cNvSpPr/>
+            <p:nvPr/>
+          </p:nvSpPr>
+          <p:spPr>
+            <a:xfrm rot="3068326">
+              <a:off x="7804195" y="2848548"/>
+              <a:ext cx="838200" cy="874150"/>
+            </a:xfrm>
+            <a:prstGeom prst="downArrow">
+              <a:avLst/>
+            </a:prstGeom>
+          </p:spPr>
+          <p:style>
+            <a:lnRef idx="2">
+              <a:schemeClr val="accent1">
+                <a:shade val="50000"/>
+              </a:schemeClr>
+            </a:lnRef>
+            <a:fillRef idx="1">
+              <a:schemeClr val="accent1"/>
+            </a:fillRef>
+            <a:effectRef idx="0">
+              <a:schemeClr val="accent1"/>
+            </a:effectRef>
+            <a:fontRef idx="minor">
+              <a:schemeClr val="lt1"/>
+            </a:fontRef>
+          </p:style>
+          <p:txBody>
+            <a:bodyPr rtlCol="0" anchor="ctr"/>
+            <a:lstStyle/>
+            <a:p>
+              <a:pPr algn="ctr"/>
+              <a:r>
+                <a:rPr lang="zh-CN" altLang="en-US" b="1" dirty="0" smtClean="0">
+                  <a:solidFill>
+                    <a:schemeClr val="tx1"/>
+                  </a:solidFill>
+                  <a:latin typeface="微软雅黑" pitchFamily="34" charset="-122"/>
+                  <a:ea typeface="微软雅黑" pitchFamily="34" charset="-122"/>
+                </a:rPr>
+                <a:t>风险</a:t>
+              </a:r>
+              <a:endParaRPr lang="zh-CN" altLang="en-US" b="1" dirty="0">
+                <a:solidFill>
+                  <a:schemeClr val="tx1"/>
+                </a:solidFill>
+                <a:latin typeface="微软雅黑" pitchFamily="34" charset="-122"/>
+                <a:ea typeface="微软雅黑" pitchFamily="34" charset="-122"/>
+              </a:endParaRPr>
+            </a:p>
+          </p:txBody>
+        </p:sp>
+        <p:sp>
+          <p:nvSpPr>
+            <p:cNvPr id="16" name="下箭头 15"/>
+            <p:cNvSpPr/>
+            <p:nvPr/>
+          </p:nvSpPr>
+          <p:spPr>
+            <a:xfrm rot="14089794">
+              <a:off x="5208790" y="5293175"/>
+              <a:ext cx="838200" cy="874150"/>
+            </a:xfrm>
+            <a:prstGeom prst="downArrow">
+              <a:avLst/>
+            </a:prstGeom>
+          </p:spPr>
+          <p:style>
+            <a:lnRef idx="2">
+              <a:schemeClr val="accent1">
+                <a:shade val="50000"/>
+              </a:schemeClr>
+            </a:lnRef>
+            <a:fillRef idx="1">
+              <a:schemeClr val="accent1"/>
+            </a:fillRef>
+            <a:effectRef idx="0">
+              <a:schemeClr val="accent1"/>
+            </a:effectRef>
+            <a:fontRef idx="minor">
+              <a:schemeClr val="lt1"/>
+            </a:fontRef>
+          </p:style>
+          <p:txBody>
+            <a:bodyPr rtlCol="0" anchor="ctr"/>
+            <a:lstStyle/>
+            <a:p>
+              <a:pPr algn="ctr"/>
+              <a:r>
+                <a:rPr lang="zh-CN" altLang="en-US" b="1" dirty="0" smtClean="0">
+                  <a:solidFill>
+                    <a:schemeClr val="tx1"/>
+                  </a:solidFill>
+                  <a:latin typeface="微软雅黑" pitchFamily="34" charset="-122"/>
+                  <a:ea typeface="微软雅黑" pitchFamily="34" charset="-122"/>
+                </a:rPr>
+                <a:t>风险</a:t>
+              </a:r>
+              <a:endParaRPr lang="zh-CN" altLang="en-US" b="1" dirty="0">
+                <a:solidFill>
+                  <a:schemeClr val="tx1"/>
+                </a:solidFill>
+                <a:latin typeface="微软雅黑" pitchFamily="34" charset="-122"/>
+                <a:ea typeface="微软雅黑" pitchFamily="34" charset="-122"/>
+              </a:endParaRPr>
+            </a:p>
+          </p:txBody>
+        </p:sp>
+        <p:sp>
+          <p:nvSpPr>
+            <p:cNvPr id="17" name="下箭头 16"/>
+            <p:cNvSpPr/>
+            <p:nvPr/>
+          </p:nvSpPr>
+          <p:spPr>
+            <a:xfrm rot="7968657">
+              <a:off x="7814649" y="5272805"/>
+              <a:ext cx="838200" cy="874150"/>
+            </a:xfrm>
+            <a:prstGeom prst="downArrow">
+              <a:avLst/>
+            </a:prstGeom>
+          </p:spPr>
+          <p:style>
+            <a:lnRef idx="2">
+              <a:schemeClr val="accent1">
+                <a:shade val="50000"/>
+              </a:schemeClr>
+            </a:lnRef>
+            <a:fillRef idx="1">
+              <a:schemeClr val="accent1"/>
+            </a:fillRef>
+            <a:effectRef idx="0">
+              <a:schemeClr val="accent1"/>
+            </a:effectRef>
+            <a:fontRef idx="minor">
+              <a:schemeClr val="lt1"/>
+            </a:fontRef>
+          </p:style>
+          <p:txBody>
+            <a:bodyPr rtlCol="0" anchor="ctr"/>
+            <a:lstStyle/>
+            <a:p>
+              <a:pPr algn="ctr"/>
+              <a:r>
+                <a:rPr lang="zh-CN" altLang="en-US" b="1" dirty="0" smtClean="0">
+                  <a:solidFill>
+                    <a:schemeClr val="tx1"/>
+                  </a:solidFill>
+                  <a:latin typeface="微软雅黑" pitchFamily="34" charset="-122"/>
+                  <a:ea typeface="微软雅黑" pitchFamily="34" charset="-122"/>
+                </a:rPr>
+                <a:t>风险</a:t>
+              </a:r>
+              <a:endParaRPr lang="zh-CN" altLang="en-US" b="1" dirty="0">
+                <a:solidFill>
+                  <a:schemeClr val="tx1"/>
+                </a:solidFill>
+                <a:latin typeface="微软雅黑" pitchFamily="34" charset="-122"/>
+                <a:ea typeface="微软雅黑" pitchFamily="34" charset="-122"/>
+              </a:endParaRPr>
+            </a:p>
+          </p:txBody>
+        </p:sp>
+        <p:sp>
+          <p:nvSpPr>
+            <p:cNvPr id="18" name="TextBox 17"/>
+            <p:cNvSpPr txBox="1"/>
+            <p:nvPr/>
+          </p:nvSpPr>
+          <p:spPr>
+            <a:xfrm>
+              <a:off x="6248400" y="2743200"/>
+              <a:ext cx="1210588" cy="400110"/>
+            </a:xfrm>
+            <a:prstGeom prst="rect">
+              <a:avLst/>
+            </a:prstGeom>
+            <a:noFill/>
+          </p:spPr>
+          <p:txBody>
+            <a:bodyPr wrap="none" rtlCol="0">
+              <a:spAutoFit/>
+            </a:bodyPr>
+            <a:lstStyle/>
+            <a:p>
+              <a:r>
+                <a:rPr lang="zh-CN" altLang="en-US" b="1" dirty="0" smtClean="0">
+                  <a:latin typeface="微软雅黑" pitchFamily="34" charset="-122"/>
+                  <a:ea typeface="微软雅黑" pitchFamily="34" charset="-122"/>
+                </a:rPr>
+                <a:t>客户需求</a:t>
+              </a:r>
+              <a:endParaRPr lang="zh-CN" altLang="en-US" b="1" dirty="0">
+                <a:latin typeface="微软雅黑" pitchFamily="34" charset="-122"/>
+                <a:ea typeface="微软雅黑" pitchFamily="34" charset="-122"/>
+              </a:endParaRPr>
+            </a:p>
+          </p:txBody>
+        </p:sp>
+        <p:sp>
+          <p:nvSpPr>
+            <p:cNvPr id="19" name="TextBox 18"/>
+            <p:cNvSpPr txBox="1"/>
+            <p:nvPr/>
+          </p:nvSpPr>
+          <p:spPr>
+            <a:xfrm>
+              <a:off x="6324600" y="5817513"/>
+              <a:ext cx="1210588" cy="400110"/>
+            </a:xfrm>
+            <a:prstGeom prst="rect">
+              <a:avLst/>
+            </a:prstGeom>
+            <a:noFill/>
+          </p:spPr>
+          <p:txBody>
+            <a:bodyPr wrap="none" rtlCol="0">
+              <a:spAutoFit/>
+            </a:bodyPr>
+            <a:lstStyle/>
+            <a:p>
+              <a:r>
+                <a:rPr lang="zh-CN" altLang="en-US" b="1" dirty="0" smtClean="0">
+                  <a:latin typeface="微软雅黑" pitchFamily="34" charset="-122"/>
+                  <a:ea typeface="微软雅黑" pitchFamily="34" charset="-122"/>
+                </a:rPr>
+                <a:t>客户需求</a:t>
+              </a:r>
+              <a:endParaRPr lang="zh-CN" altLang="en-US" b="1" dirty="0">
+                <a:latin typeface="微软雅黑" pitchFamily="34" charset="-122"/>
+                <a:ea typeface="微软雅黑" pitchFamily="34" charset="-122"/>
+              </a:endParaRPr>
+            </a:p>
+          </p:txBody>
+        </p:sp>
+        <p:sp>
+          <p:nvSpPr>
+            <p:cNvPr id="20" name="TextBox 19"/>
+            <p:cNvSpPr txBox="1"/>
+            <p:nvPr/>
+          </p:nvSpPr>
+          <p:spPr>
+            <a:xfrm>
+              <a:off x="5087939" y="3886200"/>
+              <a:ext cx="492443" cy="1118255"/>
+            </a:xfrm>
+            <a:prstGeom prst="rect">
+              <a:avLst/>
+            </a:prstGeom>
+            <a:noFill/>
+          </p:spPr>
+          <p:txBody>
+            <a:bodyPr vert="eaVert" wrap="none" rtlCol="0">
+              <a:spAutoFit/>
+            </a:bodyPr>
+            <a:lstStyle/>
+            <a:p>
+              <a:r>
+                <a:rPr lang="zh-CN" altLang="en-US" b="1" dirty="0" smtClean="0">
+                  <a:latin typeface="微软雅黑" pitchFamily="34" charset="-122"/>
+                  <a:ea typeface="微软雅黑" pitchFamily="34" charset="-122"/>
+                </a:rPr>
+                <a:t>客户需求</a:t>
+              </a:r>
+              <a:endParaRPr lang="zh-CN" altLang="en-US" b="1" dirty="0">
+                <a:latin typeface="微软雅黑" pitchFamily="34" charset="-122"/>
+                <a:ea typeface="微软雅黑" pitchFamily="34" charset="-122"/>
+              </a:endParaRPr>
+            </a:p>
+          </p:txBody>
+        </p:sp>
+        <p:sp>
+          <p:nvSpPr>
+            <p:cNvPr id="21" name="TextBox 20"/>
+            <p:cNvSpPr txBox="1"/>
+            <p:nvPr/>
+          </p:nvSpPr>
+          <p:spPr>
+            <a:xfrm>
+              <a:off x="8260379" y="3962400"/>
+              <a:ext cx="492443" cy="1118255"/>
+            </a:xfrm>
+            <a:prstGeom prst="rect">
+              <a:avLst/>
+            </a:prstGeom>
+            <a:noFill/>
+          </p:spPr>
+          <p:txBody>
+            <a:bodyPr vert="eaVert" wrap="none" rtlCol="0">
+              <a:spAutoFit/>
+            </a:bodyPr>
+            <a:lstStyle/>
+            <a:p>
+              <a:r>
+                <a:rPr lang="zh-CN" altLang="en-US" b="1" dirty="0" smtClean="0">
+                  <a:latin typeface="微软雅黑" pitchFamily="34" charset="-122"/>
+                  <a:ea typeface="微软雅黑" pitchFamily="34" charset="-122"/>
+                </a:rPr>
+                <a:t>客户需求</a:t>
+              </a:r>
+              <a:endParaRPr lang="zh-CN" altLang="en-US" b="1" dirty="0">
+                <a:latin typeface="微软雅黑" pitchFamily="34" charset="-122"/>
+                <a:ea typeface="微软雅黑" pitchFamily="34" charset="-122"/>
+              </a:endParaRPr>
+            </a:p>
+          </p:txBody>
+        </p:sp>
+      </p:grpSp>
+      <p:sp>
+        <p:nvSpPr>
+          <p:cNvPr id="23" name="燕尾形箭头 22"/>
+          <p:cNvSpPr/>
+          <p:nvPr/>
+        </p:nvSpPr>
+        <p:spPr>
+          <a:xfrm>
+            <a:off x="3638520" y="3695361"/>
+            <a:ext cx="1143000" cy="990600"/>
+          </a:xfrm>
+          <a:prstGeom prst="notchedRightArrow">
+            <a:avLst/>
+          </a:prstGeom>
+          <a:solidFill>
+            <a:schemeClr val="bg1">
+              <a:lumMod val="50000"/>
+            </a:schemeClr>
+          </a:solidFill>
+        </p:spPr>
+        <p:style>
+          <a:lnRef idx="2">
+            <a:schemeClr val="accent1">
+              <a:shade val="50000"/>
+            </a:schemeClr>
+          </a:lnRef>
+          <a:fillRef idx="1">
+            <a:schemeClr val="accent1"/>
+          </a:fillRef>
+          <a:effectRef idx="0">
+            <a:schemeClr val="accent1"/>
+          </a:effectRef>
+          <a:fontRef idx="minor">
+            <a:schemeClr val="lt1"/>
+          </a:fontRef>
+        </p:style>
+        <p:txBody>
+          <a:bodyPr rtlCol="0" anchor="ctr"/>
+          <a:lstStyle/>
+          <a:p>
+            <a:pPr algn="ctr"/>
+            <a:endParaRPr lang="zh-CN" altLang="en-US"/>
+          </a:p>
+        </p:txBody>
+      </p:sp>
+      <p:sp>
+        <p:nvSpPr>
+          <p:cNvPr id="3" name="TextBox 2"/>
+          <p:cNvSpPr txBox="1"/>
+          <p:nvPr/>
+        </p:nvSpPr>
+        <p:spPr>
+          <a:xfrm>
+            <a:off x="404698" y="2305395"/>
+            <a:ext cx="8032968" cy="646331"/>
+          </a:xfrm>
+          <a:prstGeom prst="rect">
+            <a:avLst/>
+          </a:prstGeom>
+          <a:noFill/>
+        </p:spPr>
+        <p:txBody>
+          <a:bodyPr wrap="none" rtlCol="0">
+            <a:spAutoFit/>
+          </a:bodyPr>
+          <a:lstStyle/>
+          <a:p>
+            <a:r>
+              <a:rPr lang="zh-CN" altLang="en-US" sz="3600" b="1" dirty="0" smtClean="0">
+                <a:solidFill>
+                  <a:schemeClr val="accent6">
+                    <a:lumMod val="75000"/>
+                  </a:schemeClr>
+                </a:solidFill>
+                <a:latin typeface="微软雅黑" pitchFamily="34" charset="-122"/>
+                <a:ea typeface="微软雅黑" pitchFamily="34" charset="-122"/>
+              </a:rPr>
+              <a:t>现代项目管理思想：让利益相关者满意</a:t>
+            </a:r>
+            <a:endParaRPr lang="zh-CN" altLang="en-US" sz="3600" b="1" dirty="0">
+              <a:solidFill>
+                <a:schemeClr val="accent6">
+                  <a:lumMod val="75000"/>
+                </a:schemeClr>
+              </a:solidFill>
+              <a:latin typeface="微软雅黑" pitchFamily="34" charset="-122"/>
+              <a:ea typeface="微软雅黑" pitchFamily="34" charset="-122"/>
+            </a:endParaRPr>
+          </a:p>
+        </p:txBody>
+      </p:sp>
+    </p:spTree>
+    <p:extLst>
+      <p:ext uri="{BB962C8B-B14F-4D97-AF65-F5344CB8AC3E}">
+        <p14:creationId xmlns:p14="http://schemas.microsoft.com/office/powerpoint/2010/main" val="2994728746"/>
+      </p:ext>
+    </p:extLst>
+  </p:cSld>
+  <p:clrMapOvr>
+    <a:masterClrMapping/>
+  </p:clrMapOvr>
+  <p:timing>
+    <p:tnLst>
+      <p:par>
+        <p:cTn id="1" dur="indefinite" restart="never" nodeType="tmRoot">
+          <p:childTnLst>
+            <p:seq concurrent="1" nextAc="seek">
+              <p:cTn id="2" dur="indefinite" nodeType="mainSeq">
+                <p:childTnLst>
+                  <p:par>
+                    <p:cTn id="3" fill="hold">
+                      <p:stCondLst>
+                        <p:cond delay="indefinite"/>
+                        <p:cond evt="onBegin" delay="0">
+                          <p:tn val="2"/>
+                        </p:cond>
+                      </p:stCondLst>
+                      <p:childTnLst>
+                        <p:par>
+                          <p:cTn id="4" fill="hold">
+                            <p:stCondLst>
+                              <p:cond delay="0"/>
+                            </p:stCondLst>
+                            <p:childTnLst>
+                              <p:par>
+                                <p:cTn id="5" presetID="10" presetClass="entr" presetSubtype="0" fill="hold" nodeType="afterEffect">
+                                  <p:stCondLst>
+                                    <p:cond delay="0"/>
+                                  </p:stCondLst>
+                                  <p:childTnLst>
+                                    <p:set>
+                                      <p:cBhvr>
+                                        <p:cTn id="6" dur="1" fill="hold">
+                                          <p:stCondLst>
+                                            <p:cond delay="0"/>
+                                          </p:stCondLst>
+                                        </p:cTn>
+                                        <p:tgtEl>
+                                          <p:spTgt spid="7"/>
+                                        </p:tgtEl>
+                                        <p:attrNameLst>
+                                          <p:attrName>style.visibility</p:attrName>
+                                        </p:attrNameLst>
+                                      </p:cBhvr>
+                                      <p:to>
+                                        <p:strVal val="visible"/>
+                                      </p:to>
+                                    </p:set>
+                                    <p:animEffect transition="in" filter="fade">
+                                      <p:cBhvr>
+                                        <p:cTn id="7" dur="2000"/>
+                                        <p:tgtEl>
+                                          <p:spTgt spid="7"/>
+                                        </p:tgtEl>
+                                      </p:cBhvr>
+                                    </p:animEffect>
+                                  </p:childTnLst>
+                                </p:cTn>
+                              </p:par>
+                            </p:childTnLst>
+                          </p:cTn>
+                        </p:par>
+                      </p:childTnLst>
+                    </p:cTn>
+                  </p:par>
+                  <p:par>
+                    <p:cTn id="8" fill="hold">
+                      <p:stCondLst>
+                        <p:cond delay="indefinite"/>
+                      </p:stCondLst>
+                      <p:childTnLst>
+                        <p:par>
+                          <p:cTn id="9" fill="hold">
+                            <p:stCondLst>
+                              <p:cond delay="0"/>
+                            </p:stCondLst>
+                            <p:childTnLst>
+                              <p:par>
+                                <p:cTn id="10" presetID="21" presetClass="entr" presetSubtype="1" fill="hold" grpId="0" nodeType="clickEffect">
+                                  <p:stCondLst>
+                                    <p:cond delay="0"/>
+                                  </p:stCondLst>
+                                  <p:childTnLst>
+                                    <p:set>
+                                      <p:cBhvr>
+                                        <p:cTn id="11" dur="1" fill="hold">
+                                          <p:stCondLst>
+                                            <p:cond delay="0"/>
+                                          </p:stCondLst>
+                                        </p:cTn>
+                                        <p:tgtEl>
+                                          <p:spTgt spid="3"/>
+                                        </p:tgtEl>
+                                        <p:attrNameLst>
+                                          <p:attrName>style.visibility</p:attrName>
+                                        </p:attrNameLst>
+                                      </p:cBhvr>
+                                      <p:to>
+                                        <p:strVal val="visible"/>
+                                      </p:to>
+                                    </p:set>
+                                    <p:animEffect transition="in" filter="wheel(1)">
+                                      <p:cBhvr>
+                                        <p:cTn id="12" dur="2000"/>
+                                        <p:tgtEl>
+                                          <p:spTgt spid="3"/>
+                                        </p:tgtEl>
+                                      </p:cBhvr>
+                                    </p:animEffect>
+                                  </p:childTnLst>
+                                </p:cTn>
+                              </p:par>
+                            </p:childTnLst>
+                          </p:cTn>
+                        </p:par>
+                      </p:childTnLst>
+                    </p:cTn>
+                  </p:par>
+                  <p:par>
+                    <p:cTn id="13" fill="hold">
+                      <p:stCondLst>
+                        <p:cond delay="indefinite"/>
+                      </p:stCondLst>
+                      <p:childTnLst>
+                        <p:par>
+                          <p:cTn id="14" fill="hold">
+                            <p:stCondLst>
+                              <p:cond delay="0"/>
+                            </p:stCondLst>
+                            <p:childTnLst>
+                              <p:par>
+                                <p:cTn id="15" presetID="10" presetClass="entr" presetSubtype="0" fill="hold" grpId="0" nodeType="clickEffect">
+                                  <p:stCondLst>
+                                    <p:cond delay="0"/>
+                                  </p:stCondLst>
+                                  <p:childTnLst>
+                                    <p:set>
+                                      <p:cBhvr>
+                                        <p:cTn id="16" dur="1" fill="hold">
+                                          <p:stCondLst>
+                                            <p:cond delay="0"/>
+                                          </p:stCondLst>
+                                        </p:cTn>
+                                        <p:tgtEl>
+                                          <p:spTgt spid="23"/>
+                                        </p:tgtEl>
+                                        <p:attrNameLst>
+                                          <p:attrName>style.visibility</p:attrName>
+                                        </p:attrNameLst>
+                                      </p:cBhvr>
+                                      <p:to>
+                                        <p:strVal val="visible"/>
+                                      </p:to>
+                                    </p:set>
+                                    <p:animEffect transition="in" filter="fade">
+                                      <p:cBhvr>
+                                        <p:cTn id="17" dur="2000"/>
+                                        <p:tgtEl>
+                                          <p:spTgt spid="23"/>
+                                        </p:tgtEl>
+                                      </p:cBhvr>
+                                    </p:animEffect>
+                                  </p:childTnLst>
+                                </p:cTn>
+                              </p:par>
+                              <p:par>
+                                <p:cTn id="18" presetID="10" presetClass="entr" presetSubtype="0" fill="hold" nodeType="withEffect">
+                                  <p:stCondLst>
+                                    <p:cond delay="0"/>
+                                  </p:stCondLst>
+                                  <p:childTnLst>
+                                    <p:set>
+                                      <p:cBhvr>
+                                        <p:cTn id="19" dur="1" fill="hold">
+                                          <p:stCondLst>
+                                            <p:cond delay="0"/>
+                                          </p:stCondLst>
+                                        </p:cTn>
+                                        <p:tgtEl>
+                                          <p:spTgt spid="2"/>
+                                        </p:tgtEl>
+                                        <p:attrNameLst>
+                                          <p:attrName>style.visibility</p:attrName>
+                                        </p:attrNameLst>
+                                      </p:cBhvr>
+                                      <p:to>
+                                        <p:strVal val="visible"/>
+                                      </p:to>
+                                    </p:set>
+                                    <p:animEffect transition="in" filter="fade">
+                                      <p:cBhvr>
+                                        <p:cTn id="20" dur="2000"/>
+                                        <p:tgtEl>
+                                          <p:spTgt spid="2"/>
+                                        </p:tgtEl>
+                                      </p:cBhvr>
+                                    </p:animEffect>
+                                  </p:childTnLst>
+                                </p:cTn>
+                              </p:par>
+                            </p:childTnLst>
+                          </p:cTn>
+                        </p:par>
+                      </p:childTnLst>
+                    </p:cTn>
+                  </p:par>
+                </p:childTnLst>
+              </p:cTn>
+              <p:prevCondLst>
+                <p:cond evt="onPrev" delay="0">
+                  <p:tgtEl>
+                    <p:sldTgt/>
+                  </p:tgtEl>
+                </p:cond>
+              </p:prevCondLst>
+              <p:nextCondLst>
+                <p:cond evt="onNext" delay="0">
+                  <p:tgtEl>
+                    <p:sldTgt/>
+                  </p:tgtEl>
+                </p:cond>
+              </p:nextCondLst>
+            </p:seq>
+          </p:childTnLst>
+        </p:cTn>
+      </p:par>
+    </p:tnLst>
+    <p:bldLst>
+      <p:bldP spid="23" grpId="0" animBg="1"/>
+      <p:bldP spid="3" grpId="0"/>
+    </p:bldLst>
+  </p:timing>
+</p:sld>
+</file>
+
 <file path=ppt/slides/slide9.xml><?xml version="1.0" encoding="utf-8"?>
 <p:sld xmlns:a="http://schemas.openxmlformats.org/drawingml/2006/main" xmlns:r="http://schemas.openxmlformats.org/officeDocument/2006/relationships" xmlns:p="http://schemas.openxmlformats.org/presentationml/2006/main">
   <p:cSld>
@@ -19745,31 +19403,16 @@
           <a:lstStyle/>
           <a:p>
             <a:r>
-              <a:rPr lang="en-US" altLang="zh-CN" dirty="0" smtClean="0"/>
-              <a:t>IT</a:t>
-            </a:r>
-            <a:r>
-              <a:rPr lang="zh-CN" altLang="en-US" dirty="0"/>
-              <a:t>项目</a:t>
-            </a:r>
-            <a:r>
               <a:rPr lang="zh-CN" altLang="en-US" dirty="0" smtClean="0"/>
-              <a:t>与</a:t>
-            </a:r>
-            <a:r>
-              <a:rPr lang="en-US" altLang="zh-CN" dirty="0" smtClean="0"/>
-              <a:t>IT</a:t>
-            </a:r>
-            <a:r>
-              <a:rPr lang="zh-CN" altLang="en-US" dirty="0"/>
-              <a:t>运营</a:t>
-            </a:r>
+              <a:t>项目管理的过程</a:t>
+            </a:r>
+            <a:endParaRPr lang="zh-CN" altLang="en-US" dirty="0"/>
           </a:p>
         </p:txBody>
       </p:sp>
       <p:pic>
         <p:nvPicPr>
-          <p:cNvPr id="4" name="Picture 67"/>
+          <p:cNvPr id="4" name="Picture 1"/>
           <p:cNvPicPr>
             <a:picLocks noChangeAspect="1" noChangeArrowheads="1"/>
           </p:cNvPicPr>
@@ -19777,64 +19420,213 @@
         </p:nvPicPr>
         <p:blipFill>
           <a:blip r:embed="rId2">
-            <a:extLst>
-              <a:ext uri="{28A0092B-C50C-407E-A947-70E740481C1C}">
-                <a14:useLocalDpi xmlns:a14="http://schemas.microsoft.com/office/drawing/2010/main" val="0"/>
-              </a:ext>
-            </a:extLst>
+            <a:clrChange>
+              <a:clrFrom>
+                <a:srgbClr val="FFFFFF"/>
+              </a:clrFrom>
+              <a:clrTo>
+                <a:srgbClr val="FFFFFF">
+                  <a:alpha val="0"/>
+                </a:srgbClr>
+              </a:clrTo>
+            </a:clrChange>
           </a:blip>
-          <a:srcRect/>
+          <a:srcRect l="11875" t="26874" r="6250" b="12145"/>
           <a:stretch>
             <a:fillRect/>
           </a:stretch>
         </p:blipFill>
         <p:spPr bwMode="auto">
           <a:xfrm>
-            <a:off x="307726" y="1933302"/>
-            <a:ext cx="8440738" cy="2863850"/>
+            <a:off x="381000" y="2957744"/>
+            <a:ext cx="8382000" cy="3775099"/>
           </a:xfrm>
           <a:prstGeom prst="rect">
             <a:avLst/>
           </a:prstGeom>
           <a:noFill/>
-          <a:ln>
+          <a:ln w="9525">
             <a:noFill/>
+            <a:miter lim="800000"/>
+            <a:headEnd/>
+            <a:tailEnd/>
           </a:ln>
           <a:effectLst/>
-          <a:extLst>
-            <a:ext uri="{909E8E84-426E-40DD-AFC4-6F175D3DCCD1}">
-              <a14:hiddenFill xmlns:a14="http://schemas.microsoft.com/office/drawing/2010/main">
-                <a:solidFill>
-                  <a:schemeClr val="accent1"/>
-                </a:solidFill>
-              </a14:hiddenFill>
-            </a:ext>
-            <a:ext uri="{91240B29-F687-4F45-9708-019B960494DF}">
-              <a14:hiddenLine xmlns:a14="http://schemas.microsoft.com/office/drawing/2010/main" w="9525">
-                <a:solidFill>
-                  <a:schemeClr val="tx1"/>
-                </a:solidFill>
-                <a:miter lim="800000"/>
-                <a:headEnd/>
-                <a:tailEnd/>
-              </a14:hiddenLine>
-            </a:ext>
-            <a:ext uri="{AF507438-7753-43E0-B8FC-AC1667EBCBE1}">
-              <a14:hiddenEffects xmlns:a14="http://schemas.microsoft.com/office/drawing/2010/main">
-                <a:effectLst>
-                  <a:outerShdw dist="35921" dir="2700000" algn="ctr" rotWithShape="0">
-                    <a:schemeClr val="bg2"/>
-                  </a:outerShdw>
-                </a:effectLst>
-              </a14:hiddenEffects>
-            </a:ext>
-          </a:extLst>
         </p:spPr>
       </p:pic>
+      <p:sp>
+        <p:nvSpPr>
+          <p:cNvPr id="7" name="内容占位符 2"/>
+          <p:cNvSpPr>
+            <a:spLocks noGrp="1"/>
+          </p:cNvSpPr>
+          <p:nvPr>
+            <p:ph idx="1"/>
+          </p:nvPr>
+        </p:nvSpPr>
+        <p:spPr>
+          <a:xfrm>
+            <a:off x="295275" y="1489075"/>
+            <a:ext cx="8524875" cy="4313238"/>
+          </a:xfrm>
+        </p:spPr>
+        <p:txBody>
+          <a:bodyPr/>
+          <a:lstStyle/>
+          <a:p>
+            <a:r>
+              <a:rPr lang="zh-CN" altLang="en-US" sz="2400" dirty="0" smtClean="0"/>
+              <a:t>直观但不准确的项目管理过程可以理解为：</a:t>
+            </a:r>
+            <a:r>
+              <a:rPr lang="en-US" altLang="zh-CN" sz="2400" dirty="0" smtClean="0"/>
+              <a:t/>
+            </a:r>
+            <a:br>
+              <a:rPr lang="en-US" altLang="zh-CN" sz="2400" dirty="0" smtClean="0"/>
+            </a:br>
+            <a:r>
+              <a:rPr lang="en-US" altLang="zh-CN" sz="2400" dirty="0" smtClean="0"/>
+              <a:t>    </a:t>
+            </a:r>
+            <a:r>
+              <a:rPr lang="zh-CN" altLang="en-US" sz="2400" b="1" dirty="0" smtClean="0">
+                <a:solidFill>
+                  <a:srgbClr val="FF0000"/>
+                </a:solidFill>
+              </a:rPr>
+              <a:t>立项</a:t>
+            </a:r>
+            <a:r>
+              <a:rPr lang="en-US" altLang="zh-CN" sz="2400" b="1" dirty="0" smtClean="0">
+                <a:solidFill>
+                  <a:srgbClr val="FF0000"/>
+                </a:solidFill>
+                <a:sym typeface="Wingdings" pitchFamily="2" charset="2"/>
+              </a:rPr>
+              <a:t></a:t>
+            </a:r>
+            <a:r>
+              <a:rPr lang="zh-CN" altLang="en-US" sz="2400" b="1" dirty="0" smtClean="0">
+                <a:solidFill>
+                  <a:srgbClr val="FF0000"/>
+                </a:solidFill>
+                <a:sym typeface="Wingdings" pitchFamily="2" charset="2"/>
+              </a:rPr>
+              <a:t>启动</a:t>
+            </a:r>
+            <a:r>
+              <a:rPr lang="en-US" altLang="zh-CN" sz="2400" b="1" dirty="0" smtClean="0">
+                <a:solidFill>
+                  <a:srgbClr val="FF0000"/>
+                </a:solidFill>
+                <a:sym typeface="Wingdings" pitchFamily="2" charset="2"/>
+              </a:rPr>
+              <a:t></a:t>
+            </a:r>
+            <a:r>
+              <a:rPr lang="zh-CN" altLang="en-US" sz="2400" b="1" dirty="0" smtClean="0">
+                <a:solidFill>
+                  <a:srgbClr val="FF0000"/>
+                </a:solidFill>
+                <a:sym typeface="Wingdings" pitchFamily="2" charset="2"/>
+              </a:rPr>
+              <a:t>规划</a:t>
+            </a:r>
+            <a:r>
+              <a:rPr lang="en-US" altLang="zh-CN" sz="2400" b="1" dirty="0" smtClean="0">
+                <a:solidFill>
+                  <a:srgbClr val="FF0000"/>
+                </a:solidFill>
+                <a:sym typeface="Wingdings" pitchFamily="2" charset="2"/>
+              </a:rPr>
+              <a:t></a:t>
+            </a:r>
+            <a:r>
+              <a:rPr lang="zh-CN" altLang="en-US" sz="2400" b="1" dirty="0" smtClean="0">
+                <a:solidFill>
+                  <a:srgbClr val="FF0000"/>
+                </a:solidFill>
+                <a:sym typeface="Wingdings" pitchFamily="2" charset="2"/>
+              </a:rPr>
+              <a:t>实施</a:t>
+            </a:r>
+            <a:r>
+              <a:rPr lang="en-US" altLang="zh-CN" sz="2400" b="1" dirty="0" smtClean="0">
+                <a:solidFill>
+                  <a:srgbClr val="FF0000"/>
+                </a:solidFill>
+                <a:sym typeface="Wingdings" pitchFamily="2" charset="2"/>
+              </a:rPr>
+              <a:t></a:t>
+            </a:r>
+            <a:r>
+              <a:rPr lang="zh-CN" altLang="en-US" sz="2400" b="1" dirty="0" smtClean="0">
+                <a:solidFill>
+                  <a:srgbClr val="FF0000"/>
+                </a:solidFill>
+                <a:sym typeface="Wingdings" pitchFamily="2" charset="2"/>
+              </a:rPr>
+              <a:t>监控</a:t>
+            </a:r>
+            <a:r>
+              <a:rPr lang="en-US" altLang="zh-CN" sz="2400" b="1" dirty="0" smtClean="0">
+                <a:solidFill>
+                  <a:srgbClr val="FF0000"/>
+                </a:solidFill>
+                <a:sym typeface="Wingdings" pitchFamily="2" charset="2"/>
+              </a:rPr>
+              <a:t></a:t>
+            </a:r>
+            <a:r>
+              <a:rPr lang="zh-CN" altLang="en-US" sz="2400" b="1" dirty="0" smtClean="0">
+                <a:solidFill>
+                  <a:srgbClr val="FF0000"/>
+                </a:solidFill>
+                <a:sym typeface="Wingdings" pitchFamily="2" charset="2"/>
+              </a:rPr>
+              <a:t>验收</a:t>
+            </a:r>
+            <a:r>
+              <a:rPr lang="en-US" altLang="zh-CN" sz="2400" b="1" dirty="0" smtClean="0">
+                <a:solidFill>
+                  <a:srgbClr val="FF0000"/>
+                </a:solidFill>
+                <a:sym typeface="Wingdings" pitchFamily="2" charset="2"/>
+              </a:rPr>
+              <a:t></a:t>
+            </a:r>
+            <a:r>
+              <a:rPr lang="zh-CN" altLang="en-US" sz="2400" b="1" dirty="0" smtClean="0">
+                <a:solidFill>
+                  <a:srgbClr val="FF0000"/>
+                </a:solidFill>
+                <a:sym typeface="Wingdings" pitchFamily="2" charset="2"/>
+              </a:rPr>
+              <a:t>收尾</a:t>
+            </a:r>
+            <a:endParaRPr lang="en-US" altLang="zh-CN" sz="2400" b="1" dirty="0" smtClean="0">
+              <a:solidFill>
+                <a:srgbClr val="FF0000"/>
+              </a:solidFill>
+              <a:sym typeface="Wingdings" pitchFamily="2" charset="2"/>
+            </a:endParaRPr>
+          </a:p>
+          <a:p>
+            <a:r>
+              <a:rPr lang="zh-CN" altLang="en-US" sz="2400" dirty="0" smtClean="0">
+                <a:sym typeface="Wingdings" pitchFamily="2" charset="2"/>
+              </a:rPr>
+              <a:t>下图显示的是真实而准确的项目管理过程：</a:t>
+            </a:r>
+            <a:endParaRPr lang="zh-CN" altLang="en-US" sz="2400" dirty="0"/>
+          </a:p>
+        </p:txBody>
+      </p:sp>
     </p:spTree>
     <p:extLst>
       <p:ext uri="{BB962C8B-B14F-4D97-AF65-F5344CB8AC3E}">
-        <p14:creationId xmlns:p14="http://schemas.microsoft.com/office/powerpoint/2010/main" val="1946034126"/>
+        <p14:creationId xmlns:p14="http://schemas.microsoft.com/office/powerpoint/2010/main" val="3918687329"/>
       </p:ext>
     </p:extLst>
   </p:cSld>
@@ -19844,7 +19636,206 @@
   <p:timing>
     <p:tnLst>
       <p:par>
-        <p:cTn id="1" dur="indefinite" restart="never" nodeType="tmRoot"/>
+        <p:cTn id="1" dur="indefinite" restart="never" nodeType="tmRoot">
+          <p:childTnLst>
+            <p:seq concurrent="1" nextAc="seek">
+              <p:cTn id="2" dur="indefinite" nodeType="mainSeq">
+                <p:childTnLst>
+                  <p:par>
+                    <p:cTn id="3" fill="hold">
+                      <p:stCondLst>
+                        <p:cond delay="indefinite"/>
+                      </p:stCondLst>
+                      <p:childTnLst>
+                        <p:par>
+                          <p:cTn id="4" fill="hold">
+                            <p:stCondLst>
+                              <p:cond delay="0"/>
+                            </p:stCondLst>
+                            <p:childTnLst>
+                              <p:par>
+                                <p:cTn id="5" presetID="2" presetClass="entr" presetSubtype="4" fill="hold" nodeType="clickEffect">
+                                  <p:stCondLst>
+                                    <p:cond delay="0"/>
+                                  </p:stCondLst>
+                                  <p:childTnLst>
+                                    <p:set>
+                                      <p:cBhvr>
+                                        <p:cTn id="6" dur="1" fill="hold">
+                                          <p:stCondLst>
+                                            <p:cond delay="0"/>
+                                          </p:stCondLst>
+                                        </p:cTn>
+                                        <p:tgtEl>
+                                          <p:spTgt spid="7">
+                                            <p:txEl>
+                                              <p:pRg st="1" end="1"/>
+                                            </p:txEl>
+                                          </p:spTgt>
+                                        </p:tgtEl>
+                                        <p:attrNameLst>
+                                          <p:attrName>style.visibility</p:attrName>
+                                        </p:attrNameLst>
+                                      </p:cBhvr>
+                                      <p:to>
+                                        <p:strVal val="visible"/>
+                                      </p:to>
+                                    </p:set>
+                                    <p:anim calcmode="lin" valueType="num">
+                                      <p:cBhvr additive="base">
+                                        <p:cTn id="7" dur="500" fill="hold"/>
+                                        <p:tgtEl>
+                                          <p:spTgt spid="7">
+                                            <p:txEl>
+                                              <p:pRg st="1" end="1"/>
+                                            </p:txEl>
+                                          </p:spTgt>
+                                        </p:tgtEl>
+                                        <p:attrNameLst>
+                                          <p:attrName>ppt_x</p:attrName>
+                                        </p:attrNameLst>
+                                      </p:cBhvr>
+                                      <p:tavLst>
+                                        <p:tav tm="0">
+                                          <p:val>
+                                            <p:strVal val="#ppt_x"/>
+                                          </p:val>
+                                        </p:tav>
+                                        <p:tav tm="100000">
+                                          <p:val>
+                                            <p:strVal val="#ppt_x"/>
+                                          </p:val>
+                                        </p:tav>
+                                      </p:tavLst>
+                                    </p:anim>
+                                    <p:anim calcmode="lin" valueType="num">
+                                      <p:cBhvr additive="base">
+                                        <p:cTn id="8" dur="500" fill="hold"/>
+                                        <p:tgtEl>
+                                          <p:spTgt spid="7">
+                                            <p:txEl>
+                                              <p:pRg st="1" end="1"/>
+                                            </p:txEl>
+                                          </p:spTgt>
+                                        </p:tgtEl>
+                                        <p:attrNameLst>
+                                          <p:attrName>ppt_y</p:attrName>
+                                        </p:attrNameLst>
+                                      </p:cBhvr>
+                                      <p:tavLst>
+                                        <p:tav tm="0">
+                                          <p:val>
+                                            <p:strVal val="1+#ppt_h/2"/>
+                                          </p:val>
+                                        </p:tav>
+                                        <p:tav tm="100000">
+                                          <p:val>
+                                            <p:strVal val="#ppt_y"/>
+                                          </p:val>
+                                        </p:tav>
+                                      </p:tavLst>
+                                    </p:anim>
+                                  </p:childTnLst>
+                                </p:cTn>
+                              </p:par>
+                              <p:par>
+                                <p:cTn id="9" presetID="2" presetClass="entr" presetSubtype="4" fill="hold" nodeType="withEffect">
+                                  <p:stCondLst>
+                                    <p:cond delay="0"/>
+                                  </p:stCondLst>
+                                  <p:childTnLst>
+                                    <p:set>
+                                      <p:cBhvr>
+                                        <p:cTn id="10" dur="1" fill="hold">
+                                          <p:stCondLst>
+                                            <p:cond delay="0"/>
+                                          </p:stCondLst>
+                                        </p:cTn>
+                                        <p:tgtEl>
+                                          <p:spTgt spid="4"/>
+                                        </p:tgtEl>
+                                        <p:attrNameLst>
+                                          <p:attrName>style.visibility</p:attrName>
+                                        </p:attrNameLst>
+                                      </p:cBhvr>
+                                      <p:to>
+                                        <p:strVal val="visible"/>
+                                      </p:to>
+                                    </p:set>
+                                    <p:anim calcmode="lin" valueType="num">
+                                      <p:cBhvr additive="base">
+                                        <p:cTn id="11" dur="500" fill="hold"/>
+                                        <p:tgtEl>
+                                          <p:spTgt spid="4"/>
+                                        </p:tgtEl>
+                                        <p:attrNameLst>
+                                          <p:attrName>ppt_x</p:attrName>
+                                        </p:attrNameLst>
+                                      </p:cBhvr>
+                                      <p:tavLst>
+                                        <p:tav tm="0">
+                                          <p:val>
+                                            <p:strVal val="#ppt_x"/>
+                                          </p:val>
+                                        </p:tav>
+                                        <p:tav tm="100000">
+                                          <p:val>
+                                            <p:strVal val="#ppt_x"/>
+                                          </p:val>
+                                        </p:tav>
+                                      </p:tavLst>
+                                    </p:anim>
+                                    <p:anim calcmode="lin" valueType="num">
+                                      <p:cBhvr additive="base">
+                                        <p:cTn id="12" dur="500" fill="hold"/>
+                                        <p:tgtEl>
+                                          <p:spTgt spid="4"/>
+                                        </p:tgtEl>
+                                        <p:attrNameLst>
+                                          <p:attrName>ppt_y</p:attrName>
+                                        </p:attrNameLst>
+                                      </p:cBhvr>
+                                      <p:tavLst>
+                                        <p:tav tm="0">
+                                          <p:val>
+                                            <p:strVal val="1+#ppt_h/2"/>
+                                          </p:val>
+                                        </p:tav>
+                                        <p:tav tm="100000">
+                                          <p:val>
+                                            <p:strVal val="#ppt_y"/>
+                                          </p:val>
+                                        </p:tav>
+                                      </p:tavLst>
+                                    </p:anim>
+                                  </p:childTnLst>
+                                </p:cTn>
+                              </p:par>
+                            </p:childTnLst>
+                          </p:cTn>
+                        </p:par>
+                      </p:childTnLst>
+                    </p:cTn>
+                  </p:par>
+                </p:childTnLst>
+              </p:cTn>
+              <p:prevCondLst>
+                <p:cond evt="onPrev" delay="0">
+                  <p:tgtEl>
+                    <p:sldTgt/>
+                  </p:tgtEl>
+                </p:cond>
+              </p:prevCondLst>
+              <p:nextCondLst>
+                <p:cond evt="onNext" delay="0">
+                  <p:tgtEl>
+                    <p:sldTgt/>
+                  </p:tgtEl>
+                </p:cond>
+              </p:nextCondLst>
+            </p:seq>
+          </p:childTnLst>
+        </p:cTn>
       </p:par>
     </p:tnLst>
   </p:timing>
